--- a/MinerLeague Presentation Case Study 2.pptx
+++ b/MinerLeague Presentation Case Study 2.pptx
@@ -5,7 +5,7 @@
     <p:sldMasterId id="2147483920" r:id="rId1"/>
   </p:sldMasterIdLst>
   <p:notesMasterIdLst>
-    <p:notesMasterId r:id="rId16"/>
+    <p:notesMasterId r:id="rId15"/>
   </p:notesMasterIdLst>
   <p:sldIdLst>
     <p:sldId id="256" r:id="rId2"/>
@@ -13,15 +13,14 @@
     <p:sldId id="265" r:id="rId4"/>
     <p:sldId id="270" r:id="rId5"/>
     <p:sldId id="266" r:id="rId6"/>
-    <p:sldId id="271" r:id="rId7"/>
-    <p:sldId id="267" r:id="rId8"/>
-    <p:sldId id="269" r:id="rId9"/>
-    <p:sldId id="272" r:id="rId10"/>
-    <p:sldId id="274" r:id="rId11"/>
-    <p:sldId id="268" r:id="rId12"/>
-    <p:sldId id="273" r:id="rId13"/>
-    <p:sldId id="275" r:id="rId14"/>
-    <p:sldId id="276" r:id="rId15"/>
+    <p:sldId id="267" r:id="rId7"/>
+    <p:sldId id="269" r:id="rId8"/>
+    <p:sldId id="272" r:id="rId9"/>
+    <p:sldId id="274" r:id="rId10"/>
+    <p:sldId id="268" r:id="rId11"/>
+    <p:sldId id="273" r:id="rId12"/>
+    <p:sldId id="275" r:id="rId13"/>
+    <p:sldId id="276" r:id="rId14"/>
   </p:sldIdLst>
   <p:sldSz cx="12192000" cy="6858000"/>
   <p:notesSz cx="6858000" cy="9144000"/>
@@ -210,7 +209,7 @@
           <a:p>
             <a:fld id="{716AE770-11DA-436A-9DC6-C5C6EE90CEB2}" type="datetimeFigureOut">
               <a:rPr lang="en-US" smtClean="0"/>
-              <a:t>8/11/2019</a:t>
+              <a:t>8/12/2019</a:t>
             </a:fld>
             <a:endParaRPr lang="en-US"/>
           </a:p>
@@ -624,7 +623,7 @@
           <a:p>
             <a:fld id="{B7433B46-9C33-4431-BD6C-16E2A502F258}" type="datetimeFigureOut">
               <a:rPr lang="en-US" smtClean="0"/>
-              <a:t>8/11/2019</a:t>
+              <a:t>8/12/2019</a:t>
             </a:fld>
             <a:endParaRPr lang="en-US"/>
           </a:p>
@@ -822,7 +821,7 @@
           <a:p>
             <a:fld id="{B7433B46-9C33-4431-BD6C-16E2A502F258}" type="datetimeFigureOut">
               <a:rPr lang="en-US" smtClean="0"/>
-              <a:t>8/11/2019</a:t>
+              <a:t>8/12/2019</a:t>
             </a:fld>
             <a:endParaRPr lang="en-US"/>
           </a:p>
@@ -1030,7 +1029,7 @@
           <a:p>
             <a:fld id="{B7433B46-9C33-4431-BD6C-16E2A502F258}" type="datetimeFigureOut">
               <a:rPr lang="en-US" smtClean="0"/>
-              <a:t>8/11/2019</a:t>
+              <a:t>8/12/2019</a:t>
             </a:fld>
             <a:endParaRPr lang="en-US"/>
           </a:p>
@@ -1228,7 +1227,7 @@
           <a:p>
             <a:fld id="{B7433B46-9C33-4431-BD6C-16E2A502F258}" type="datetimeFigureOut">
               <a:rPr lang="en-US" smtClean="0"/>
-              <a:t>8/11/2019</a:t>
+              <a:t>8/12/2019</a:t>
             </a:fld>
             <a:endParaRPr lang="en-US"/>
           </a:p>
@@ -1503,7 +1502,7 @@
           <a:p>
             <a:fld id="{B7433B46-9C33-4431-BD6C-16E2A502F258}" type="datetimeFigureOut">
               <a:rPr lang="en-US" smtClean="0"/>
-              <a:t>8/11/2019</a:t>
+              <a:t>8/12/2019</a:t>
             </a:fld>
             <a:endParaRPr lang="en-US"/>
           </a:p>
@@ -1768,7 +1767,7 @@
           <a:p>
             <a:fld id="{B7433B46-9C33-4431-BD6C-16E2A502F258}" type="datetimeFigureOut">
               <a:rPr lang="en-US" smtClean="0"/>
-              <a:t>8/11/2019</a:t>
+              <a:t>8/12/2019</a:t>
             </a:fld>
             <a:endParaRPr lang="en-US"/>
           </a:p>
@@ -2185,7 +2184,7 @@
           <a:p>
             <a:fld id="{B7433B46-9C33-4431-BD6C-16E2A502F258}" type="datetimeFigureOut">
               <a:rPr lang="en-US" smtClean="0"/>
-              <a:t>8/11/2019</a:t>
+              <a:t>8/12/2019</a:t>
             </a:fld>
             <a:endParaRPr lang="en-US"/>
           </a:p>
@@ -2331,7 +2330,7 @@
           <a:p>
             <a:fld id="{B7433B46-9C33-4431-BD6C-16E2A502F258}" type="datetimeFigureOut">
               <a:rPr lang="en-US" smtClean="0"/>
-              <a:t>8/11/2019</a:t>
+              <a:t>8/12/2019</a:t>
             </a:fld>
             <a:endParaRPr lang="en-US"/>
           </a:p>
@@ -2444,7 +2443,7 @@
           <a:p>
             <a:fld id="{B7433B46-9C33-4431-BD6C-16E2A502F258}" type="datetimeFigureOut">
               <a:rPr lang="en-US" smtClean="0"/>
-              <a:t>8/11/2019</a:t>
+              <a:t>8/12/2019</a:t>
             </a:fld>
             <a:endParaRPr lang="en-US"/>
           </a:p>
@@ -2755,7 +2754,7 @@
           <a:p>
             <a:fld id="{B7433B46-9C33-4431-BD6C-16E2A502F258}" type="datetimeFigureOut">
               <a:rPr lang="en-US" smtClean="0"/>
-              <a:t>8/11/2019</a:t>
+              <a:t>8/12/2019</a:t>
             </a:fld>
             <a:endParaRPr lang="en-US"/>
           </a:p>
@@ -3048,7 +3047,7 @@
           <a:p>
             <a:fld id="{B7433B46-9C33-4431-BD6C-16E2A502F258}" type="datetimeFigureOut">
               <a:rPr lang="en-US" smtClean="0"/>
-              <a:t>8/11/2019</a:t>
+              <a:t>8/12/2019</a:t>
             </a:fld>
             <a:endParaRPr lang="en-US"/>
           </a:p>
@@ -3289,7 +3288,7 @@
           <a:p>
             <a:fld id="{B7433B46-9C33-4431-BD6C-16E2A502F258}" type="datetimeFigureOut">
               <a:rPr lang="en-US" smtClean="0"/>
-              <a:t>8/11/2019</a:t>
+              <a:t>8/12/2019</a:t>
             </a:fld>
             <a:endParaRPr lang="en-US"/>
           </a:p>
@@ -4073,7 +4072,7 @@
                 <a:latin typeface="Helvetica" panose="020B0604020202020204" pitchFamily="34" charset="0"/>
                 <a:cs typeface="Helvetica" panose="020B0604020202020204" pitchFamily="34" charset="0"/>
               </a:rPr>
-              <a:t>Employee Demographics - Work Environment vs Attrition (Continued)</a:t>
+              <a:t>Employee Demographics - Personal</a:t>
             </a:r>
           </a:p>
         </p:txBody>
@@ -4092,8 +4091,8 @@
         </p:nvSpPr>
         <p:spPr>
           <a:xfrm>
-            <a:off x="378671" y="1138376"/>
-            <a:ext cx="5648325" cy="3847207"/>
+            <a:off x="426719" y="1118885"/>
+            <a:ext cx="5669281" cy="4555093"/>
           </a:xfrm>
           <a:prstGeom prst="rect">
             <a:avLst/>
@@ -4117,9 +4116,9 @@
             </a:r>
           </a:p>
           <a:p>
-            <a:endParaRPr lang="en-US" dirty="0">
+            <a:endParaRPr lang="en-US" sz="1600" b="1" dirty="0">
               <a:solidFill>
-                <a:srgbClr val="333333"/>
+                <a:srgbClr val="4472C4"/>
               </a:solidFill>
               <a:latin typeface="Helvetica" panose="020B0604020202020204" pitchFamily="34" charset="0"/>
               <a:cs typeface="Helvetica" panose="020B0604020202020204" pitchFamily="34" charset="0"/>
@@ -4134,7 +4133,7 @@
                 <a:latin typeface="Helvetica" panose="020B0604020202020204" pitchFamily="34" charset="0"/>
                 <a:cs typeface="Helvetica" panose="020B0604020202020204" pitchFamily="34" charset="0"/>
               </a:rPr>
-              <a:t>Employees who travel frequently have a higher attrition rate.</a:t>
+              <a:t>Approximately 60% of the employees are male.</a:t>
             </a:r>
           </a:p>
           <a:p>
@@ -4155,7 +4154,7 @@
                 <a:latin typeface="Helvetica" panose="020B0604020202020204" pitchFamily="34" charset="0"/>
                 <a:cs typeface="Helvetica" panose="020B0604020202020204" pitchFamily="34" charset="0"/>
               </a:rPr>
-              <a:t>Employees who score environmental satisfaction, job involvement and job satisfaction low have higher attrition.</a:t>
+              <a:t>Approximately 39% of the employees have a bachelors degree, with 27% having a masters degree.</a:t>
             </a:r>
           </a:p>
           <a:p>
@@ -4176,7 +4175,7 @@
                 <a:latin typeface="Helvetica" panose="020B0604020202020204" pitchFamily="34" charset="0"/>
                 <a:cs typeface="Helvetica" panose="020B0604020202020204" pitchFamily="34" charset="0"/>
               </a:rPr>
-              <a:t>Employees who work overtime have a higher attrition rate (approximately 30%).</a:t>
+              <a:t>Approximately 76% of the employees have a life science or medical degree.</a:t>
             </a:r>
           </a:p>
           <a:p>
@@ -4197,7 +4196,7 @@
                 <a:latin typeface="Helvetica" panose="020B0604020202020204" pitchFamily="34" charset="0"/>
                 <a:cs typeface="Helvetica" panose="020B0604020202020204" pitchFamily="34" charset="0"/>
               </a:rPr>
-              <a:t>Employees in the Sales Department have the highest attrition rate at 20%.</a:t>
+              <a:t>Approximately 46% of the employees are married, with 32% being single.</a:t>
             </a:r>
           </a:p>
           <a:p>
@@ -4218,7 +4217,28 @@
                 <a:latin typeface="Helvetica" panose="020B0604020202020204" pitchFamily="34" charset="0"/>
                 <a:cs typeface="Helvetica" panose="020B0604020202020204" pitchFamily="34" charset="0"/>
               </a:rPr>
-              <a:t>Employees who are Sales Representatives have the highest attrition rate at 40%.</a:t>
+              <a:t>More than 30% of the employees rate Relationship Satisfaction as High or Very High.</a:t>
+            </a:r>
+          </a:p>
+          <a:p>
+            <a:endParaRPr lang="en-US" sz="1600" dirty="0">
+              <a:solidFill>
+                <a:srgbClr val="333333"/>
+              </a:solidFill>
+              <a:latin typeface="Helvetica" panose="020B0604020202020204" pitchFamily="34" charset="0"/>
+              <a:cs typeface="Helvetica" panose="020B0604020202020204" pitchFamily="34" charset="0"/>
+            </a:endParaRPr>
+          </a:p>
+          <a:p>
+            <a:r>
+              <a:rPr lang="en-US" sz="1600" dirty="0">
+                <a:solidFill>
+                  <a:srgbClr val="333333"/>
+                </a:solidFill>
+                <a:latin typeface="Helvetica" panose="020B0604020202020204" pitchFamily="34" charset="0"/>
+                <a:cs typeface="Helvetica" panose="020B0604020202020204" pitchFamily="34" charset="0"/>
+              </a:rPr>
+              <a:t>More than 60% of the employees rate Work Life Balance as Better.</a:t>
             </a:r>
             <a:endParaRPr lang="en-US" sz="1600" b="0" i="0" dirty="0">
               <a:solidFill>
@@ -4236,7 +4256,7 @@
           <p:cNvPr id="3" name="Picture 2">
             <a:extLst>
               <a:ext uri="{FF2B5EF4-FFF2-40B4-BE49-F238E27FC236}">
-                <a16:creationId xmlns:a16="http://schemas.microsoft.com/office/drawing/2014/main" id="{E08900DA-4E90-499E-B456-73C1DEE32348}"/>
+                <a16:creationId xmlns:a16="http://schemas.microsoft.com/office/drawing/2014/main" id="{C39C88BE-9472-4B91-A93B-90442C3E8284}"/>
               </a:ext>
             </a:extLst>
           </p:cNvPr>
@@ -4253,8 +4273,8 @@
         </p:blipFill>
         <p:spPr>
           <a:xfrm>
-            <a:off x="6026996" y="1056634"/>
-            <a:ext cx="5669280" cy="5543296"/>
+            <a:off x="6026996" y="833079"/>
+            <a:ext cx="5669280" cy="5548785"/>
           </a:xfrm>
           <a:prstGeom prst="rect">
             <a:avLst/>
@@ -4266,7 +4286,7 @@
           <p:cNvPr id="7" name="Oval 6">
             <a:extLst>
               <a:ext uri="{FF2B5EF4-FFF2-40B4-BE49-F238E27FC236}">
-                <a16:creationId xmlns:a16="http://schemas.microsoft.com/office/drawing/2014/main" id="{7F19E586-6CBB-420E-9019-A91A614D030C}"/>
+                <a16:creationId xmlns:a16="http://schemas.microsoft.com/office/drawing/2014/main" id="{2C345C21-FA33-4BB3-A850-79C2B13C7045}"/>
               </a:ext>
             </a:extLst>
           </p:cNvPr>
@@ -4275,7 +4295,7 @@
         </p:nvSpPr>
         <p:spPr>
           <a:xfrm>
-            <a:off x="145892" y="1733837"/>
+            <a:off x="152098" y="1673847"/>
             <a:ext cx="295275" cy="297942"/>
           </a:xfrm>
           <a:prstGeom prst="ellipse">
@@ -4325,7 +4345,7 @@
           <p:cNvPr id="8" name="Oval 7">
             <a:extLst>
               <a:ext uri="{FF2B5EF4-FFF2-40B4-BE49-F238E27FC236}">
-                <a16:creationId xmlns:a16="http://schemas.microsoft.com/office/drawing/2014/main" id="{49C8A29E-B062-4E02-8C6F-3671D04926E9}"/>
+                <a16:creationId xmlns:a16="http://schemas.microsoft.com/office/drawing/2014/main" id="{42301EA1-61F4-4074-8051-C966BA03DC46}"/>
               </a:ext>
             </a:extLst>
           </p:cNvPr>
@@ -4334,8 +4354,8 @@
         </p:nvSpPr>
         <p:spPr>
           <a:xfrm>
-            <a:off x="152098" y="2312965"/>
-            <a:ext cx="295275" cy="297942"/>
+            <a:off x="7391594" y="2127864"/>
+            <a:ext cx="217114" cy="219075"/>
           </a:xfrm>
           <a:prstGeom prst="ellipse">
             <a:avLst/>
@@ -4369,12 +4389,12 @@
           <a:p>
             <a:pPr algn="ctr"/>
             <a:r>
-              <a:rPr lang="en-US" sz="1400" dirty="0">
+              <a:rPr lang="en-US" sz="1000" dirty="0">
                 <a:latin typeface="Helvetica" panose="020B0604020202020204" pitchFamily="34" charset="0"/>
                 <a:ea typeface="Yu Gothic UI Semilight" panose="020B0400000000000000" pitchFamily="34" charset="-128"/>
                 <a:cs typeface="Helvetica" panose="020B0604020202020204" pitchFamily="34" charset="0"/>
               </a:rPr>
-              <a:t>2</a:t>
+              <a:t>1</a:t>
             </a:r>
           </a:p>
         </p:txBody>
@@ -4384,7 +4404,7 @@
           <p:cNvPr id="9" name="Oval 8">
             <a:extLst>
               <a:ext uri="{FF2B5EF4-FFF2-40B4-BE49-F238E27FC236}">
-                <a16:creationId xmlns:a16="http://schemas.microsoft.com/office/drawing/2014/main" id="{5501A3D2-CBF0-4803-9D95-8234485606C4}"/>
+                <a16:creationId xmlns:a16="http://schemas.microsoft.com/office/drawing/2014/main" id="{F553F72D-F40F-4202-9DC7-0BF3C06D94E0}"/>
               </a:ext>
             </a:extLst>
           </p:cNvPr>
@@ -4393,7 +4413,7 @@
         </p:nvSpPr>
         <p:spPr>
           <a:xfrm>
-            <a:off x="152098" y="3064390"/>
+            <a:off x="152098" y="2312965"/>
             <a:ext cx="295275" cy="297942"/>
           </a:xfrm>
           <a:prstGeom prst="ellipse">
@@ -4433,7 +4453,7 @@
                 <a:ea typeface="Yu Gothic UI Semilight" panose="020B0400000000000000" pitchFamily="34" charset="-128"/>
                 <a:cs typeface="Helvetica" panose="020B0604020202020204" pitchFamily="34" charset="0"/>
               </a:rPr>
-              <a:t>3</a:t>
+              <a:t>2</a:t>
             </a:r>
           </a:p>
         </p:txBody>
@@ -4443,7 +4463,7 @@
           <p:cNvPr id="10" name="Oval 9">
             <a:extLst>
               <a:ext uri="{FF2B5EF4-FFF2-40B4-BE49-F238E27FC236}">
-                <a16:creationId xmlns:a16="http://schemas.microsoft.com/office/drawing/2014/main" id="{A4DF54B3-011A-4C72-9516-71C68E4BA705}"/>
+                <a16:creationId xmlns:a16="http://schemas.microsoft.com/office/drawing/2014/main" id="{823C5D56-F417-4D8D-9581-35F1DBE28E09}"/>
               </a:ext>
             </a:extLst>
           </p:cNvPr>
@@ -4452,7 +4472,7 @@
         </p:nvSpPr>
         <p:spPr>
           <a:xfrm>
-            <a:off x="152098" y="3770865"/>
+            <a:off x="152098" y="3008404"/>
             <a:ext cx="295275" cy="297942"/>
           </a:xfrm>
           <a:prstGeom prst="ellipse">
@@ -4492,7 +4512,7 @@
                 <a:ea typeface="Yu Gothic UI Semilight" panose="020B0400000000000000" pitchFamily="34" charset="-128"/>
                 <a:cs typeface="Helvetica" panose="020B0604020202020204" pitchFamily="34" charset="0"/>
               </a:rPr>
-              <a:t>4</a:t>
+              <a:t>3</a:t>
             </a:r>
           </a:p>
         </p:txBody>
@@ -4502,7 +4522,7 @@
           <p:cNvPr id="11" name="Oval 10">
             <a:extLst>
               <a:ext uri="{FF2B5EF4-FFF2-40B4-BE49-F238E27FC236}">
-                <a16:creationId xmlns:a16="http://schemas.microsoft.com/office/drawing/2014/main" id="{F42B27EC-6973-42A9-816F-EF996F9AA1DD}"/>
+                <a16:creationId xmlns:a16="http://schemas.microsoft.com/office/drawing/2014/main" id="{1ED23070-20BB-49D3-BC9B-2471F78E8AB5}"/>
               </a:ext>
             </a:extLst>
           </p:cNvPr>
@@ -4511,7 +4531,7 @@
         </p:nvSpPr>
         <p:spPr>
           <a:xfrm>
-            <a:off x="145892" y="4531383"/>
+            <a:off x="152098" y="3724210"/>
             <a:ext cx="295275" cy="297942"/>
           </a:xfrm>
           <a:prstGeom prst="ellipse">
@@ -4551,7 +4571,7 @@
                 <a:ea typeface="Yu Gothic UI Semilight" panose="020B0400000000000000" pitchFamily="34" charset="-128"/>
                 <a:cs typeface="Helvetica" panose="020B0604020202020204" pitchFamily="34" charset="0"/>
               </a:rPr>
-              <a:t>5</a:t>
+              <a:t>4</a:t>
             </a:r>
           </a:p>
         </p:txBody>
@@ -4561,7 +4581,7 @@
           <p:cNvPr id="12" name="Oval 11">
             <a:extLst>
               <a:ext uri="{FF2B5EF4-FFF2-40B4-BE49-F238E27FC236}">
-                <a16:creationId xmlns:a16="http://schemas.microsoft.com/office/drawing/2014/main" id="{34F1A381-F449-4383-A3D0-BD23A6A67B53}"/>
+                <a16:creationId xmlns:a16="http://schemas.microsoft.com/office/drawing/2014/main" id="{14A3D167-E6DB-4178-8316-05FC6C07DD51}"/>
               </a:ext>
             </a:extLst>
           </p:cNvPr>
@@ -4570,8 +4590,8 @@
         </p:nvSpPr>
         <p:spPr>
           <a:xfrm>
-            <a:off x="7037031" y="1882808"/>
-            <a:ext cx="217114" cy="219075"/>
+            <a:off x="152098" y="4440016"/>
+            <a:ext cx="295275" cy="297942"/>
           </a:xfrm>
           <a:prstGeom prst="ellipse">
             <a:avLst/>
@@ -4605,12 +4625,12 @@
           <a:p>
             <a:pPr algn="ctr"/>
             <a:r>
-              <a:rPr lang="en-US" sz="1000" dirty="0">
+              <a:rPr lang="en-US" sz="1400" dirty="0">
                 <a:latin typeface="Helvetica" panose="020B0604020202020204" pitchFamily="34" charset="0"/>
                 <a:ea typeface="Yu Gothic UI Semilight" panose="020B0400000000000000" pitchFamily="34" charset="-128"/>
                 <a:cs typeface="Helvetica" panose="020B0604020202020204" pitchFamily="34" charset="0"/>
               </a:rPr>
-              <a:t>1</a:t>
+              <a:t>5</a:t>
             </a:r>
           </a:p>
         </p:txBody>
@@ -4620,7 +4640,7 @@
           <p:cNvPr id="14" name="Oval 13">
             <a:extLst>
               <a:ext uri="{FF2B5EF4-FFF2-40B4-BE49-F238E27FC236}">
-                <a16:creationId xmlns:a16="http://schemas.microsoft.com/office/drawing/2014/main" id="{DA5A92B0-CF10-4A15-B9FE-B59C24004706}"/>
+                <a16:creationId xmlns:a16="http://schemas.microsoft.com/office/drawing/2014/main" id="{0C050DAC-2994-4220-A7F3-92243C2B6338}"/>
               </a:ext>
             </a:extLst>
           </p:cNvPr>
@@ -4629,8 +4649,8 @@
         </p:nvSpPr>
         <p:spPr>
           <a:xfrm>
-            <a:off x="8672515" y="1971389"/>
-            <a:ext cx="217114" cy="219075"/>
+            <a:off x="152098" y="5216232"/>
+            <a:ext cx="295275" cy="297942"/>
           </a:xfrm>
           <a:prstGeom prst="ellipse">
             <a:avLst/>
@@ -4664,22 +4684,22 @@
           <a:p>
             <a:pPr algn="ctr"/>
             <a:r>
-              <a:rPr lang="en-US" sz="1000" dirty="0">
+              <a:rPr lang="en-US" sz="1400" dirty="0">
                 <a:latin typeface="Helvetica" panose="020B0604020202020204" pitchFamily="34" charset="0"/>
                 <a:ea typeface="Yu Gothic UI Semilight" panose="020B0400000000000000" pitchFamily="34" charset="-128"/>
                 <a:cs typeface="Helvetica" panose="020B0604020202020204" pitchFamily="34" charset="0"/>
               </a:rPr>
-              <a:t>2</a:t>
-            </a:r>
-          </a:p>
-        </p:txBody>
-      </p:sp>
-      <p:sp>
-        <p:nvSpPr>
-          <p:cNvPr id="15" name="Oval 14">
-            <a:extLst>
-              <a:ext uri="{FF2B5EF4-FFF2-40B4-BE49-F238E27FC236}">
-                <a16:creationId xmlns:a16="http://schemas.microsoft.com/office/drawing/2014/main" id="{DC37DB1B-B188-474B-9093-ED84DC141F93}"/>
+              <a:t>6</a:t>
+            </a:r>
+          </a:p>
+        </p:txBody>
+      </p:sp>
+      <p:sp>
+        <p:nvSpPr>
+          <p:cNvPr id="16" name="Oval 15">
+            <a:extLst>
+              <a:ext uri="{FF2B5EF4-FFF2-40B4-BE49-F238E27FC236}">
+                <a16:creationId xmlns:a16="http://schemas.microsoft.com/office/drawing/2014/main" id="{75B842DB-FD6B-4D72-9A64-47CF206DD40D}"/>
               </a:ext>
             </a:extLst>
           </p:cNvPr>
@@ -4688,7 +4708,7 @@
         </p:nvSpPr>
         <p:spPr>
           <a:xfrm>
-            <a:off x="10501797" y="1959764"/>
+            <a:off x="8861636" y="1033811"/>
             <a:ext cx="217114" cy="219075"/>
           </a:xfrm>
           <a:prstGeom prst="ellipse">
@@ -4733,12 +4753,86 @@
           </a:p>
         </p:txBody>
       </p:sp>
-      <p:sp>
-        <p:nvSpPr>
-          <p:cNvPr id="16" name="Oval 15">
-            <a:extLst>
-              <a:ext uri="{FF2B5EF4-FFF2-40B4-BE49-F238E27FC236}">
-                <a16:creationId xmlns:a16="http://schemas.microsoft.com/office/drawing/2014/main" id="{75808FC3-B747-41FD-BDCB-974E2F86DDF6}"/>
+      <p:cxnSp>
+        <p:nvCxnSpPr>
+          <p:cNvPr id="5" name="Straight Connector 4">
+            <a:extLst>
+              <a:ext uri="{FF2B5EF4-FFF2-40B4-BE49-F238E27FC236}">
+                <a16:creationId xmlns:a16="http://schemas.microsoft.com/office/drawing/2014/main" id="{E49E5AED-8CEE-4FF4-BD87-1A9996FC1BB3}"/>
+              </a:ext>
+            </a:extLst>
+          </p:cNvPr>
+          <p:cNvCxnSpPr>
+            <a:endCxn id="16" idx="4"/>
+          </p:cNvCxnSpPr>
+          <p:nvPr/>
+        </p:nvCxnSpPr>
+        <p:spPr>
+          <a:xfrm flipV="1">
+            <a:off x="8509518" y="1252886"/>
+            <a:ext cx="460675" cy="72061"/>
+          </a:xfrm>
+          <a:prstGeom prst="line">
+            <a:avLst/>
+          </a:prstGeom>
+        </p:spPr>
+        <p:style>
+          <a:lnRef idx="1">
+            <a:schemeClr val="accent1"/>
+          </a:lnRef>
+          <a:fillRef idx="0">
+            <a:schemeClr val="accent1"/>
+          </a:fillRef>
+          <a:effectRef idx="0">
+            <a:schemeClr val="accent1"/>
+          </a:effectRef>
+          <a:fontRef idx="minor">
+            <a:schemeClr val="tx1"/>
+          </a:fontRef>
+        </p:style>
+      </p:cxnSp>
+      <p:cxnSp>
+        <p:nvCxnSpPr>
+          <p:cNvPr id="18" name="Straight Connector 17">
+            <a:extLst>
+              <a:ext uri="{FF2B5EF4-FFF2-40B4-BE49-F238E27FC236}">
+                <a16:creationId xmlns:a16="http://schemas.microsoft.com/office/drawing/2014/main" id="{54158131-35DC-423F-8349-A89CB9A7DD40}"/>
+              </a:ext>
+            </a:extLst>
+          </p:cNvPr>
+          <p:cNvCxnSpPr/>
+          <p:nvPr/>
+        </p:nvCxnSpPr>
+        <p:spPr>
+          <a:xfrm>
+            <a:off x="8970193" y="1252886"/>
+            <a:ext cx="481717" cy="569932"/>
+          </a:xfrm>
+          <a:prstGeom prst="line">
+            <a:avLst/>
+          </a:prstGeom>
+        </p:spPr>
+        <p:style>
+          <a:lnRef idx="1">
+            <a:schemeClr val="accent1"/>
+          </a:lnRef>
+          <a:fillRef idx="0">
+            <a:schemeClr val="accent1"/>
+          </a:fillRef>
+          <a:effectRef idx="0">
+            <a:schemeClr val="accent1"/>
+          </a:effectRef>
+          <a:fontRef idx="minor">
+            <a:schemeClr val="tx1"/>
+          </a:fontRef>
+        </p:style>
+      </p:cxnSp>
+      <p:sp>
+        <p:nvSpPr>
+          <p:cNvPr id="19" name="Oval 18">
+            <a:extLst>
+              <a:ext uri="{FF2B5EF4-FFF2-40B4-BE49-F238E27FC236}">
+                <a16:creationId xmlns:a16="http://schemas.microsoft.com/office/drawing/2014/main" id="{C4FAB72A-3E53-4CF0-A158-C8D7244A6F6E}"/>
               </a:ext>
             </a:extLst>
           </p:cNvPr>
@@ -4747,7 +4841,7 @@
         </p:nvSpPr>
         <p:spPr>
           <a:xfrm>
-            <a:off x="9195512" y="3770865"/>
+            <a:off x="10775011" y="1132723"/>
             <a:ext cx="217114" cy="219075"/>
           </a:xfrm>
           <a:prstGeom prst="ellipse">
@@ -4794,10 +4888,10 @@
       </p:sp>
       <p:sp>
         <p:nvSpPr>
-          <p:cNvPr id="17" name="Oval 16">
-            <a:extLst>
-              <a:ext uri="{FF2B5EF4-FFF2-40B4-BE49-F238E27FC236}">
-                <a16:creationId xmlns:a16="http://schemas.microsoft.com/office/drawing/2014/main" id="{321ED15A-342B-48F7-A523-6D4F6A847777}"/>
+          <p:cNvPr id="20" name="Oval 19">
+            <a:extLst>
+              <a:ext uri="{FF2B5EF4-FFF2-40B4-BE49-F238E27FC236}">
+                <a16:creationId xmlns:a16="http://schemas.microsoft.com/office/drawing/2014/main" id="{56B4D857-A128-49A3-B6E5-2906B565A940}"/>
               </a:ext>
             </a:extLst>
           </p:cNvPr>
@@ -4806,7 +4900,7 @@
         </p:nvSpPr>
         <p:spPr>
           <a:xfrm>
-            <a:off x="6843150" y="3810298"/>
+            <a:off x="7519112" y="3884621"/>
             <a:ext cx="217114" cy="219075"/>
           </a:xfrm>
           <a:prstGeom prst="ellipse">
@@ -4846,17 +4940,17 @@
                 <a:ea typeface="Yu Gothic UI Semilight" panose="020B0400000000000000" pitchFamily="34" charset="-128"/>
                 <a:cs typeface="Helvetica" panose="020B0604020202020204" pitchFamily="34" charset="0"/>
               </a:rPr>
-              <a:t>2</a:t>
-            </a:r>
-          </a:p>
-        </p:txBody>
-      </p:sp>
-      <p:sp>
-        <p:nvSpPr>
-          <p:cNvPr id="18" name="Oval 17">
-            <a:extLst>
-              <a:ext uri="{FF2B5EF4-FFF2-40B4-BE49-F238E27FC236}">
-                <a16:creationId xmlns:a16="http://schemas.microsoft.com/office/drawing/2014/main" id="{3CF7906E-826F-4F41-B2FE-D8C7A6B6A573}"/>
+              <a:t>4</a:t>
+            </a:r>
+          </a:p>
+        </p:txBody>
+      </p:sp>
+      <p:sp>
+        <p:nvSpPr>
+          <p:cNvPr id="21" name="Oval 20">
+            <a:extLst>
+              <a:ext uri="{FF2B5EF4-FFF2-40B4-BE49-F238E27FC236}">
+                <a16:creationId xmlns:a16="http://schemas.microsoft.com/office/drawing/2014/main" id="{22493E69-B041-4C9B-A160-94ECE2E920D9}"/>
               </a:ext>
             </a:extLst>
           </p:cNvPr>
@@ -4865,7 +4959,7 @@
         </p:nvSpPr>
         <p:spPr>
           <a:xfrm>
-            <a:off x="7497341" y="5291591"/>
+            <a:off x="8861636" y="3781982"/>
             <a:ext cx="217114" cy="219075"/>
           </a:xfrm>
           <a:prstGeom prst="ellipse">
@@ -4905,17 +4999,17 @@
                 <a:ea typeface="Yu Gothic UI Semilight" panose="020B0400000000000000" pitchFamily="34" charset="-128"/>
                 <a:cs typeface="Helvetica" panose="020B0604020202020204" pitchFamily="34" charset="0"/>
               </a:rPr>
-              <a:t>4</a:t>
-            </a:r>
-          </a:p>
-        </p:txBody>
-      </p:sp>
-      <p:sp>
-        <p:nvSpPr>
-          <p:cNvPr id="19" name="Oval 18">
-            <a:extLst>
-              <a:ext uri="{FF2B5EF4-FFF2-40B4-BE49-F238E27FC236}">
-                <a16:creationId xmlns:a16="http://schemas.microsoft.com/office/drawing/2014/main" id="{85BA1F01-0831-49FA-AA86-C3F1B1817CEF}"/>
+              <a:t>5</a:t>
+            </a:r>
+          </a:p>
+        </p:txBody>
+      </p:sp>
+      <p:sp>
+        <p:nvSpPr>
+          <p:cNvPr id="22" name="Oval 21">
+            <a:extLst>
+              <a:ext uri="{FF2B5EF4-FFF2-40B4-BE49-F238E27FC236}">
+                <a16:creationId xmlns:a16="http://schemas.microsoft.com/office/drawing/2014/main" id="{451A264E-E2ED-47D7-B69C-3EB4811FC9A9}"/>
               </a:ext>
             </a:extLst>
           </p:cNvPr>
@@ -4924,7 +5018,7 @@
         </p:nvSpPr>
         <p:spPr>
           <a:xfrm>
-            <a:off x="9516244" y="5182053"/>
+            <a:off x="10876983" y="5007452"/>
             <a:ext cx="217114" cy="219075"/>
           </a:xfrm>
           <a:prstGeom prst="ellipse">
@@ -4964,15 +5058,246 @@
                 <a:ea typeface="Yu Gothic UI Semilight" panose="020B0400000000000000" pitchFamily="34" charset="-128"/>
                 <a:cs typeface="Helvetica" panose="020B0604020202020204" pitchFamily="34" charset="0"/>
               </a:rPr>
-              <a:t>5</a:t>
-            </a:r>
-          </a:p>
-        </p:txBody>
-      </p:sp>
+              <a:t>6</a:t>
+            </a:r>
+          </a:p>
+        </p:txBody>
+      </p:sp>
+      <p:cxnSp>
+        <p:nvCxnSpPr>
+          <p:cNvPr id="24" name="Straight Connector 23">
+            <a:extLst>
+              <a:ext uri="{FF2B5EF4-FFF2-40B4-BE49-F238E27FC236}">
+                <a16:creationId xmlns:a16="http://schemas.microsoft.com/office/drawing/2014/main" id="{2A4CD9E0-B5B1-4706-A4DE-5C1E7378DF0F}"/>
+              </a:ext>
+            </a:extLst>
+          </p:cNvPr>
+          <p:cNvCxnSpPr>
+            <a:cxnSpLocks/>
+            <a:endCxn id="19" idx="2"/>
+          </p:cNvCxnSpPr>
+          <p:nvPr/>
+        </p:nvCxnSpPr>
+        <p:spPr>
+          <a:xfrm flipV="1">
+            <a:off x="10571584" y="1242261"/>
+            <a:ext cx="203427" cy="10625"/>
+          </a:xfrm>
+          <a:prstGeom prst="line">
+            <a:avLst/>
+          </a:prstGeom>
+        </p:spPr>
+        <p:style>
+          <a:lnRef idx="1">
+            <a:schemeClr val="accent1"/>
+          </a:lnRef>
+          <a:fillRef idx="0">
+            <a:schemeClr val="accent1"/>
+          </a:fillRef>
+          <a:effectRef idx="0">
+            <a:schemeClr val="accent1"/>
+          </a:effectRef>
+          <a:fontRef idx="minor">
+            <a:schemeClr val="tx1"/>
+          </a:fontRef>
+        </p:style>
+      </p:cxnSp>
+      <p:cxnSp>
+        <p:nvCxnSpPr>
+          <p:cNvPr id="28" name="Straight Connector 27">
+            <a:extLst>
+              <a:ext uri="{FF2B5EF4-FFF2-40B4-BE49-F238E27FC236}">
+                <a16:creationId xmlns:a16="http://schemas.microsoft.com/office/drawing/2014/main" id="{AF5876CB-ED2B-4D5C-8757-F6032F77B182}"/>
+              </a:ext>
+            </a:extLst>
+          </p:cNvPr>
+          <p:cNvCxnSpPr>
+            <a:stCxn id="19" idx="4"/>
+          </p:cNvCxnSpPr>
+          <p:nvPr/>
+        </p:nvCxnSpPr>
+        <p:spPr>
+          <a:xfrm>
+            <a:off x="10883568" y="1351798"/>
+            <a:ext cx="0" cy="186054"/>
+          </a:xfrm>
+          <a:prstGeom prst="line">
+            <a:avLst/>
+          </a:prstGeom>
+        </p:spPr>
+        <p:style>
+          <a:lnRef idx="1">
+            <a:schemeClr val="accent1"/>
+          </a:lnRef>
+          <a:fillRef idx="0">
+            <a:schemeClr val="accent1"/>
+          </a:fillRef>
+          <a:effectRef idx="0">
+            <a:schemeClr val="accent1"/>
+          </a:effectRef>
+          <a:fontRef idx="minor">
+            <a:schemeClr val="tx1"/>
+          </a:fontRef>
+        </p:style>
+      </p:cxnSp>
+      <p:cxnSp>
+        <p:nvCxnSpPr>
+          <p:cNvPr id="30" name="Straight Connector 29">
+            <a:extLst>
+              <a:ext uri="{FF2B5EF4-FFF2-40B4-BE49-F238E27FC236}">
+                <a16:creationId xmlns:a16="http://schemas.microsoft.com/office/drawing/2014/main" id="{84E2638C-0E72-4413-A6CD-A90A2FB2D751}"/>
+              </a:ext>
+            </a:extLst>
+          </p:cNvPr>
+          <p:cNvCxnSpPr>
+            <a:cxnSpLocks/>
+          </p:cNvCxnSpPr>
+          <p:nvPr/>
+        </p:nvCxnSpPr>
+        <p:spPr>
+          <a:xfrm>
+            <a:off x="7360780" y="4103696"/>
+            <a:ext cx="266889" cy="0"/>
+          </a:xfrm>
+          <a:prstGeom prst="line">
+            <a:avLst/>
+          </a:prstGeom>
+        </p:spPr>
+        <p:style>
+          <a:lnRef idx="1">
+            <a:schemeClr val="accent1"/>
+          </a:lnRef>
+          <a:fillRef idx="0">
+            <a:schemeClr val="accent1"/>
+          </a:fillRef>
+          <a:effectRef idx="0">
+            <a:schemeClr val="accent1"/>
+          </a:effectRef>
+          <a:fontRef idx="minor">
+            <a:schemeClr val="tx1"/>
+          </a:fontRef>
+        </p:style>
+      </p:cxnSp>
+      <p:cxnSp>
+        <p:nvCxnSpPr>
+          <p:cNvPr id="33" name="Straight Connector 32">
+            <a:extLst>
+              <a:ext uri="{FF2B5EF4-FFF2-40B4-BE49-F238E27FC236}">
+                <a16:creationId xmlns:a16="http://schemas.microsoft.com/office/drawing/2014/main" id="{481C7651-D2D4-48CB-99AE-68522EC44EFC}"/>
+              </a:ext>
+            </a:extLst>
+          </p:cNvPr>
+          <p:cNvCxnSpPr>
+            <a:cxnSpLocks/>
+          </p:cNvCxnSpPr>
+          <p:nvPr/>
+        </p:nvCxnSpPr>
+        <p:spPr>
+          <a:xfrm>
+            <a:off x="7627669" y="4094365"/>
+            <a:ext cx="0" cy="457298"/>
+          </a:xfrm>
+          <a:prstGeom prst="line">
+            <a:avLst/>
+          </a:prstGeom>
+        </p:spPr>
+        <p:style>
+          <a:lnRef idx="1">
+            <a:schemeClr val="accent1"/>
+          </a:lnRef>
+          <a:fillRef idx="0">
+            <a:schemeClr val="accent1"/>
+          </a:fillRef>
+          <a:effectRef idx="0">
+            <a:schemeClr val="accent1"/>
+          </a:effectRef>
+          <a:fontRef idx="minor">
+            <a:schemeClr val="tx1"/>
+          </a:fontRef>
+        </p:style>
+      </p:cxnSp>
+      <p:cxnSp>
+        <p:nvCxnSpPr>
+          <p:cNvPr id="36" name="Straight Connector 35">
+            <a:extLst>
+              <a:ext uri="{FF2B5EF4-FFF2-40B4-BE49-F238E27FC236}">
+                <a16:creationId xmlns:a16="http://schemas.microsoft.com/office/drawing/2014/main" id="{114948FF-9168-41FE-A034-A2EA5D73B94D}"/>
+              </a:ext>
+            </a:extLst>
+          </p:cNvPr>
+          <p:cNvCxnSpPr>
+            <a:cxnSpLocks/>
+            <a:stCxn id="21" idx="4"/>
+          </p:cNvCxnSpPr>
+          <p:nvPr/>
+        </p:nvCxnSpPr>
+        <p:spPr>
+          <a:xfrm>
+            <a:off x="8970193" y="4001057"/>
+            <a:ext cx="388411" cy="130632"/>
+          </a:xfrm>
+          <a:prstGeom prst="line">
+            <a:avLst/>
+          </a:prstGeom>
+        </p:spPr>
+        <p:style>
+          <a:lnRef idx="1">
+            <a:schemeClr val="accent1"/>
+          </a:lnRef>
+          <a:fillRef idx="0">
+            <a:schemeClr val="accent1"/>
+          </a:fillRef>
+          <a:effectRef idx="0">
+            <a:schemeClr val="accent1"/>
+          </a:effectRef>
+          <a:fontRef idx="minor">
+            <a:schemeClr val="tx1"/>
+          </a:fontRef>
+        </p:style>
+      </p:cxnSp>
+      <p:cxnSp>
+        <p:nvCxnSpPr>
+          <p:cNvPr id="38" name="Straight Connector 37">
+            <a:extLst>
+              <a:ext uri="{FF2B5EF4-FFF2-40B4-BE49-F238E27FC236}">
+                <a16:creationId xmlns:a16="http://schemas.microsoft.com/office/drawing/2014/main" id="{47B0C58C-F93D-42FB-8D53-B75F16CB392B}"/>
+              </a:ext>
+            </a:extLst>
+          </p:cNvPr>
+          <p:cNvCxnSpPr>
+            <a:cxnSpLocks/>
+            <a:stCxn id="21" idx="4"/>
+          </p:cNvCxnSpPr>
+          <p:nvPr/>
+        </p:nvCxnSpPr>
+        <p:spPr>
+          <a:xfrm flipH="1">
+            <a:off x="8621487" y="4001057"/>
+            <a:ext cx="348706" cy="21094"/>
+          </a:xfrm>
+          <a:prstGeom prst="line">
+            <a:avLst/>
+          </a:prstGeom>
+        </p:spPr>
+        <p:style>
+          <a:lnRef idx="1">
+            <a:schemeClr val="accent1"/>
+          </a:lnRef>
+          <a:fillRef idx="0">
+            <a:schemeClr val="accent1"/>
+          </a:fillRef>
+          <a:effectRef idx="0">
+            <a:schemeClr val="accent1"/>
+          </a:effectRef>
+          <a:fontRef idx="minor">
+            <a:schemeClr val="tx1"/>
+          </a:fontRef>
+        </p:style>
+      </p:cxnSp>
     </p:spTree>
     <p:extLst>
       <p:ext uri="{BB962C8B-B14F-4D97-AF65-F5344CB8AC3E}">
-        <p14:creationId xmlns:p14="http://schemas.microsoft.com/office/powerpoint/2010/main" val="3953503941"/>
+        <p14:creationId xmlns:p14="http://schemas.microsoft.com/office/powerpoint/2010/main" val="2032485085"/>
       </p:ext>
     </p:extLst>
   </p:cSld>
@@ -5051,7 +5376,7 @@
                 <a:latin typeface="Helvetica" panose="020B0604020202020204" pitchFamily="34" charset="0"/>
                 <a:cs typeface="Helvetica" panose="020B0604020202020204" pitchFamily="34" charset="0"/>
               </a:rPr>
-              <a:t>Employee Demographics - Personal</a:t>
+              <a:t>Employee Demographics – Personal vs Attrition</a:t>
             </a:r>
           </a:p>
         </p:txBody>
@@ -5070,8 +5395,8 @@
         </p:nvSpPr>
         <p:spPr>
           <a:xfrm>
-            <a:off x="426719" y="1118885"/>
-            <a:ext cx="5669281" cy="4555093"/>
+            <a:off x="441168" y="1166842"/>
+            <a:ext cx="5584667" cy="5078313"/>
           </a:xfrm>
           <a:prstGeom prst="rect">
             <a:avLst/>
@@ -5095,28 +5420,7 @@
             </a:r>
           </a:p>
           <a:p>
-            <a:endParaRPr lang="en-US" sz="1600" b="1" dirty="0">
-              <a:solidFill>
-                <a:srgbClr val="4472C4"/>
-              </a:solidFill>
-              <a:latin typeface="Helvetica" panose="020B0604020202020204" pitchFamily="34" charset="0"/>
-              <a:cs typeface="Helvetica" panose="020B0604020202020204" pitchFamily="34" charset="0"/>
-            </a:endParaRPr>
-          </a:p>
-          <a:p>
-            <a:r>
-              <a:rPr lang="en-US" sz="1600" dirty="0">
-                <a:solidFill>
-                  <a:srgbClr val="333333"/>
-                </a:solidFill>
-                <a:latin typeface="Helvetica" panose="020B0604020202020204" pitchFamily="34" charset="0"/>
-                <a:cs typeface="Helvetica" panose="020B0604020202020204" pitchFamily="34" charset="0"/>
-              </a:rPr>
-              <a:t>Approximately 60% of the employees are male.</a:t>
-            </a:r>
-          </a:p>
-          <a:p>
-            <a:endParaRPr lang="en-US" sz="1600" dirty="0">
+            <a:endParaRPr lang="en-US" b="1" dirty="0">
               <a:solidFill>
                 <a:srgbClr val="333333"/>
               </a:solidFill>
@@ -5126,18 +5430,18 @@
           </a:p>
           <a:p>
             <a:r>
-              <a:rPr lang="en-US" sz="1600" dirty="0">
+              <a:rPr lang="en-US" dirty="0">
                 <a:solidFill>
                   <a:srgbClr val="333333"/>
                 </a:solidFill>
                 <a:latin typeface="Helvetica" panose="020B0604020202020204" pitchFamily="34" charset="0"/>
                 <a:cs typeface="Helvetica" panose="020B0604020202020204" pitchFamily="34" charset="0"/>
               </a:rPr>
-              <a:t>Approximately 39% of the employees have a bachelors degree, with 27% having a masters degree.</a:t>
-            </a:r>
-          </a:p>
-          <a:p>
-            <a:endParaRPr lang="en-US" sz="1600" dirty="0">
+              <a:t>Male attrition rate is higher than female attrition rate.</a:t>
+            </a:r>
+          </a:p>
+          <a:p>
+            <a:endParaRPr lang="en-US" dirty="0">
               <a:solidFill>
                 <a:srgbClr val="333333"/>
               </a:solidFill>
@@ -5147,18 +5451,18 @@
           </a:p>
           <a:p>
             <a:r>
-              <a:rPr lang="en-US" sz="1600" dirty="0">
+              <a:rPr lang="en-US" dirty="0">
                 <a:solidFill>
                   <a:srgbClr val="333333"/>
                 </a:solidFill>
                 <a:latin typeface="Helvetica" panose="020B0604020202020204" pitchFamily="34" charset="0"/>
                 <a:cs typeface="Helvetica" panose="020B0604020202020204" pitchFamily="34" charset="0"/>
               </a:rPr>
-              <a:t>Approximately 76% of the employees have a life science or medical degree.</a:t>
-            </a:r>
-          </a:p>
-          <a:p>
-            <a:endParaRPr lang="en-US" sz="1600" dirty="0">
+              <a:t>Attrition rate is approximately 18% for employees with no college education.</a:t>
+            </a:r>
+          </a:p>
+          <a:p>
+            <a:endParaRPr lang="en-US" dirty="0">
               <a:solidFill>
                 <a:srgbClr val="333333"/>
               </a:solidFill>
@@ -5168,18 +5472,18 @@
           </a:p>
           <a:p>
             <a:r>
-              <a:rPr lang="en-US" sz="1600" dirty="0">
+              <a:rPr lang="en-US" dirty="0">
                 <a:solidFill>
                   <a:srgbClr val="333333"/>
                 </a:solidFill>
                 <a:latin typeface="Helvetica" panose="020B0604020202020204" pitchFamily="34" charset="0"/>
                 <a:cs typeface="Helvetica" panose="020B0604020202020204" pitchFamily="34" charset="0"/>
               </a:rPr>
-              <a:t>Approximately 46% of the employees are married, with 32% being single.</a:t>
-            </a:r>
-          </a:p>
-          <a:p>
-            <a:endParaRPr lang="en-US" sz="1600" dirty="0">
+              <a:t>Attrition rate is highest for those employees with backgrounds in HR, Marketing or a Technical Degree.</a:t>
+            </a:r>
+          </a:p>
+          <a:p>
+            <a:endParaRPr lang="en-US" dirty="0">
               <a:solidFill>
                 <a:srgbClr val="333333"/>
               </a:solidFill>
@@ -5189,18 +5493,18 @@
           </a:p>
           <a:p>
             <a:r>
-              <a:rPr lang="en-US" sz="1600" dirty="0">
+              <a:rPr lang="en-US" dirty="0">
                 <a:solidFill>
                   <a:srgbClr val="333333"/>
                 </a:solidFill>
                 <a:latin typeface="Helvetica" panose="020B0604020202020204" pitchFamily="34" charset="0"/>
                 <a:cs typeface="Helvetica" panose="020B0604020202020204" pitchFamily="34" charset="0"/>
               </a:rPr>
-              <a:t>More than 30% of the employees rate Relationship Satisfaction as High or Very High.</a:t>
-            </a:r>
-          </a:p>
-          <a:p>
-            <a:endParaRPr lang="en-US" sz="1600" dirty="0">
+              <a:t>Attrition rate is highest for single employees.</a:t>
+            </a:r>
+          </a:p>
+          <a:p>
+            <a:endParaRPr lang="en-US" dirty="0">
               <a:solidFill>
                 <a:srgbClr val="333333"/>
               </a:solidFill>
@@ -5210,16 +5514,37 @@
           </a:p>
           <a:p>
             <a:r>
-              <a:rPr lang="en-US" sz="1600" dirty="0">
+              <a:rPr lang="en-US" dirty="0">
                 <a:solidFill>
                   <a:srgbClr val="333333"/>
                 </a:solidFill>
                 <a:latin typeface="Helvetica" panose="020B0604020202020204" pitchFamily="34" charset="0"/>
                 <a:cs typeface="Helvetica" panose="020B0604020202020204" pitchFamily="34" charset="0"/>
               </a:rPr>
-              <a:t>More than 60% of the employees rate Work Life Balance as Better.</a:t>
-            </a:r>
-            <a:endParaRPr lang="en-US" sz="1600" b="0" i="0" dirty="0">
+              <a:t>Attrition rate is highest for employees with low relationship satisfaction.</a:t>
+            </a:r>
+          </a:p>
+          <a:p>
+            <a:endParaRPr lang="en-US" dirty="0">
+              <a:solidFill>
+                <a:srgbClr val="333333"/>
+              </a:solidFill>
+              <a:latin typeface="Helvetica" panose="020B0604020202020204" pitchFamily="34" charset="0"/>
+              <a:cs typeface="Helvetica" panose="020B0604020202020204" pitchFamily="34" charset="0"/>
+            </a:endParaRPr>
+          </a:p>
+          <a:p>
+            <a:r>
+              <a:rPr lang="en-US" dirty="0">
+                <a:solidFill>
+                  <a:srgbClr val="333333"/>
+                </a:solidFill>
+                <a:latin typeface="Helvetica" panose="020B0604020202020204" pitchFamily="34" charset="0"/>
+                <a:cs typeface="Helvetica" panose="020B0604020202020204" pitchFamily="34" charset="0"/>
+              </a:rPr>
+              <a:t>Attrition rate is highest for employees with bad work life balance.</a:t>
+            </a:r>
+            <a:endParaRPr lang="en-US" b="0" i="0" dirty="0">
               <a:solidFill>
                 <a:srgbClr val="333333"/>
               </a:solidFill>
@@ -5232,10 +5557,10 @@
       </p:sp>
       <p:pic>
         <p:nvPicPr>
-          <p:cNvPr id="3" name="Picture 2">
-            <a:extLst>
-              <a:ext uri="{FF2B5EF4-FFF2-40B4-BE49-F238E27FC236}">
-                <a16:creationId xmlns:a16="http://schemas.microsoft.com/office/drawing/2014/main" id="{C39C88BE-9472-4B91-A93B-90442C3E8284}"/>
+          <p:cNvPr id="2" name="Picture 1">
+            <a:extLst>
+              <a:ext uri="{FF2B5EF4-FFF2-40B4-BE49-F238E27FC236}">
+                <a16:creationId xmlns:a16="http://schemas.microsoft.com/office/drawing/2014/main" id="{95E28121-9CE6-4611-AD5C-F909CE7B58F8}"/>
               </a:ext>
             </a:extLst>
           </p:cNvPr>
@@ -5252,20 +5577,59 @@
         </p:blipFill>
         <p:spPr>
           <a:xfrm>
-            <a:off x="6026996" y="833079"/>
-            <a:ext cx="5669280" cy="5548785"/>
+            <a:off x="6025835" y="810638"/>
+            <a:ext cx="5670441" cy="5533012"/>
           </a:xfrm>
           <a:prstGeom prst="rect">
             <a:avLst/>
           </a:prstGeom>
         </p:spPr>
       </p:pic>
+      <p:cxnSp>
+        <p:nvCxnSpPr>
+          <p:cNvPr id="5" name="Straight Arrow Connector 4">
+            <a:extLst>
+              <a:ext uri="{FF2B5EF4-FFF2-40B4-BE49-F238E27FC236}">
+                <a16:creationId xmlns:a16="http://schemas.microsoft.com/office/drawing/2014/main" id="{20CF0017-C035-4005-9BBC-9A4B63D3E8A8}"/>
+              </a:ext>
+            </a:extLst>
+          </p:cNvPr>
+          <p:cNvCxnSpPr/>
+          <p:nvPr/>
+        </p:nvCxnSpPr>
+        <p:spPr>
+          <a:xfrm flipV="1">
+            <a:off x="6743700" y="1276350"/>
+            <a:ext cx="561975" cy="219075"/>
+          </a:xfrm>
+          <a:prstGeom prst="straightConnector1">
+            <a:avLst/>
+          </a:prstGeom>
+          <a:ln>
+            <a:tailEnd type="triangle"/>
+          </a:ln>
+        </p:spPr>
+        <p:style>
+          <a:lnRef idx="1">
+            <a:schemeClr val="accent1"/>
+          </a:lnRef>
+          <a:fillRef idx="0">
+            <a:schemeClr val="accent1"/>
+          </a:fillRef>
+          <a:effectRef idx="0">
+            <a:schemeClr val="accent1"/>
+          </a:effectRef>
+          <a:fontRef idx="minor">
+            <a:schemeClr val="tx1"/>
+          </a:fontRef>
+        </p:style>
+      </p:cxnSp>
       <p:sp>
         <p:nvSpPr>
           <p:cNvPr id="7" name="Oval 6">
             <a:extLst>
               <a:ext uri="{FF2B5EF4-FFF2-40B4-BE49-F238E27FC236}">
-                <a16:creationId xmlns:a16="http://schemas.microsoft.com/office/drawing/2014/main" id="{2C345C21-FA33-4BB3-A850-79C2B13C7045}"/>
+                <a16:creationId xmlns:a16="http://schemas.microsoft.com/office/drawing/2014/main" id="{4BFFE735-2595-43E6-A446-46EF8F212C40}"/>
               </a:ext>
             </a:extLst>
           </p:cNvPr>
@@ -5274,7 +5638,7 @@
         </p:nvSpPr>
         <p:spPr>
           <a:xfrm>
-            <a:off x="152098" y="1673847"/>
+            <a:off x="200449" y="1757823"/>
             <a:ext cx="295275" cy="297942"/>
           </a:xfrm>
           <a:prstGeom prst="ellipse">
@@ -5321,10 +5685,10 @@
       </p:sp>
       <p:sp>
         <p:nvSpPr>
-          <p:cNvPr id="8" name="Oval 7">
-            <a:extLst>
-              <a:ext uri="{FF2B5EF4-FFF2-40B4-BE49-F238E27FC236}">
-                <a16:creationId xmlns:a16="http://schemas.microsoft.com/office/drawing/2014/main" id="{42301EA1-61F4-4074-8051-C966BA03DC46}"/>
+          <p:cNvPr id="9" name="Oval 8">
+            <a:extLst>
+              <a:ext uri="{FF2B5EF4-FFF2-40B4-BE49-F238E27FC236}">
+                <a16:creationId xmlns:a16="http://schemas.microsoft.com/office/drawing/2014/main" id="{465DC9DF-494E-4CE5-A607-AAFB446A4975}"/>
               </a:ext>
             </a:extLst>
           </p:cNvPr>
@@ -5333,7 +5697,7 @@
         </p:nvSpPr>
         <p:spPr>
           <a:xfrm>
-            <a:off x="7391594" y="2127864"/>
+            <a:off x="6859749" y="1166811"/>
             <a:ext cx="217114" cy="219075"/>
           </a:xfrm>
           <a:prstGeom prst="ellipse">
@@ -5380,10 +5744,10 @@
       </p:sp>
       <p:sp>
         <p:nvSpPr>
-          <p:cNvPr id="9" name="Oval 8">
-            <a:extLst>
-              <a:ext uri="{FF2B5EF4-FFF2-40B4-BE49-F238E27FC236}">
-                <a16:creationId xmlns:a16="http://schemas.microsoft.com/office/drawing/2014/main" id="{F553F72D-F40F-4202-9DC7-0BF3C06D94E0}"/>
+          <p:cNvPr id="10" name="Oval 9">
+            <a:extLst>
+              <a:ext uri="{FF2B5EF4-FFF2-40B4-BE49-F238E27FC236}">
+                <a16:creationId xmlns:a16="http://schemas.microsoft.com/office/drawing/2014/main" id="{FB291E5F-C3B8-4FB9-A7C1-78F23409E896}"/>
               </a:ext>
             </a:extLst>
           </p:cNvPr>
@@ -5392,8 +5756,8 @@
         </p:nvSpPr>
         <p:spPr>
           <a:xfrm>
-            <a:off x="152098" y="2312965"/>
-            <a:ext cx="295275" cy="297942"/>
+            <a:off x="10698324" y="963072"/>
+            <a:ext cx="217114" cy="219075"/>
           </a:xfrm>
           <a:prstGeom prst="ellipse">
             <a:avLst/>
@@ -5427,329 +5791,70 @@
           <a:p>
             <a:pPr algn="ctr"/>
             <a:r>
-              <a:rPr lang="en-US" sz="1400" dirty="0">
+              <a:rPr lang="en-US" sz="1000" dirty="0">
                 <a:latin typeface="Helvetica" panose="020B0604020202020204" pitchFamily="34" charset="0"/>
                 <a:ea typeface="Yu Gothic UI Semilight" panose="020B0400000000000000" pitchFamily="34" charset="-128"/>
                 <a:cs typeface="Helvetica" panose="020B0604020202020204" pitchFamily="34" charset="0"/>
               </a:rPr>
-              <a:t>2</a:t>
-            </a:r>
-          </a:p>
-        </p:txBody>
-      </p:sp>
-      <p:sp>
-        <p:nvSpPr>
-          <p:cNvPr id="10" name="Oval 9">
-            <a:extLst>
-              <a:ext uri="{FF2B5EF4-FFF2-40B4-BE49-F238E27FC236}">
-                <a16:creationId xmlns:a16="http://schemas.microsoft.com/office/drawing/2014/main" id="{823C5D56-F417-4D8D-9581-35F1DBE28E09}"/>
-              </a:ext>
-            </a:extLst>
-          </p:cNvPr>
-          <p:cNvSpPr/>
-          <p:nvPr/>
-        </p:nvSpPr>
-        <p:spPr>
-          <a:xfrm>
-            <a:off x="152098" y="3008404"/>
-            <a:ext cx="295275" cy="297942"/>
-          </a:xfrm>
-          <a:prstGeom prst="ellipse">
-            <a:avLst/>
-          </a:prstGeom>
-          <a:solidFill>
-            <a:srgbClr val="4472C4"/>
-          </a:solidFill>
-          <a:ln>
-            <a:noFill/>
-          </a:ln>
-        </p:spPr>
-        <p:style>
-          <a:lnRef idx="2">
-            <a:schemeClr val="accent1">
-              <a:shade val="50000"/>
-            </a:schemeClr>
-          </a:lnRef>
-          <a:fillRef idx="1">
-            <a:schemeClr val="accent1"/>
-          </a:fillRef>
-          <a:effectRef idx="0">
-            <a:schemeClr val="accent1"/>
-          </a:effectRef>
-          <a:fontRef idx="minor">
-            <a:schemeClr val="lt1"/>
-          </a:fontRef>
-        </p:style>
-        <p:txBody>
-          <a:bodyPr rtlCol="0" anchor="ctr"/>
-          <a:lstStyle/>
-          <a:p>
-            <a:pPr algn="ctr"/>
-            <a:r>
-              <a:rPr lang="en-US" sz="1400" dirty="0">
-                <a:latin typeface="Helvetica" panose="020B0604020202020204" pitchFamily="34" charset="0"/>
-                <a:ea typeface="Yu Gothic UI Semilight" panose="020B0400000000000000" pitchFamily="34" charset="-128"/>
-                <a:cs typeface="Helvetica" panose="020B0604020202020204" pitchFamily="34" charset="0"/>
-              </a:rPr>
               <a:t>3</a:t>
-            </a:r>
-          </a:p>
-        </p:txBody>
-      </p:sp>
-      <p:sp>
-        <p:nvSpPr>
-          <p:cNvPr id="11" name="Oval 10">
-            <a:extLst>
-              <a:ext uri="{FF2B5EF4-FFF2-40B4-BE49-F238E27FC236}">
-                <a16:creationId xmlns:a16="http://schemas.microsoft.com/office/drawing/2014/main" id="{1ED23070-20BB-49D3-BC9B-2471F78E8AB5}"/>
-              </a:ext>
-            </a:extLst>
-          </p:cNvPr>
-          <p:cNvSpPr/>
-          <p:nvPr/>
-        </p:nvSpPr>
-        <p:spPr>
-          <a:xfrm>
-            <a:off x="152098" y="3724210"/>
-            <a:ext cx="295275" cy="297942"/>
-          </a:xfrm>
-          <a:prstGeom prst="ellipse">
-            <a:avLst/>
-          </a:prstGeom>
-          <a:solidFill>
-            <a:srgbClr val="4472C4"/>
-          </a:solidFill>
-          <a:ln>
-            <a:noFill/>
-          </a:ln>
-        </p:spPr>
-        <p:style>
-          <a:lnRef idx="2">
-            <a:schemeClr val="accent1">
-              <a:shade val="50000"/>
-            </a:schemeClr>
-          </a:lnRef>
-          <a:fillRef idx="1">
-            <a:schemeClr val="accent1"/>
-          </a:fillRef>
-          <a:effectRef idx="0">
-            <a:schemeClr val="accent1"/>
-          </a:effectRef>
-          <a:fontRef idx="minor">
-            <a:schemeClr val="lt1"/>
-          </a:fontRef>
-        </p:style>
-        <p:txBody>
-          <a:bodyPr rtlCol="0" anchor="ctr"/>
-          <a:lstStyle/>
-          <a:p>
-            <a:pPr algn="ctr"/>
-            <a:r>
-              <a:rPr lang="en-US" sz="1400" dirty="0">
-                <a:latin typeface="Helvetica" panose="020B0604020202020204" pitchFamily="34" charset="0"/>
-                <a:ea typeface="Yu Gothic UI Semilight" panose="020B0400000000000000" pitchFamily="34" charset="-128"/>
-                <a:cs typeface="Helvetica" panose="020B0604020202020204" pitchFamily="34" charset="0"/>
-              </a:rPr>
-              <a:t>4</a:t>
-            </a:r>
-          </a:p>
-        </p:txBody>
-      </p:sp>
-      <p:sp>
-        <p:nvSpPr>
-          <p:cNvPr id="12" name="Oval 11">
-            <a:extLst>
-              <a:ext uri="{FF2B5EF4-FFF2-40B4-BE49-F238E27FC236}">
-                <a16:creationId xmlns:a16="http://schemas.microsoft.com/office/drawing/2014/main" id="{14A3D167-E6DB-4178-8316-05FC6C07DD51}"/>
-              </a:ext>
-            </a:extLst>
-          </p:cNvPr>
-          <p:cNvSpPr/>
-          <p:nvPr/>
-        </p:nvSpPr>
-        <p:spPr>
-          <a:xfrm>
-            <a:off x="152098" y="4440016"/>
-            <a:ext cx="295275" cy="297942"/>
-          </a:xfrm>
-          <a:prstGeom prst="ellipse">
-            <a:avLst/>
-          </a:prstGeom>
-          <a:solidFill>
-            <a:srgbClr val="4472C4"/>
-          </a:solidFill>
-          <a:ln>
-            <a:noFill/>
-          </a:ln>
-        </p:spPr>
-        <p:style>
-          <a:lnRef idx="2">
-            <a:schemeClr val="accent1">
-              <a:shade val="50000"/>
-            </a:schemeClr>
-          </a:lnRef>
-          <a:fillRef idx="1">
-            <a:schemeClr val="accent1"/>
-          </a:fillRef>
-          <a:effectRef idx="0">
-            <a:schemeClr val="accent1"/>
-          </a:effectRef>
-          <a:fontRef idx="minor">
-            <a:schemeClr val="lt1"/>
-          </a:fontRef>
-        </p:style>
-        <p:txBody>
-          <a:bodyPr rtlCol="0" anchor="ctr"/>
-          <a:lstStyle/>
-          <a:p>
-            <a:pPr algn="ctr"/>
-            <a:r>
-              <a:rPr lang="en-US" sz="1400" dirty="0">
-                <a:latin typeface="Helvetica" panose="020B0604020202020204" pitchFamily="34" charset="0"/>
-                <a:ea typeface="Yu Gothic UI Semilight" panose="020B0400000000000000" pitchFamily="34" charset="-128"/>
-                <a:cs typeface="Helvetica" panose="020B0604020202020204" pitchFamily="34" charset="0"/>
-              </a:rPr>
-              <a:t>5</a:t>
-            </a:r>
-          </a:p>
-        </p:txBody>
-      </p:sp>
-      <p:sp>
-        <p:nvSpPr>
-          <p:cNvPr id="14" name="Oval 13">
-            <a:extLst>
-              <a:ext uri="{FF2B5EF4-FFF2-40B4-BE49-F238E27FC236}">
-                <a16:creationId xmlns:a16="http://schemas.microsoft.com/office/drawing/2014/main" id="{0C050DAC-2994-4220-A7F3-92243C2B6338}"/>
-              </a:ext>
-            </a:extLst>
-          </p:cNvPr>
-          <p:cNvSpPr/>
-          <p:nvPr/>
-        </p:nvSpPr>
-        <p:spPr>
-          <a:xfrm>
-            <a:off x="152098" y="5216232"/>
-            <a:ext cx="295275" cy="297942"/>
-          </a:xfrm>
-          <a:prstGeom prst="ellipse">
-            <a:avLst/>
-          </a:prstGeom>
-          <a:solidFill>
-            <a:srgbClr val="4472C4"/>
-          </a:solidFill>
-          <a:ln>
-            <a:noFill/>
-          </a:ln>
-        </p:spPr>
-        <p:style>
-          <a:lnRef idx="2">
-            <a:schemeClr val="accent1">
-              <a:shade val="50000"/>
-            </a:schemeClr>
-          </a:lnRef>
-          <a:fillRef idx="1">
-            <a:schemeClr val="accent1"/>
-          </a:fillRef>
-          <a:effectRef idx="0">
-            <a:schemeClr val="accent1"/>
-          </a:effectRef>
-          <a:fontRef idx="minor">
-            <a:schemeClr val="lt1"/>
-          </a:fontRef>
-        </p:style>
-        <p:txBody>
-          <a:bodyPr rtlCol="0" anchor="ctr"/>
-          <a:lstStyle/>
-          <a:p>
-            <a:pPr algn="ctr"/>
-            <a:r>
-              <a:rPr lang="en-US" sz="1400" dirty="0">
-                <a:latin typeface="Helvetica" panose="020B0604020202020204" pitchFamily="34" charset="0"/>
-                <a:ea typeface="Yu Gothic UI Semilight" panose="020B0400000000000000" pitchFamily="34" charset="-128"/>
-                <a:cs typeface="Helvetica" panose="020B0604020202020204" pitchFamily="34" charset="0"/>
-              </a:rPr>
-              <a:t>6</a:t>
-            </a:r>
-          </a:p>
-        </p:txBody>
-      </p:sp>
-      <p:sp>
-        <p:nvSpPr>
-          <p:cNvPr id="16" name="Oval 15">
-            <a:extLst>
-              <a:ext uri="{FF2B5EF4-FFF2-40B4-BE49-F238E27FC236}">
-                <a16:creationId xmlns:a16="http://schemas.microsoft.com/office/drawing/2014/main" id="{75B842DB-FD6B-4D72-9A64-47CF206DD40D}"/>
-              </a:ext>
-            </a:extLst>
-          </p:cNvPr>
-          <p:cNvSpPr/>
-          <p:nvPr/>
-        </p:nvSpPr>
-        <p:spPr>
-          <a:xfrm>
-            <a:off x="8861636" y="1033811"/>
-            <a:ext cx="217114" cy="219075"/>
-          </a:xfrm>
-          <a:prstGeom prst="ellipse">
-            <a:avLst/>
-          </a:prstGeom>
-          <a:solidFill>
-            <a:srgbClr val="4472C4"/>
-          </a:solidFill>
-          <a:ln>
-            <a:noFill/>
-          </a:ln>
-        </p:spPr>
-        <p:style>
-          <a:lnRef idx="2">
-            <a:schemeClr val="accent1">
-              <a:shade val="50000"/>
-            </a:schemeClr>
-          </a:lnRef>
-          <a:fillRef idx="1">
-            <a:schemeClr val="accent1"/>
-          </a:fillRef>
-          <a:effectRef idx="0">
-            <a:schemeClr val="accent1"/>
-          </a:effectRef>
-          <a:fontRef idx="minor">
-            <a:schemeClr val="lt1"/>
-          </a:fontRef>
-        </p:style>
-        <p:txBody>
-          <a:bodyPr rtlCol="0" anchor="ctr"/>
-          <a:lstStyle/>
-          <a:p>
-            <a:pPr algn="ctr"/>
-            <a:r>
-              <a:rPr lang="en-US" sz="1000" dirty="0">
-                <a:latin typeface="Helvetica" panose="020B0604020202020204" pitchFamily="34" charset="0"/>
-                <a:ea typeface="Yu Gothic UI Semilight" panose="020B0400000000000000" pitchFamily="34" charset="-128"/>
-                <a:cs typeface="Helvetica" panose="020B0604020202020204" pitchFamily="34" charset="0"/>
-              </a:rPr>
-              <a:t>2</a:t>
             </a:r>
           </a:p>
         </p:txBody>
       </p:sp>
       <p:cxnSp>
         <p:nvCxnSpPr>
-          <p:cNvPr id="5" name="Straight Connector 4">
-            <a:extLst>
-              <a:ext uri="{FF2B5EF4-FFF2-40B4-BE49-F238E27FC236}">
-                <a16:creationId xmlns:a16="http://schemas.microsoft.com/office/drawing/2014/main" id="{E49E5AED-8CEE-4FF4-BD87-1A9996FC1BB3}"/>
+          <p:cNvPr id="14" name="Straight Connector 13">
+            <a:extLst>
+              <a:ext uri="{FF2B5EF4-FFF2-40B4-BE49-F238E27FC236}">
+                <a16:creationId xmlns:a16="http://schemas.microsoft.com/office/drawing/2014/main" id="{EC09E540-B2FE-4734-B2A0-ED3B56FECF09}"/>
               </a:ext>
             </a:extLst>
           </p:cNvPr>
           <p:cNvCxnSpPr>
-            <a:endCxn id="16" idx="4"/>
+            <a:endCxn id="10" idx="4"/>
           </p:cNvCxnSpPr>
           <p:nvPr/>
         </p:nvCxnSpPr>
         <p:spPr>
           <a:xfrm flipV="1">
-            <a:off x="8509518" y="1252886"/>
-            <a:ext cx="460675" cy="72061"/>
+            <a:off x="10229850" y="1182147"/>
+            <a:ext cx="577031" cy="94201"/>
+          </a:xfrm>
+          <a:prstGeom prst="line">
+            <a:avLst/>
+          </a:prstGeom>
+        </p:spPr>
+        <p:style>
+          <a:lnRef idx="1">
+            <a:schemeClr val="accent1"/>
+          </a:lnRef>
+          <a:fillRef idx="0">
+            <a:schemeClr val="accent1"/>
+          </a:fillRef>
+          <a:effectRef idx="0">
+            <a:schemeClr val="accent1"/>
+          </a:effectRef>
+          <a:fontRef idx="minor">
+            <a:schemeClr val="tx1"/>
+          </a:fontRef>
+        </p:style>
+      </p:cxnSp>
+      <p:cxnSp>
+        <p:nvCxnSpPr>
+          <p:cNvPr id="16" name="Straight Connector 15">
+            <a:extLst>
+              <a:ext uri="{FF2B5EF4-FFF2-40B4-BE49-F238E27FC236}">
+                <a16:creationId xmlns:a16="http://schemas.microsoft.com/office/drawing/2014/main" id="{8CCC8055-7B01-4713-95F1-CA0D6F50011F}"/>
+              </a:ext>
+            </a:extLst>
+          </p:cNvPr>
+          <p:cNvCxnSpPr/>
+          <p:nvPr/>
+        </p:nvCxnSpPr>
+        <p:spPr>
+          <a:xfrm flipH="1">
+            <a:off x="10698324" y="1182147"/>
+            <a:ext cx="108557" cy="313278"/>
           </a:xfrm>
           <a:prstGeom prst="line">
             <a:avLst/>
@@ -5775,7 +5880,7 @@
           <p:cNvPr id="18" name="Straight Connector 17">
             <a:extLst>
               <a:ext uri="{FF2B5EF4-FFF2-40B4-BE49-F238E27FC236}">
-                <a16:creationId xmlns:a16="http://schemas.microsoft.com/office/drawing/2014/main" id="{54158131-35DC-423F-8349-A89CB9A7DD40}"/>
+                <a16:creationId xmlns:a16="http://schemas.microsoft.com/office/drawing/2014/main" id="{C4E03614-29BA-4B52-99C6-D84A78546904}"/>
               </a:ext>
             </a:extLst>
           </p:cNvPr>
@@ -5784,8 +5889,8 @@
         </p:nvCxnSpPr>
         <p:spPr>
           <a:xfrm>
-            <a:off x="8970193" y="1252886"/>
-            <a:ext cx="481717" cy="569932"/>
+            <a:off x="10806881" y="1182147"/>
+            <a:ext cx="546919" cy="203739"/>
           </a:xfrm>
           <a:prstGeom prst="line">
             <a:avLst/>
@@ -5811,7 +5916,7 @@
           <p:cNvPr id="19" name="Oval 18">
             <a:extLst>
               <a:ext uri="{FF2B5EF4-FFF2-40B4-BE49-F238E27FC236}">
-                <a16:creationId xmlns:a16="http://schemas.microsoft.com/office/drawing/2014/main" id="{C4FAB72A-3E53-4CF0-A158-C8D7244A6F6E}"/>
+                <a16:creationId xmlns:a16="http://schemas.microsoft.com/office/drawing/2014/main" id="{78C5B10C-601F-4CBE-B70E-82C52262C634}"/>
               </a:ext>
             </a:extLst>
           </p:cNvPr>
@@ -5820,8 +5925,8 @@
         </p:nvSpPr>
         <p:spPr>
           <a:xfrm>
-            <a:off x="10775011" y="1132723"/>
-            <a:ext cx="217114" cy="219075"/>
+            <a:off x="200448" y="3363087"/>
+            <a:ext cx="295275" cy="297942"/>
           </a:xfrm>
           <a:prstGeom prst="ellipse">
             <a:avLst/>
@@ -5855,7 +5960,7 @@
           <a:p>
             <a:pPr algn="ctr"/>
             <a:r>
-              <a:rPr lang="en-US" sz="1000" dirty="0">
+              <a:rPr lang="en-US" sz="1400" dirty="0">
                 <a:latin typeface="Helvetica" panose="020B0604020202020204" pitchFamily="34" charset="0"/>
                 <a:ea typeface="Yu Gothic UI Semilight" panose="020B0400000000000000" pitchFamily="34" charset="-128"/>
                 <a:cs typeface="Helvetica" panose="020B0604020202020204" pitchFamily="34" charset="0"/>
@@ -5870,7 +5975,7 @@
           <p:cNvPr id="20" name="Oval 19">
             <a:extLst>
               <a:ext uri="{FF2B5EF4-FFF2-40B4-BE49-F238E27FC236}">
-                <a16:creationId xmlns:a16="http://schemas.microsoft.com/office/drawing/2014/main" id="{56B4D857-A128-49A3-B6E5-2906B565A940}"/>
+                <a16:creationId xmlns:a16="http://schemas.microsoft.com/office/drawing/2014/main" id="{F09423E8-CFDB-4389-A9C0-F2624D49695B}"/>
               </a:ext>
             </a:extLst>
           </p:cNvPr>
@@ -5879,8 +5984,8 @@
         </p:nvSpPr>
         <p:spPr>
           <a:xfrm>
-            <a:off x="7519112" y="3884621"/>
-            <a:ext cx="217114" cy="219075"/>
+            <a:off x="211694" y="4192929"/>
+            <a:ext cx="295275" cy="297942"/>
           </a:xfrm>
           <a:prstGeom prst="ellipse">
             <a:avLst/>
@@ -5914,7 +6019,7 @@
           <a:p>
             <a:pPr algn="ctr"/>
             <a:r>
-              <a:rPr lang="en-US" sz="1000" dirty="0">
+              <a:rPr lang="en-US" sz="1400" dirty="0">
                 <a:latin typeface="Helvetica" panose="020B0604020202020204" pitchFamily="34" charset="0"/>
                 <a:ea typeface="Yu Gothic UI Semilight" panose="020B0400000000000000" pitchFamily="34" charset="-128"/>
                 <a:cs typeface="Helvetica" panose="020B0604020202020204" pitchFamily="34" charset="0"/>
@@ -5929,7 +6034,7 @@
           <p:cNvPr id="21" name="Oval 20">
             <a:extLst>
               <a:ext uri="{FF2B5EF4-FFF2-40B4-BE49-F238E27FC236}">
-                <a16:creationId xmlns:a16="http://schemas.microsoft.com/office/drawing/2014/main" id="{22493E69-B041-4C9B-A160-94ECE2E920D9}"/>
+                <a16:creationId xmlns:a16="http://schemas.microsoft.com/office/drawing/2014/main" id="{BEF1B590-E2D8-4556-AB5A-7296C1F50921}"/>
               </a:ext>
             </a:extLst>
           </p:cNvPr>
@@ -5938,7 +6043,7 @@
         </p:nvSpPr>
         <p:spPr>
           <a:xfrm>
-            <a:off x="8861636" y="3781982"/>
+            <a:off x="7519695" y="4838387"/>
             <a:ext cx="217114" cy="219075"/>
           </a:xfrm>
           <a:prstGeom prst="ellipse">
@@ -5978,7 +6083,7 @@
                 <a:ea typeface="Yu Gothic UI Semilight" panose="020B0400000000000000" pitchFamily="34" charset="-128"/>
                 <a:cs typeface="Helvetica" panose="020B0604020202020204" pitchFamily="34" charset="0"/>
               </a:rPr>
-              <a:t>5</a:t>
+              <a:t>4</a:t>
             </a:r>
           </a:p>
         </p:txBody>
@@ -5988,7 +6093,7 @@
           <p:cNvPr id="22" name="Oval 21">
             <a:extLst>
               <a:ext uri="{FF2B5EF4-FFF2-40B4-BE49-F238E27FC236}">
-                <a16:creationId xmlns:a16="http://schemas.microsoft.com/office/drawing/2014/main" id="{451A264E-E2ED-47D7-B69C-3EB4811FC9A9}"/>
+                <a16:creationId xmlns:a16="http://schemas.microsoft.com/office/drawing/2014/main" id="{F745FE1E-34A2-4965-8CE5-6F842D25CCE8}"/>
               </a:ext>
             </a:extLst>
           </p:cNvPr>
@@ -5997,8 +6102,8 @@
         </p:nvSpPr>
         <p:spPr>
           <a:xfrm>
-            <a:off x="10876983" y="5007452"/>
-            <a:ext cx="217114" cy="219075"/>
+            <a:off x="200448" y="4872409"/>
+            <a:ext cx="295275" cy="297942"/>
           </a:xfrm>
           <a:prstGeom prst="ellipse">
             <a:avLst/>
@@ -6032,251 +6137,315 @@
           <a:p>
             <a:pPr algn="ctr"/>
             <a:r>
-              <a:rPr lang="en-US" sz="1000" dirty="0">
+              <a:rPr lang="en-US" sz="1400" dirty="0">
                 <a:latin typeface="Helvetica" panose="020B0604020202020204" pitchFamily="34" charset="0"/>
                 <a:ea typeface="Yu Gothic UI Semilight" panose="020B0400000000000000" pitchFamily="34" charset="-128"/>
                 <a:cs typeface="Helvetica" panose="020B0604020202020204" pitchFamily="34" charset="0"/>
               </a:rPr>
-              <a:t>6</a:t>
-            </a:r>
-          </a:p>
-        </p:txBody>
-      </p:sp>
-      <p:cxnSp>
-        <p:nvCxnSpPr>
-          <p:cNvPr id="24" name="Straight Connector 23">
-            <a:extLst>
-              <a:ext uri="{FF2B5EF4-FFF2-40B4-BE49-F238E27FC236}">
-                <a16:creationId xmlns:a16="http://schemas.microsoft.com/office/drawing/2014/main" id="{2A4CD9E0-B5B1-4706-A4DE-5C1E7378DF0F}"/>
-              </a:ext>
-            </a:extLst>
-          </p:cNvPr>
-          <p:cNvCxnSpPr>
-            <a:cxnSpLocks/>
-            <a:endCxn id="19" idx="2"/>
-          </p:cNvCxnSpPr>
+              <a:t>5</a:t>
+            </a:r>
+          </a:p>
+        </p:txBody>
+      </p:sp>
+      <p:sp>
+        <p:nvSpPr>
+          <p:cNvPr id="24" name="Oval 23">
+            <a:extLst>
+              <a:ext uri="{FF2B5EF4-FFF2-40B4-BE49-F238E27FC236}">
+                <a16:creationId xmlns:a16="http://schemas.microsoft.com/office/drawing/2014/main" id="{722152AE-0D79-4E03-AA20-4696F103A269}"/>
+              </a:ext>
+            </a:extLst>
+          </p:cNvPr>
+          <p:cNvSpPr/>
           <p:nvPr/>
-        </p:nvCxnSpPr>
-        <p:spPr>
-          <a:xfrm flipV="1">
-            <a:off x="10571584" y="1242261"/>
-            <a:ext cx="203427" cy="10625"/>
-          </a:xfrm>
-          <a:prstGeom prst="line">
-            <a:avLst/>
-          </a:prstGeom>
+        </p:nvSpPr>
+        <p:spPr>
+          <a:xfrm>
+            <a:off x="10121293" y="5021380"/>
+            <a:ext cx="217114" cy="219075"/>
+          </a:xfrm>
+          <a:prstGeom prst="ellipse">
+            <a:avLst/>
+          </a:prstGeom>
+          <a:solidFill>
+            <a:srgbClr val="4472C4"/>
+          </a:solidFill>
+          <a:ln>
+            <a:noFill/>
+          </a:ln>
         </p:spPr>
         <p:style>
-          <a:lnRef idx="1">
-            <a:schemeClr val="accent1"/>
+          <a:lnRef idx="2">
+            <a:schemeClr val="accent1">
+              <a:shade val="50000"/>
+            </a:schemeClr>
           </a:lnRef>
-          <a:fillRef idx="0">
+          <a:fillRef idx="1">
             <a:schemeClr val="accent1"/>
           </a:fillRef>
           <a:effectRef idx="0">
             <a:schemeClr val="accent1"/>
           </a:effectRef>
           <a:fontRef idx="minor">
-            <a:schemeClr val="tx1"/>
+            <a:schemeClr val="lt1"/>
           </a:fontRef>
         </p:style>
-      </p:cxnSp>
-      <p:cxnSp>
-        <p:nvCxnSpPr>
-          <p:cNvPr id="28" name="Straight Connector 27">
-            <a:extLst>
-              <a:ext uri="{FF2B5EF4-FFF2-40B4-BE49-F238E27FC236}">
-                <a16:creationId xmlns:a16="http://schemas.microsoft.com/office/drawing/2014/main" id="{AF5876CB-ED2B-4D5C-8757-F6032F77B182}"/>
-              </a:ext>
-            </a:extLst>
-          </p:cNvPr>
-          <p:cNvCxnSpPr>
-            <a:stCxn id="19" idx="4"/>
-          </p:cNvCxnSpPr>
+        <p:txBody>
+          <a:bodyPr rtlCol="0" anchor="ctr"/>
+          <a:lstStyle/>
+          <a:p>
+            <a:pPr algn="ctr"/>
+            <a:r>
+              <a:rPr lang="en-US" sz="1000" dirty="0">
+                <a:latin typeface="Helvetica" panose="020B0604020202020204" pitchFamily="34" charset="0"/>
+                <a:ea typeface="Yu Gothic UI Semilight" panose="020B0400000000000000" pitchFamily="34" charset="-128"/>
+                <a:cs typeface="Helvetica" panose="020B0604020202020204" pitchFamily="34" charset="0"/>
+              </a:rPr>
+              <a:t>6</a:t>
+            </a:r>
+          </a:p>
+        </p:txBody>
+      </p:sp>
+      <p:sp>
+        <p:nvSpPr>
+          <p:cNvPr id="25" name="Oval 24">
+            <a:extLst>
+              <a:ext uri="{FF2B5EF4-FFF2-40B4-BE49-F238E27FC236}">
+                <a16:creationId xmlns:a16="http://schemas.microsoft.com/office/drawing/2014/main" id="{1192CC01-DBBC-4813-AD8B-507404B35D8A}"/>
+              </a:ext>
+            </a:extLst>
+          </p:cNvPr>
+          <p:cNvSpPr/>
           <p:nvPr/>
-        </p:nvCxnSpPr>
-        <p:spPr>
-          <a:xfrm>
-            <a:off x="10883568" y="1351798"/>
-            <a:ext cx="0" cy="186054"/>
-          </a:xfrm>
-          <a:prstGeom prst="line">
-            <a:avLst/>
-          </a:prstGeom>
+        </p:nvSpPr>
+        <p:spPr>
+          <a:xfrm>
+            <a:off x="200449" y="2438645"/>
+            <a:ext cx="295275" cy="297942"/>
+          </a:xfrm>
+          <a:prstGeom prst="ellipse">
+            <a:avLst/>
+          </a:prstGeom>
+          <a:solidFill>
+            <a:srgbClr val="4472C4"/>
+          </a:solidFill>
+          <a:ln>
+            <a:noFill/>
+          </a:ln>
         </p:spPr>
         <p:style>
-          <a:lnRef idx="1">
-            <a:schemeClr val="accent1"/>
+          <a:lnRef idx="2">
+            <a:schemeClr val="accent1">
+              <a:shade val="50000"/>
+            </a:schemeClr>
           </a:lnRef>
-          <a:fillRef idx="0">
+          <a:fillRef idx="1">
             <a:schemeClr val="accent1"/>
           </a:fillRef>
           <a:effectRef idx="0">
             <a:schemeClr val="accent1"/>
           </a:effectRef>
           <a:fontRef idx="minor">
-            <a:schemeClr val="tx1"/>
+            <a:schemeClr val="lt1"/>
           </a:fontRef>
         </p:style>
-      </p:cxnSp>
-      <p:cxnSp>
-        <p:nvCxnSpPr>
-          <p:cNvPr id="30" name="Straight Connector 29">
-            <a:extLst>
-              <a:ext uri="{FF2B5EF4-FFF2-40B4-BE49-F238E27FC236}">
-                <a16:creationId xmlns:a16="http://schemas.microsoft.com/office/drawing/2014/main" id="{84E2638C-0E72-4413-A6CD-A90A2FB2D751}"/>
-              </a:ext>
-            </a:extLst>
-          </p:cNvPr>
-          <p:cNvCxnSpPr>
-            <a:cxnSpLocks/>
-          </p:cNvCxnSpPr>
+        <p:txBody>
+          <a:bodyPr rtlCol="0" anchor="ctr"/>
+          <a:lstStyle/>
+          <a:p>
+            <a:pPr algn="ctr"/>
+            <a:r>
+              <a:rPr lang="en-US" sz="1400" dirty="0">
+                <a:latin typeface="Helvetica" panose="020B0604020202020204" pitchFamily="34" charset="0"/>
+                <a:ea typeface="Yu Gothic UI Semilight" panose="020B0400000000000000" pitchFamily="34" charset="-128"/>
+                <a:cs typeface="Helvetica" panose="020B0604020202020204" pitchFamily="34" charset="0"/>
+              </a:rPr>
+              <a:t>2</a:t>
+            </a:r>
+          </a:p>
+        </p:txBody>
+      </p:sp>
+      <p:sp>
+        <p:nvSpPr>
+          <p:cNvPr id="26" name="Oval 25">
+            <a:extLst>
+              <a:ext uri="{FF2B5EF4-FFF2-40B4-BE49-F238E27FC236}">
+                <a16:creationId xmlns:a16="http://schemas.microsoft.com/office/drawing/2014/main" id="{68BDEC9D-2130-4B9B-B0CA-3B532E741776}"/>
+              </a:ext>
+            </a:extLst>
+          </p:cNvPr>
+          <p:cNvSpPr/>
           <p:nvPr/>
-        </p:nvCxnSpPr>
-        <p:spPr>
-          <a:xfrm>
-            <a:off x="7360780" y="4103696"/>
-            <a:ext cx="266889" cy="0"/>
-          </a:xfrm>
-          <a:prstGeom prst="line">
-            <a:avLst/>
-          </a:prstGeom>
+        </p:nvSpPr>
+        <p:spPr>
+          <a:xfrm>
+            <a:off x="211693" y="5747766"/>
+            <a:ext cx="295275" cy="297942"/>
+          </a:xfrm>
+          <a:prstGeom prst="ellipse">
+            <a:avLst/>
+          </a:prstGeom>
+          <a:solidFill>
+            <a:srgbClr val="4472C4"/>
+          </a:solidFill>
+          <a:ln>
+            <a:noFill/>
+          </a:ln>
         </p:spPr>
         <p:style>
-          <a:lnRef idx="1">
-            <a:schemeClr val="accent1"/>
+          <a:lnRef idx="2">
+            <a:schemeClr val="accent1">
+              <a:shade val="50000"/>
+            </a:schemeClr>
           </a:lnRef>
-          <a:fillRef idx="0">
+          <a:fillRef idx="1">
             <a:schemeClr val="accent1"/>
           </a:fillRef>
           <a:effectRef idx="0">
             <a:schemeClr val="accent1"/>
           </a:effectRef>
           <a:fontRef idx="minor">
-            <a:schemeClr val="tx1"/>
+            <a:schemeClr val="lt1"/>
           </a:fontRef>
         </p:style>
-      </p:cxnSp>
-      <p:cxnSp>
-        <p:nvCxnSpPr>
-          <p:cNvPr id="33" name="Straight Connector 32">
-            <a:extLst>
-              <a:ext uri="{FF2B5EF4-FFF2-40B4-BE49-F238E27FC236}">
-                <a16:creationId xmlns:a16="http://schemas.microsoft.com/office/drawing/2014/main" id="{481C7651-D2D4-48CB-99AE-68522EC44EFC}"/>
-              </a:ext>
-            </a:extLst>
-          </p:cNvPr>
-          <p:cNvCxnSpPr>
-            <a:cxnSpLocks/>
-          </p:cNvCxnSpPr>
+        <p:txBody>
+          <a:bodyPr rtlCol="0" anchor="ctr"/>
+          <a:lstStyle/>
+          <a:p>
+            <a:pPr algn="ctr"/>
+            <a:r>
+              <a:rPr lang="en-US" sz="1400" dirty="0">
+                <a:latin typeface="Helvetica" panose="020B0604020202020204" pitchFamily="34" charset="0"/>
+                <a:ea typeface="Yu Gothic UI Semilight" panose="020B0400000000000000" pitchFamily="34" charset="-128"/>
+                <a:cs typeface="Helvetica" panose="020B0604020202020204" pitchFamily="34" charset="0"/>
+              </a:rPr>
+              <a:t>6</a:t>
+            </a:r>
+          </a:p>
+        </p:txBody>
+      </p:sp>
+      <p:sp>
+        <p:nvSpPr>
+          <p:cNvPr id="27" name="Oval 26">
+            <a:extLst>
+              <a:ext uri="{FF2B5EF4-FFF2-40B4-BE49-F238E27FC236}">
+                <a16:creationId xmlns:a16="http://schemas.microsoft.com/office/drawing/2014/main" id="{7ACC354D-26A7-4FA6-921D-525CD6983233}"/>
+              </a:ext>
+            </a:extLst>
+          </p:cNvPr>
+          <p:cNvSpPr/>
           <p:nvPr/>
-        </p:nvCxnSpPr>
-        <p:spPr>
-          <a:xfrm>
-            <a:off x="7627669" y="4094365"/>
-            <a:ext cx="0" cy="457298"/>
-          </a:xfrm>
-          <a:prstGeom prst="line">
-            <a:avLst/>
-          </a:prstGeom>
+        </p:nvSpPr>
+        <p:spPr>
+          <a:xfrm>
+            <a:off x="8567918" y="2123178"/>
+            <a:ext cx="217114" cy="219075"/>
+          </a:xfrm>
+          <a:prstGeom prst="ellipse">
+            <a:avLst/>
+          </a:prstGeom>
+          <a:solidFill>
+            <a:srgbClr val="4472C4"/>
+          </a:solidFill>
+          <a:ln>
+            <a:noFill/>
+          </a:ln>
         </p:spPr>
         <p:style>
-          <a:lnRef idx="1">
-            <a:schemeClr val="accent1"/>
+          <a:lnRef idx="2">
+            <a:schemeClr val="accent1">
+              <a:shade val="50000"/>
+            </a:schemeClr>
           </a:lnRef>
-          <a:fillRef idx="0">
+          <a:fillRef idx="1">
             <a:schemeClr val="accent1"/>
           </a:fillRef>
           <a:effectRef idx="0">
             <a:schemeClr val="accent1"/>
           </a:effectRef>
           <a:fontRef idx="minor">
-            <a:schemeClr val="tx1"/>
+            <a:schemeClr val="lt1"/>
           </a:fontRef>
         </p:style>
-      </p:cxnSp>
-      <p:cxnSp>
-        <p:nvCxnSpPr>
-          <p:cNvPr id="36" name="Straight Connector 35">
-            <a:extLst>
-              <a:ext uri="{FF2B5EF4-FFF2-40B4-BE49-F238E27FC236}">
-                <a16:creationId xmlns:a16="http://schemas.microsoft.com/office/drawing/2014/main" id="{114948FF-9168-41FE-A034-A2EA5D73B94D}"/>
-              </a:ext>
-            </a:extLst>
-          </p:cNvPr>
-          <p:cNvCxnSpPr>
-            <a:cxnSpLocks/>
-            <a:stCxn id="21" idx="4"/>
-          </p:cNvCxnSpPr>
+        <p:txBody>
+          <a:bodyPr rtlCol="0" anchor="ctr"/>
+          <a:lstStyle/>
+          <a:p>
+            <a:pPr algn="ctr"/>
+            <a:r>
+              <a:rPr lang="en-US" sz="1000" dirty="0">
+                <a:latin typeface="Helvetica" panose="020B0604020202020204" pitchFamily="34" charset="0"/>
+                <a:ea typeface="Yu Gothic UI Semilight" panose="020B0400000000000000" pitchFamily="34" charset="-128"/>
+                <a:cs typeface="Helvetica" panose="020B0604020202020204" pitchFamily="34" charset="0"/>
+              </a:rPr>
+              <a:t>2</a:t>
+            </a:r>
+          </a:p>
+        </p:txBody>
+      </p:sp>
+      <p:sp>
+        <p:nvSpPr>
+          <p:cNvPr id="28" name="Oval 27">
+            <a:extLst>
+              <a:ext uri="{FF2B5EF4-FFF2-40B4-BE49-F238E27FC236}">
+                <a16:creationId xmlns:a16="http://schemas.microsoft.com/office/drawing/2014/main" id="{A2EEE93B-57BB-4C28-81DC-A751FF465C93}"/>
+              </a:ext>
+            </a:extLst>
+          </p:cNvPr>
+          <p:cNvSpPr/>
           <p:nvPr/>
-        </p:nvCxnSpPr>
-        <p:spPr>
-          <a:xfrm>
-            <a:off x="8970193" y="4001057"/>
-            <a:ext cx="388411" cy="130632"/>
-          </a:xfrm>
-          <a:prstGeom prst="line">
-            <a:avLst/>
-          </a:prstGeom>
+        </p:nvSpPr>
+        <p:spPr>
+          <a:xfrm>
+            <a:off x="8675097" y="5060813"/>
+            <a:ext cx="217114" cy="219075"/>
+          </a:xfrm>
+          <a:prstGeom prst="ellipse">
+            <a:avLst/>
+          </a:prstGeom>
+          <a:solidFill>
+            <a:srgbClr val="4472C4"/>
+          </a:solidFill>
+          <a:ln>
+            <a:noFill/>
+          </a:ln>
         </p:spPr>
         <p:style>
-          <a:lnRef idx="1">
-            <a:schemeClr val="accent1"/>
+          <a:lnRef idx="2">
+            <a:schemeClr val="accent1">
+              <a:shade val="50000"/>
+            </a:schemeClr>
           </a:lnRef>
-          <a:fillRef idx="0">
+          <a:fillRef idx="1">
             <a:schemeClr val="accent1"/>
           </a:fillRef>
           <a:effectRef idx="0">
             <a:schemeClr val="accent1"/>
           </a:effectRef>
           <a:fontRef idx="minor">
-            <a:schemeClr val="tx1"/>
+            <a:schemeClr val="lt1"/>
           </a:fontRef>
         </p:style>
-      </p:cxnSp>
-      <p:cxnSp>
-        <p:nvCxnSpPr>
-          <p:cNvPr id="38" name="Straight Connector 37">
-            <a:extLst>
-              <a:ext uri="{FF2B5EF4-FFF2-40B4-BE49-F238E27FC236}">
-                <a16:creationId xmlns:a16="http://schemas.microsoft.com/office/drawing/2014/main" id="{47B0C58C-F93D-42FB-8D53-B75F16CB392B}"/>
-              </a:ext>
-            </a:extLst>
-          </p:cNvPr>
-          <p:cNvCxnSpPr>
-            <a:cxnSpLocks/>
-            <a:stCxn id="21" idx="4"/>
-          </p:cNvCxnSpPr>
-          <p:nvPr/>
-        </p:nvCxnSpPr>
-        <p:spPr>
-          <a:xfrm flipH="1">
-            <a:off x="8621487" y="4001057"/>
-            <a:ext cx="348706" cy="21094"/>
-          </a:xfrm>
-          <a:prstGeom prst="line">
-            <a:avLst/>
-          </a:prstGeom>
-        </p:spPr>
-        <p:style>
-          <a:lnRef idx="1">
-            <a:schemeClr val="accent1"/>
-          </a:lnRef>
-          <a:fillRef idx="0">
-            <a:schemeClr val="accent1"/>
-          </a:fillRef>
-          <a:effectRef idx="0">
-            <a:schemeClr val="accent1"/>
-          </a:effectRef>
-          <a:fontRef idx="minor">
-            <a:schemeClr val="tx1"/>
-          </a:fontRef>
-        </p:style>
-      </p:cxnSp>
+        <p:txBody>
+          <a:bodyPr rtlCol="0" anchor="ctr"/>
+          <a:lstStyle/>
+          <a:p>
+            <a:pPr algn="ctr"/>
+            <a:r>
+              <a:rPr lang="en-US" sz="1000" dirty="0">
+                <a:latin typeface="Helvetica" panose="020B0604020202020204" pitchFamily="34" charset="0"/>
+                <a:ea typeface="Yu Gothic UI Semilight" panose="020B0400000000000000" pitchFamily="34" charset="-128"/>
+                <a:cs typeface="Helvetica" panose="020B0604020202020204" pitchFamily="34" charset="0"/>
+              </a:rPr>
+              <a:t>5</a:t>
+            </a:r>
+          </a:p>
+        </p:txBody>
+      </p:sp>
     </p:spTree>
     <p:extLst>
       <p:ext uri="{BB962C8B-B14F-4D97-AF65-F5344CB8AC3E}">
-        <p14:creationId xmlns:p14="http://schemas.microsoft.com/office/powerpoint/2010/main" val="2032485085"/>
+        <p14:creationId xmlns:p14="http://schemas.microsoft.com/office/powerpoint/2010/main" val="1699082853"/>
       </p:ext>
     </p:extLst>
   </p:cSld>
@@ -6355,17 +6524,46 @@
                 <a:latin typeface="Helvetica" panose="020B0604020202020204" pitchFamily="34" charset="0"/>
                 <a:cs typeface="Helvetica" panose="020B0604020202020204" pitchFamily="34" charset="0"/>
               </a:rPr>
-              <a:t>Employee Demographics – Personal vs Attrition</a:t>
-            </a:r>
-          </a:p>
-        </p:txBody>
-      </p:sp>
-      <p:sp>
-        <p:nvSpPr>
-          <p:cNvPr id="13" name="Rectangle 12">
-            <a:extLst>
-              <a:ext uri="{FF2B5EF4-FFF2-40B4-BE49-F238E27FC236}">
-                <a16:creationId xmlns:a16="http://schemas.microsoft.com/office/drawing/2014/main" id="{300A6997-7075-4699-A41E-33DA68926AA1}"/>
+              <a:t>Correlation</a:t>
+            </a:r>
+          </a:p>
+        </p:txBody>
+      </p:sp>
+      <p:pic>
+        <p:nvPicPr>
+          <p:cNvPr id="2" name="Picture 1">
+            <a:extLst>
+              <a:ext uri="{FF2B5EF4-FFF2-40B4-BE49-F238E27FC236}">
+                <a16:creationId xmlns:a16="http://schemas.microsoft.com/office/drawing/2014/main" id="{57F6B696-C21A-432E-9B53-9B9E72323493}"/>
+              </a:ext>
+            </a:extLst>
+          </p:cNvPr>
+          <p:cNvPicPr>
+            <a:picLocks noChangeAspect="1"/>
+          </p:cNvPicPr>
+          <p:nvPr/>
+        </p:nvPicPr>
+        <p:blipFill rotWithShape="1">
+          <a:blip r:embed="rId2"/>
+          <a:srcRect r="7027"/>
+          <a:stretch/>
+        </p:blipFill>
+        <p:spPr>
+          <a:xfrm>
+            <a:off x="5601808" y="737585"/>
+            <a:ext cx="6173425" cy="5532120"/>
+          </a:xfrm>
+          <a:prstGeom prst="rect">
+            <a:avLst/>
+          </a:prstGeom>
+        </p:spPr>
+      </p:pic>
+      <p:sp>
+        <p:nvSpPr>
+          <p:cNvPr id="7" name="Rectangle 6">
+            <a:extLst>
+              <a:ext uri="{FF2B5EF4-FFF2-40B4-BE49-F238E27FC236}">
+                <a16:creationId xmlns:a16="http://schemas.microsoft.com/office/drawing/2014/main" id="{2AF32BE6-2491-4B46-8C39-8C69E55359CE}"/>
               </a:ext>
             </a:extLst>
           </p:cNvPr>
@@ -6374,8 +6572,8 @@
         </p:nvSpPr>
         <p:spPr>
           <a:xfrm>
-            <a:off x="441168" y="1166842"/>
-            <a:ext cx="5584667" cy="5078313"/>
+            <a:off x="335614" y="1811914"/>
+            <a:ext cx="5760386" cy="3662541"/>
           </a:xfrm>
           <a:prstGeom prst="rect">
             <a:avLst/>
@@ -6387,6 +6585,9 @@
           </a:bodyPr>
           <a:lstStyle/>
           <a:p>
+            <a:endParaRPr lang="en-US" dirty="0"/>
+          </a:p>
+          <a:p>
             <a:r>
               <a:rPr lang="en-US" b="1" dirty="0">
                 <a:solidFill>
@@ -6395,11 +6596,102 @@
                 <a:latin typeface="Helvetica" panose="020B0604020202020204" pitchFamily="34" charset="0"/>
                 <a:cs typeface="Helvetica" panose="020B0604020202020204" pitchFamily="34" charset="0"/>
               </a:rPr>
-              <a:t>Observations:</a:t>
-            </a:r>
-          </a:p>
-          <a:p>
-            <a:endParaRPr lang="en-US" b="1" dirty="0">
+              <a:t>Highly Correlated Observations:</a:t>
+            </a:r>
+          </a:p>
+          <a:p>
+            <a:endParaRPr lang="en-US" dirty="0"/>
+          </a:p>
+          <a:p>
+            <a:r>
+              <a:rPr lang="en-US" dirty="0"/>
+              <a:t> </a:t>
+            </a:r>
+            <a:r>
+              <a:rPr lang="en-US" sz="1600" dirty="0">
+                <a:solidFill>
+                  <a:srgbClr val="333333"/>
+                </a:solidFill>
+                <a:latin typeface="Helvetica" panose="020B0604020202020204" pitchFamily="34" charset="0"/>
+                <a:cs typeface="Helvetica" panose="020B0604020202020204" pitchFamily="34" charset="0"/>
+              </a:rPr>
+              <a:t>YearsInCurrentRole and YearsAtCompany </a:t>
+            </a:r>
+            <a:r>
+              <a:rPr lang="en-US" sz="1600" b="1" dirty="0">
+                <a:solidFill>
+                  <a:srgbClr val="333333"/>
+                </a:solidFill>
+                <a:latin typeface="Helvetica" panose="020B0604020202020204" pitchFamily="34" charset="0"/>
+                <a:cs typeface="Helvetica" panose="020B0604020202020204" pitchFamily="34" charset="0"/>
+              </a:rPr>
+              <a:t>(0.76)</a:t>
+            </a:r>
+          </a:p>
+          <a:p>
+            <a:br>
+              <a:rPr lang="en-US" sz="1600" dirty="0">
+                <a:solidFill>
+                  <a:srgbClr val="333333"/>
+                </a:solidFill>
+                <a:latin typeface="Helvetica" panose="020B0604020202020204" pitchFamily="34" charset="0"/>
+                <a:cs typeface="Helvetica" panose="020B0604020202020204" pitchFamily="34" charset="0"/>
+              </a:rPr>
+            </a:br>
+            <a:r>
+              <a:rPr lang="en-US" sz="1600" dirty="0">
+                <a:solidFill>
+                  <a:srgbClr val="333333"/>
+                </a:solidFill>
+                <a:latin typeface="Helvetica" panose="020B0604020202020204" pitchFamily="34" charset="0"/>
+                <a:cs typeface="Helvetica" panose="020B0604020202020204" pitchFamily="34" charset="0"/>
+              </a:rPr>
+              <a:t>YearsInCurrentRole and YearsWithCurrManager </a:t>
+            </a:r>
+            <a:r>
+              <a:rPr lang="en-US" sz="1600" b="1" dirty="0">
+                <a:solidFill>
+                  <a:srgbClr val="333333"/>
+                </a:solidFill>
+                <a:latin typeface="Helvetica" panose="020B0604020202020204" pitchFamily="34" charset="0"/>
+                <a:cs typeface="Helvetica" panose="020B0604020202020204" pitchFamily="34" charset="0"/>
+              </a:rPr>
+              <a:t>(0.71)</a:t>
+            </a:r>
+          </a:p>
+          <a:p>
+            <a:br>
+              <a:rPr lang="en-US" sz="1600" dirty="0">
+                <a:solidFill>
+                  <a:srgbClr val="333333"/>
+                </a:solidFill>
+                <a:latin typeface="Helvetica" panose="020B0604020202020204" pitchFamily="34" charset="0"/>
+                <a:cs typeface="Helvetica" panose="020B0604020202020204" pitchFamily="34" charset="0"/>
+              </a:rPr>
+            </a:br>
+            <a:r>
+              <a:rPr lang="en-US" sz="1600" dirty="0">
+                <a:solidFill>
+                  <a:srgbClr val="333333"/>
+                </a:solidFill>
+                <a:latin typeface="Helvetica" panose="020B0604020202020204" pitchFamily="34" charset="0"/>
+                <a:cs typeface="Helvetica" panose="020B0604020202020204" pitchFamily="34" charset="0"/>
+              </a:rPr>
+              <a:t>YearsAtCompany and YearsInCurrentRole </a:t>
+            </a:r>
+            <a:r>
+              <a:rPr lang="en-US" sz="1600" b="1" dirty="0">
+                <a:solidFill>
+                  <a:srgbClr val="333333"/>
+                </a:solidFill>
+                <a:latin typeface="Helvetica" panose="020B0604020202020204" pitchFamily="34" charset="0"/>
+                <a:cs typeface="Helvetica" panose="020B0604020202020204" pitchFamily="34" charset="0"/>
+              </a:rPr>
+              <a:t>(0.76)</a:t>
+            </a:r>
+          </a:p>
+          <a:p>
+            <a:endParaRPr lang="en-US" sz="1600" dirty="0">
               <a:solidFill>
                 <a:srgbClr val="333333"/>
               </a:solidFill>
@@ -6409,1014 +6701,86 @@
           </a:p>
           <a:p>
             <a:r>
-              <a:rPr lang="en-US" dirty="0">
+              <a:rPr lang="en-US" sz="1600" dirty="0">
                 <a:solidFill>
                   <a:srgbClr val="333333"/>
                 </a:solidFill>
                 <a:latin typeface="Helvetica" panose="020B0604020202020204" pitchFamily="34" charset="0"/>
                 <a:cs typeface="Helvetica" panose="020B0604020202020204" pitchFamily="34" charset="0"/>
               </a:rPr>
-              <a:t>Male attrition rate is higher than female attrition rate.</a:t>
-            </a:r>
-          </a:p>
-          <a:p>
-            <a:endParaRPr lang="en-US" dirty="0">
-              <a:solidFill>
-                <a:srgbClr val="333333"/>
-              </a:solidFill>
-              <a:latin typeface="Helvetica" panose="020B0604020202020204" pitchFamily="34" charset="0"/>
-              <a:cs typeface="Helvetica" panose="020B0604020202020204" pitchFamily="34" charset="0"/>
-            </a:endParaRPr>
-          </a:p>
-          <a:p>
-            <a:r>
-              <a:rPr lang="en-US" dirty="0">
+              <a:t>YearsAtCompany and YearsWithCurrManager </a:t>
+            </a:r>
+            <a:r>
+              <a:rPr lang="en-US" sz="1600" b="1" dirty="0">
                 <a:solidFill>
                   <a:srgbClr val="333333"/>
                 </a:solidFill>
                 <a:latin typeface="Helvetica" panose="020B0604020202020204" pitchFamily="34" charset="0"/>
                 <a:cs typeface="Helvetica" panose="020B0604020202020204" pitchFamily="34" charset="0"/>
               </a:rPr>
-              <a:t>Attrition rate is approximately 18% for employees with no college education.</a:t>
-            </a:r>
-          </a:p>
-          <a:p>
-            <a:endParaRPr lang="en-US" dirty="0">
-              <a:solidFill>
-                <a:srgbClr val="333333"/>
-              </a:solidFill>
-              <a:latin typeface="Helvetica" panose="020B0604020202020204" pitchFamily="34" charset="0"/>
-              <a:cs typeface="Helvetica" panose="020B0604020202020204" pitchFamily="34" charset="0"/>
-            </a:endParaRPr>
-          </a:p>
-          <a:p>
-            <a:r>
-              <a:rPr lang="en-US" dirty="0">
+              <a:t>(0.77)</a:t>
+            </a:r>
+          </a:p>
+          <a:p>
+            <a:br>
+              <a:rPr lang="en-US" sz="1600" dirty="0">
                 <a:solidFill>
                   <a:srgbClr val="333333"/>
                 </a:solidFill>
                 <a:latin typeface="Helvetica" panose="020B0604020202020204" pitchFamily="34" charset="0"/>
                 <a:cs typeface="Helvetica" panose="020B0604020202020204" pitchFamily="34" charset="0"/>
               </a:rPr>
-              <a:t>Attrition rate is highest for those employees with backgrounds in HR, Marketing or a Technical Degree.</a:t>
-            </a:r>
-          </a:p>
-          <a:p>
-            <a:endParaRPr lang="en-US" dirty="0">
-              <a:solidFill>
-                <a:srgbClr val="333333"/>
-              </a:solidFill>
-              <a:latin typeface="Helvetica" panose="020B0604020202020204" pitchFamily="34" charset="0"/>
-              <a:cs typeface="Helvetica" panose="020B0604020202020204" pitchFamily="34" charset="0"/>
-            </a:endParaRPr>
-          </a:p>
-          <a:p>
-            <a:r>
-              <a:rPr lang="en-US" dirty="0">
+            </a:br>
+            <a:r>
+              <a:rPr lang="en-US" sz="1600" dirty="0">
                 <a:solidFill>
                   <a:srgbClr val="333333"/>
                 </a:solidFill>
                 <a:latin typeface="Helvetica" panose="020B0604020202020204" pitchFamily="34" charset="0"/>
                 <a:cs typeface="Helvetica" panose="020B0604020202020204" pitchFamily="34" charset="0"/>
               </a:rPr>
-              <a:t>Attrition rate is highest for single employees.</a:t>
-            </a:r>
-          </a:p>
-          <a:p>
-            <a:endParaRPr lang="en-US" dirty="0">
-              <a:solidFill>
-                <a:srgbClr val="333333"/>
-              </a:solidFill>
-              <a:latin typeface="Helvetica" panose="020B0604020202020204" pitchFamily="34" charset="0"/>
-              <a:cs typeface="Helvetica" panose="020B0604020202020204" pitchFamily="34" charset="0"/>
-            </a:endParaRPr>
-          </a:p>
-          <a:p>
-            <a:r>
-              <a:rPr lang="en-US" dirty="0">
+              <a:t>YearsAtCompany and TotalWorkingYears </a:t>
+            </a:r>
+            <a:r>
+              <a:rPr lang="en-US" sz="1600" b="1" dirty="0">
                 <a:solidFill>
                   <a:srgbClr val="333333"/>
                 </a:solidFill>
                 <a:latin typeface="Helvetica" panose="020B0604020202020204" pitchFamily="34" charset="0"/>
                 <a:cs typeface="Helvetica" panose="020B0604020202020204" pitchFamily="34" charset="0"/>
               </a:rPr>
-              <a:t>Attrition rate is highest for employees with low relationship satisfaction.</a:t>
-            </a:r>
-          </a:p>
-          <a:p>
-            <a:endParaRPr lang="en-US" dirty="0">
-              <a:solidFill>
-                <a:srgbClr val="333333"/>
-              </a:solidFill>
-              <a:latin typeface="Helvetica" panose="020B0604020202020204" pitchFamily="34" charset="0"/>
-              <a:cs typeface="Helvetica" panose="020B0604020202020204" pitchFamily="34" charset="0"/>
-            </a:endParaRPr>
-          </a:p>
-          <a:p>
-            <a:r>
-              <a:rPr lang="en-US" dirty="0">
+              <a:t>(0.63)</a:t>
+            </a:r>
+          </a:p>
+          <a:p>
+            <a:br>
+              <a:rPr lang="en-US" sz="1600" dirty="0">
                 <a:solidFill>
                   <a:srgbClr val="333333"/>
                 </a:solidFill>
                 <a:latin typeface="Helvetica" panose="020B0604020202020204" pitchFamily="34" charset="0"/>
                 <a:cs typeface="Helvetica" panose="020B0604020202020204" pitchFamily="34" charset="0"/>
               </a:rPr>
-              <a:t>Attrition rate is highest for employees with bad work life balance.</a:t>
-            </a:r>
-            <a:endParaRPr lang="en-US" b="0" i="0" dirty="0">
-              <a:solidFill>
-                <a:srgbClr val="333333"/>
-              </a:solidFill>
-              <a:effectLst/>
-              <a:latin typeface="Helvetica" panose="020B0604020202020204" pitchFamily="34" charset="0"/>
-              <a:cs typeface="Helvetica" panose="020B0604020202020204" pitchFamily="34" charset="0"/>
-            </a:endParaRPr>
-          </a:p>
-        </p:txBody>
-      </p:sp>
-      <p:pic>
-        <p:nvPicPr>
-          <p:cNvPr id="2" name="Picture 1">
-            <a:extLst>
-              <a:ext uri="{FF2B5EF4-FFF2-40B4-BE49-F238E27FC236}">
-                <a16:creationId xmlns:a16="http://schemas.microsoft.com/office/drawing/2014/main" id="{95E28121-9CE6-4611-AD5C-F909CE7B58F8}"/>
-              </a:ext>
-            </a:extLst>
-          </p:cNvPr>
-          <p:cNvPicPr>
-            <a:picLocks noChangeAspect="1"/>
-          </p:cNvPicPr>
-          <p:nvPr/>
-        </p:nvPicPr>
-        <p:blipFill>
-          <a:blip r:embed="rId2"/>
-          <a:stretch>
-            <a:fillRect/>
-          </a:stretch>
-        </p:blipFill>
-        <p:spPr>
-          <a:xfrm>
-            <a:off x="6025835" y="810638"/>
-            <a:ext cx="5670441" cy="5533012"/>
-          </a:xfrm>
-          <a:prstGeom prst="rect">
-            <a:avLst/>
-          </a:prstGeom>
-        </p:spPr>
-      </p:pic>
-      <p:cxnSp>
-        <p:nvCxnSpPr>
-          <p:cNvPr id="5" name="Straight Arrow Connector 4">
-            <a:extLst>
-              <a:ext uri="{FF2B5EF4-FFF2-40B4-BE49-F238E27FC236}">
-                <a16:creationId xmlns:a16="http://schemas.microsoft.com/office/drawing/2014/main" id="{20CF0017-C035-4005-9BBC-9A4B63D3E8A8}"/>
-              </a:ext>
-            </a:extLst>
-          </p:cNvPr>
-          <p:cNvCxnSpPr/>
-          <p:nvPr/>
-        </p:nvCxnSpPr>
-        <p:spPr>
-          <a:xfrm flipV="1">
-            <a:off x="6743700" y="1276350"/>
-            <a:ext cx="561975" cy="219075"/>
-          </a:xfrm>
-          <a:prstGeom prst="straightConnector1">
-            <a:avLst/>
-          </a:prstGeom>
-          <a:ln>
-            <a:tailEnd type="triangle"/>
-          </a:ln>
-        </p:spPr>
-        <p:style>
-          <a:lnRef idx="1">
-            <a:schemeClr val="accent1"/>
-          </a:lnRef>
-          <a:fillRef idx="0">
-            <a:schemeClr val="accent1"/>
-          </a:fillRef>
-          <a:effectRef idx="0">
-            <a:schemeClr val="accent1"/>
-          </a:effectRef>
-          <a:fontRef idx="minor">
-            <a:schemeClr val="tx1"/>
-          </a:fontRef>
-        </p:style>
-      </p:cxnSp>
-      <p:sp>
-        <p:nvSpPr>
-          <p:cNvPr id="7" name="Oval 6">
-            <a:extLst>
-              <a:ext uri="{FF2B5EF4-FFF2-40B4-BE49-F238E27FC236}">
-                <a16:creationId xmlns:a16="http://schemas.microsoft.com/office/drawing/2014/main" id="{4BFFE735-2595-43E6-A446-46EF8F212C40}"/>
-              </a:ext>
-            </a:extLst>
-          </p:cNvPr>
-          <p:cNvSpPr/>
-          <p:nvPr/>
-        </p:nvSpPr>
-        <p:spPr>
-          <a:xfrm>
-            <a:off x="200449" y="1757823"/>
-            <a:ext cx="295275" cy="297942"/>
-          </a:xfrm>
-          <a:prstGeom prst="ellipse">
-            <a:avLst/>
-          </a:prstGeom>
-          <a:solidFill>
-            <a:srgbClr val="4472C4"/>
-          </a:solidFill>
-          <a:ln>
-            <a:noFill/>
-          </a:ln>
-        </p:spPr>
-        <p:style>
-          <a:lnRef idx="2">
-            <a:schemeClr val="accent1">
-              <a:shade val="50000"/>
-            </a:schemeClr>
-          </a:lnRef>
-          <a:fillRef idx="1">
-            <a:schemeClr val="accent1"/>
-          </a:fillRef>
-          <a:effectRef idx="0">
-            <a:schemeClr val="accent1"/>
-          </a:effectRef>
-          <a:fontRef idx="minor">
-            <a:schemeClr val="lt1"/>
-          </a:fontRef>
-        </p:style>
-        <p:txBody>
-          <a:bodyPr rtlCol="0" anchor="ctr"/>
-          <a:lstStyle/>
-          <a:p>
-            <a:pPr algn="ctr"/>
-            <a:r>
-              <a:rPr lang="en-US" sz="1400" dirty="0">
-                <a:latin typeface="Helvetica" panose="020B0604020202020204" pitchFamily="34" charset="0"/>
-                <a:ea typeface="Yu Gothic UI Semilight" panose="020B0400000000000000" pitchFamily="34" charset="-128"/>
-                <a:cs typeface="Helvetica" panose="020B0604020202020204" pitchFamily="34" charset="0"/>
-              </a:rPr>
-              <a:t>1</a:t>
-            </a:r>
-          </a:p>
-        </p:txBody>
-      </p:sp>
-      <p:sp>
-        <p:nvSpPr>
-          <p:cNvPr id="9" name="Oval 8">
-            <a:extLst>
-              <a:ext uri="{FF2B5EF4-FFF2-40B4-BE49-F238E27FC236}">
-                <a16:creationId xmlns:a16="http://schemas.microsoft.com/office/drawing/2014/main" id="{465DC9DF-494E-4CE5-A607-AAFB446A4975}"/>
-              </a:ext>
-            </a:extLst>
-          </p:cNvPr>
-          <p:cNvSpPr/>
-          <p:nvPr/>
-        </p:nvSpPr>
-        <p:spPr>
-          <a:xfrm>
-            <a:off x="6859749" y="1166811"/>
-            <a:ext cx="217114" cy="219075"/>
-          </a:xfrm>
-          <a:prstGeom prst="ellipse">
-            <a:avLst/>
-          </a:prstGeom>
-          <a:solidFill>
-            <a:srgbClr val="4472C4"/>
-          </a:solidFill>
-          <a:ln>
-            <a:noFill/>
-          </a:ln>
-        </p:spPr>
-        <p:style>
-          <a:lnRef idx="2">
-            <a:schemeClr val="accent1">
-              <a:shade val="50000"/>
-            </a:schemeClr>
-          </a:lnRef>
-          <a:fillRef idx="1">
-            <a:schemeClr val="accent1"/>
-          </a:fillRef>
-          <a:effectRef idx="0">
-            <a:schemeClr val="accent1"/>
-          </a:effectRef>
-          <a:fontRef idx="minor">
-            <a:schemeClr val="lt1"/>
-          </a:fontRef>
-        </p:style>
-        <p:txBody>
-          <a:bodyPr rtlCol="0" anchor="ctr"/>
-          <a:lstStyle/>
-          <a:p>
-            <a:pPr algn="ctr"/>
-            <a:r>
-              <a:rPr lang="en-US" sz="1000" dirty="0">
-                <a:latin typeface="Helvetica" panose="020B0604020202020204" pitchFamily="34" charset="0"/>
-                <a:ea typeface="Yu Gothic UI Semilight" panose="020B0400000000000000" pitchFamily="34" charset="-128"/>
-                <a:cs typeface="Helvetica" panose="020B0604020202020204" pitchFamily="34" charset="0"/>
-              </a:rPr>
-              <a:t>1</a:t>
-            </a:r>
-          </a:p>
-        </p:txBody>
-      </p:sp>
-      <p:sp>
-        <p:nvSpPr>
-          <p:cNvPr id="10" name="Oval 9">
-            <a:extLst>
-              <a:ext uri="{FF2B5EF4-FFF2-40B4-BE49-F238E27FC236}">
-                <a16:creationId xmlns:a16="http://schemas.microsoft.com/office/drawing/2014/main" id="{FB291E5F-C3B8-4FB9-A7C1-78F23409E896}"/>
-              </a:ext>
-            </a:extLst>
-          </p:cNvPr>
-          <p:cNvSpPr/>
-          <p:nvPr/>
-        </p:nvSpPr>
-        <p:spPr>
-          <a:xfrm>
-            <a:off x="10698324" y="963072"/>
-            <a:ext cx="217114" cy="219075"/>
-          </a:xfrm>
-          <a:prstGeom prst="ellipse">
-            <a:avLst/>
-          </a:prstGeom>
-          <a:solidFill>
-            <a:srgbClr val="4472C4"/>
-          </a:solidFill>
-          <a:ln>
-            <a:noFill/>
-          </a:ln>
-        </p:spPr>
-        <p:style>
-          <a:lnRef idx="2">
-            <a:schemeClr val="accent1">
-              <a:shade val="50000"/>
-            </a:schemeClr>
-          </a:lnRef>
-          <a:fillRef idx="1">
-            <a:schemeClr val="accent1"/>
-          </a:fillRef>
-          <a:effectRef idx="0">
-            <a:schemeClr val="accent1"/>
-          </a:effectRef>
-          <a:fontRef idx="minor">
-            <a:schemeClr val="lt1"/>
-          </a:fontRef>
-        </p:style>
-        <p:txBody>
-          <a:bodyPr rtlCol="0" anchor="ctr"/>
-          <a:lstStyle/>
-          <a:p>
-            <a:pPr algn="ctr"/>
-            <a:r>
-              <a:rPr lang="en-US" sz="1000" dirty="0">
-                <a:latin typeface="Helvetica" panose="020B0604020202020204" pitchFamily="34" charset="0"/>
-                <a:ea typeface="Yu Gothic UI Semilight" panose="020B0400000000000000" pitchFamily="34" charset="-128"/>
-                <a:cs typeface="Helvetica" panose="020B0604020202020204" pitchFamily="34" charset="0"/>
-              </a:rPr>
-              <a:t>3</a:t>
-            </a:r>
-          </a:p>
-        </p:txBody>
-      </p:sp>
-      <p:cxnSp>
-        <p:nvCxnSpPr>
-          <p:cNvPr id="14" name="Straight Connector 13">
-            <a:extLst>
-              <a:ext uri="{FF2B5EF4-FFF2-40B4-BE49-F238E27FC236}">
-                <a16:creationId xmlns:a16="http://schemas.microsoft.com/office/drawing/2014/main" id="{EC09E540-B2FE-4734-B2A0-ED3B56FECF09}"/>
-              </a:ext>
-            </a:extLst>
-          </p:cNvPr>
-          <p:cNvCxnSpPr>
-            <a:endCxn id="10" idx="4"/>
-          </p:cNvCxnSpPr>
-          <p:nvPr/>
-        </p:nvCxnSpPr>
-        <p:spPr>
-          <a:xfrm flipV="1">
-            <a:off x="10229850" y="1182147"/>
-            <a:ext cx="577031" cy="94201"/>
-          </a:xfrm>
-          <a:prstGeom prst="line">
-            <a:avLst/>
-          </a:prstGeom>
-        </p:spPr>
-        <p:style>
-          <a:lnRef idx="1">
-            <a:schemeClr val="accent1"/>
-          </a:lnRef>
-          <a:fillRef idx="0">
-            <a:schemeClr val="accent1"/>
-          </a:fillRef>
-          <a:effectRef idx="0">
-            <a:schemeClr val="accent1"/>
-          </a:effectRef>
-          <a:fontRef idx="minor">
-            <a:schemeClr val="tx1"/>
-          </a:fontRef>
-        </p:style>
-      </p:cxnSp>
-      <p:cxnSp>
-        <p:nvCxnSpPr>
-          <p:cNvPr id="16" name="Straight Connector 15">
-            <a:extLst>
-              <a:ext uri="{FF2B5EF4-FFF2-40B4-BE49-F238E27FC236}">
-                <a16:creationId xmlns:a16="http://schemas.microsoft.com/office/drawing/2014/main" id="{8CCC8055-7B01-4713-95F1-CA0D6F50011F}"/>
-              </a:ext>
-            </a:extLst>
-          </p:cNvPr>
-          <p:cNvCxnSpPr/>
-          <p:nvPr/>
-        </p:nvCxnSpPr>
-        <p:spPr>
-          <a:xfrm flipH="1">
-            <a:off x="10698324" y="1182147"/>
-            <a:ext cx="108557" cy="313278"/>
-          </a:xfrm>
-          <a:prstGeom prst="line">
-            <a:avLst/>
-          </a:prstGeom>
-        </p:spPr>
-        <p:style>
-          <a:lnRef idx="1">
-            <a:schemeClr val="accent1"/>
-          </a:lnRef>
-          <a:fillRef idx="0">
-            <a:schemeClr val="accent1"/>
-          </a:fillRef>
-          <a:effectRef idx="0">
-            <a:schemeClr val="accent1"/>
-          </a:effectRef>
-          <a:fontRef idx="minor">
-            <a:schemeClr val="tx1"/>
-          </a:fontRef>
-        </p:style>
-      </p:cxnSp>
-      <p:cxnSp>
-        <p:nvCxnSpPr>
-          <p:cNvPr id="18" name="Straight Connector 17">
-            <a:extLst>
-              <a:ext uri="{FF2B5EF4-FFF2-40B4-BE49-F238E27FC236}">
-                <a16:creationId xmlns:a16="http://schemas.microsoft.com/office/drawing/2014/main" id="{C4E03614-29BA-4B52-99C6-D84A78546904}"/>
-              </a:ext>
-            </a:extLst>
-          </p:cNvPr>
-          <p:cNvCxnSpPr/>
-          <p:nvPr/>
-        </p:nvCxnSpPr>
-        <p:spPr>
-          <a:xfrm>
-            <a:off x="10806881" y="1182147"/>
-            <a:ext cx="546919" cy="203739"/>
-          </a:xfrm>
-          <a:prstGeom prst="line">
-            <a:avLst/>
-          </a:prstGeom>
-        </p:spPr>
-        <p:style>
-          <a:lnRef idx="1">
-            <a:schemeClr val="accent1"/>
-          </a:lnRef>
-          <a:fillRef idx="0">
-            <a:schemeClr val="accent1"/>
-          </a:fillRef>
-          <a:effectRef idx="0">
-            <a:schemeClr val="accent1"/>
-          </a:effectRef>
-          <a:fontRef idx="minor">
-            <a:schemeClr val="tx1"/>
-          </a:fontRef>
-        </p:style>
-      </p:cxnSp>
-      <p:sp>
-        <p:nvSpPr>
-          <p:cNvPr id="19" name="Oval 18">
-            <a:extLst>
-              <a:ext uri="{FF2B5EF4-FFF2-40B4-BE49-F238E27FC236}">
-                <a16:creationId xmlns:a16="http://schemas.microsoft.com/office/drawing/2014/main" id="{78C5B10C-601F-4CBE-B70E-82C52262C634}"/>
-              </a:ext>
-            </a:extLst>
-          </p:cNvPr>
-          <p:cNvSpPr/>
-          <p:nvPr/>
-        </p:nvSpPr>
-        <p:spPr>
-          <a:xfrm>
-            <a:off x="200448" y="3363087"/>
-            <a:ext cx="295275" cy="297942"/>
-          </a:xfrm>
-          <a:prstGeom prst="ellipse">
-            <a:avLst/>
-          </a:prstGeom>
-          <a:solidFill>
-            <a:srgbClr val="4472C4"/>
-          </a:solidFill>
-          <a:ln>
-            <a:noFill/>
-          </a:ln>
-        </p:spPr>
-        <p:style>
-          <a:lnRef idx="2">
-            <a:schemeClr val="accent1">
-              <a:shade val="50000"/>
-            </a:schemeClr>
-          </a:lnRef>
-          <a:fillRef idx="1">
-            <a:schemeClr val="accent1"/>
-          </a:fillRef>
-          <a:effectRef idx="0">
-            <a:schemeClr val="accent1"/>
-          </a:effectRef>
-          <a:fontRef idx="minor">
-            <a:schemeClr val="lt1"/>
-          </a:fontRef>
-        </p:style>
-        <p:txBody>
-          <a:bodyPr rtlCol="0" anchor="ctr"/>
-          <a:lstStyle/>
-          <a:p>
-            <a:pPr algn="ctr"/>
-            <a:r>
-              <a:rPr lang="en-US" sz="1400" dirty="0">
-                <a:latin typeface="Helvetica" panose="020B0604020202020204" pitchFamily="34" charset="0"/>
-                <a:ea typeface="Yu Gothic UI Semilight" panose="020B0400000000000000" pitchFamily="34" charset="-128"/>
-                <a:cs typeface="Helvetica" panose="020B0604020202020204" pitchFamily="34" charset="0"/>
-              </a:rPr>
-              <a:t>3</a:t>
-            </a:r>
-          </a:p>
-        </p:txBody>
-      </p:sp>
-      <p:sp>
-        <p:nvSpPr>
-          <p:cNvPr id="20" name="Oval 19">
-            <a:extLst>
-              <a:ext uri="{FF2B5EF4-FFF2-40B4-BE49-F238E27FC236}">
-                <a16:creationId xmlns:a16="http://schemas.microsoft.com/office/drawing/2014/main" id="{F09423E8-CFDB-4389-A9C0-F2624D49695B}"/>
-              </a:ext>
-            </a:extLst>
-          </p:cNvPr>
-          <p:cNvSpPr/>
-          <p:nvPr/>
-        </p:nvSpPr>
-        <p:spPr>
-          <a:xfrm>
-            <a:off x="211694" y="4192929"/>
-            <a:ext cx="295275" cy="297942"/>
-          </a:xfrm>
-          <a:prstGeom prst="ellipse">
-            <a:avLst/>
-          </a:prstGeom>
-          <a:solidFill>
-            <a:srgbClr val="4472C4"/>
-          </a:solidFill>
-          <a:ln>
-            <a:noFill/>
-          </a:ln>
-        </p:spPr>
-        <p:style>
-          <a:lnRef idx="2">
-            <a:schemeClr val="accent1">
-              <a:shade val="50000"/>
-            </a:schemeClr>
-          </a:lnRef>
-          <a:fillRef idx="1">
-            <a:schemeClr val="accent1"/>
-          </a:fillRef>
-          <a:effectRef idx="0">
-            <a:schemeClr val="accent1"/>
-          </a:effectRef>
-          <a:fontRef idx="minor">
-            <a:schemeClr val="lt1"/>
-          </a:fontRef>
-        </p:style>
-        <p:txBody>
-          <a:bodyPr rtlCol="0" anchor="ctr"/>
-          <a:lstStyle/>
-          <a:p>
-            <a:pPr algn="ctr"/>
-            <a:r>
-              <a:rPr lang="en-US" sz="1400" dirty="0">
-                <a:latin typeface="Helvetica" panose="020B0604020202020204" pitchFamily="34" charset="0"/>
-                <a:ea typeface="Yu Gothic UI Semilight" panose="020B0400000000000000" pitchFamily="34" charset="-128"/>
-                <a:cs typeface="Helvetica" panose="020B0604020202020204" pitchFamily="34" charset="0"/>
-              </a:rPr>
-              <a:t>4</a:t>
-            </a:r>
-          </a:p>
-        </p:txBody>
-      </p:sp>
-      <p:sp>
-        <p:nvSpPr>
-          <p:cNvPr id="21" name="Oval 20">
-            <a:extLst>
-              <a:ext uri="{FF2B5EF4-FFF2-40B4-BE49-F238E27FC236}">
-                <a16:creationId xmlns:a16="http://schemas.microsoft.com/office/drawing/2014/main" id="{BEF1B590-E2D8-4556-AB5A-7296C1F50921}"/>
-              </a:ext>
-            </a:extLst>
-          </p:cNvPr>
-          <p:cNvSpPr/>
-          <p:nvPr/>
-        </p:nvSpPr>
-        <p:spPr>
-          <a:xfrm>
-            <a:off x="7519695" y="4838387"/>
-            <a:ext cx="217114" cy="219075"/>
-          </a:xfrm>
-          <a:prstGeom prst="ellipse">
-            <a:avLst/>
-          </a:prstGeom>
-          <a:solidFill>
-            <a:srgbClr val="4472C4"/>
-          </a:solidFill>
-          <a:ln>
-            <a:noFill/>
-          </a:ln>
-        </p:spPr>
-        <p:style>
-          <a:lnRef idx="2">
-            <a:schemeClr val="accent1">
-              <a:shade val="50000"/>
-            </a:schemeClr>
-          </a:lnRef>
-          <a:fillRef idx="1">
-            <a:schemeClr val="accent1"/>
-          </a:fillRef>
-          <a:effectRef idx="0">
-            <a:schemeClr val="accent1"/>
-          </a:effectRef>
-          <a:fontRef idx="minor">
-            <a:schemeClr val="lt1"/>
-          </a:fontRef>
-        </p:style>
-        <p:txBody>
-          <a:bodyPr rtlCol="0" anchor="ctr"/>
-          <a:lstStyle/>
-          <a:p>
-            <a:pPr algn="ctr"/>
-            <a:r>
-              <a:rPr lang="en-US" sz="1000" dirty="0">
-                <a:latin typeface="Helvetica" panose="020B0604020202020204" pitchFamily="34" charset="0"/>
-                <a:ea typeface="Yu Gothic UI Semilight" panose="020B0400000000000000" pitchFamily="34" charset="-128"/>
-                <a:cs typeface="Helvetica" panose="020B0604020202020204" pitchFamily="34" charset="0"/>
-              </a:rPr>
-              <a:t>4</a:t>
-            </a:r>
-          </a:p>
-        </p:txBody>
-      </p:sp>
-      <p:sp>
-        <p:nvSpPr>
-          <p:cNvPr id="22" name="Oval 21">
-            <a:extLst>
-              <a:ext uri="{FF2B5EF4-FFF2-40B4-BE49-F238E27FC236}">
-                <a16:creationId xmlns:a16="http://schemas.microsoft.com/office/drawing/2014/main" id="{F745FE1E-34A2-4965-8CE5-6F842D25CCE8}"/>
-              </a:ext>
-            </a:extLst>
-          </p:cNvPr>
-          <p:cNvSpPr/>
-          <p:nvPr/>
-        </p:nvSpPr>
-        <p:spPr>
-          <a:xfrm>
-            <a:off x="200448" y="4872409"/>
-            <a:ext cx="295275" cy="297942"/>
-          </a:xfrm>
-          <a:prstGeom prst="ellipse">
-            <a:avLst/>
-          </a:prstGeom>
-          <a:solidFill>
-            <a:srgbClr val="4472C4"/>
-          </a:solidFill>
-          <a:ln>
-            <a:noFill/>
-          </a:ln>
-        </p:spPr>
-        <p:style>
-          <a:lnRef idx="2">
-            <a:schemeClr val="accent1">
-              <a:shade val="50000"/>
-            </a:schemeClr>
-          </a:lnRef>
-          <a:fillRef idx="1">
-            <a:schemeClr val="accent1"/>
-          </a:fillRef>
-          <a:effectRef idx="0">
-            <a:schemeClr val="accent1"/>
-          </a:effectRef>
-          <a:fontRef idx="minor">
-            <a:schemeClr val="lt1"/>
-          </a:fontRef>
-        </p:style>
-        <p:txBody>
-          <a:bodyPr rtlCol="0" anchor="ctr"/>
-          <a:lstStyle/>
-          <a:p>
-            <a:pPr algn="ctr"/>
-            <a:r>
-              <a:rPr lang="en-US" sz="1400" dirty="0">
-                <a:latin typeface="Helvetica" panose="020B0604020202020204" pitchFamily="34" charset="0"/>
-                <a:ea typeface="Yu Gothic UI Semilight" panose="020B0400000000000000" pitchFamily="34" charset="-128"/>
-                <a:cs typeface="Helvetica" panose="020B0604020202020204" pitchFamily="34" charset="0"/>
-              </a:rPr>
-              <a:t>5</a:t>
-            </a:r>
-          </a:p>
-        </p:txBody>
-      </p:sp>
-      <p:sp>
-        <p:nvSpPr>
-          <p:cNvPr id="24" name="Oval 23">
-            <a:extLst>
-              <a:ext uri="{FF2B5EF4-FFF2-40B4-BE49-F238E27FC236}">
-                <a16:creationId xmlns:a16="http://schemas.microsoft.com/office/drawing/2014/main" id="{722152AE-0D79-4E03-AA20-4696F103A269}"/>
-              </a:ext>
-            </a:extLst>
-          </p:cNvPr>
-          <p:cNvSpPr/>
-          <p:nvPr/>
-        </p:nvSpPr>
-        <p:spPr>
-          <a:xfrm>
-            <a:off x="10121293" y="5021380"/>
-            <a:ext cx="217114" cy="219075"/>
-          </a:xfrm>
-          <a:prstGeom prst="ellipse">
-            <a:avLst/>
-          </a:prstGeom>
-          <a:solidFill>
-            <a:srgbClr val="4472C4"/>
-          </a:solidFill>
-          <a:ln>
-            <a:noFill/>
-          </a:ln>
-        </p:spPr>
-        <p:style>
-          <a:lnRef idx="2">
-            <a:schemeClr val="accent1">
-              <a:shade val="50000"/>
-            </a:schemeClr>
-          </a:lnRef>
-          <a:fillRef idx="1">
-            <a:schemeClr val="accent1"/>
-          </a:fillRef>
-          <a:effectRef idx="0">
-            <a:schemeClr val="accent1"/>
-          </a:effectRef>
-          <a:fontRef idx="minor">
-            <a:schemeClr val="lt1"/>
-          </a:fontRef>
-        </p:style>
-        <p:txBody>
-          <a:bodyPr rtlCol="0" anchor="ctr"/>
-          <a:lstStyle/>
-          <a:p>
-            <a:pPr algn="ctr"/>
-            <a:r>
-              <a:rPr lang="en-US" sz="1000" dirty="0">
-                <a:latin typeface="Helvetica" panose="020B0604020202020204" pitchFamily="34" charset="0"/>
-                <a:ea typeface="Yu Gothic UI Semilight" panose="020B0400000000000000" pitchFamily="34" charset="-128"/>
-                <a:cs typeface="Helvetica" panose="020B0604020202020204" pitchFamily="34" charset="0"/>
-              </a:rPr>
-              <a:t>6</a:t>
-            </a:r>
-          </a:p>
-        </p:txBody>
-      </p:sp>
-      <p:sp>
-        <p:nvSpPr>
-          <p:cNvPr id="25" name="Oval 24">
-            <a:extLst>
-              <a:ext uri="{FF2B5EF4-FFF2-40B4-BE49-F238E27FC236}">
-                <a16:creationId xmlns:a16="http://schemas.microsoft.com/office/drawing/2014/main" id="{1192CC01-DBBC-4813-AD8B-507404B35D8A}"/>
-              </a:ext>
-            </a:extLst>
-          </p:cNvPr>
-          <p:cNvSpPr/>
-          <p:nvPr/>
-        </p:nvSpPr>
-        <p:spPr>
-          <a:xfrm>
-            <a:off x="200449" y="2438645"/>
-            <a:ext cx="295275" cy="297942"/>
-          </a:xfrm>
-          <a:prstGeom prst="ellipse">
-            <a:avLst/>
-          </a:prstGeom>
-          <a:solidFill>
-            <a:srgbClr val="4472C4"/>
-          </a:solidFill>
-          <a:ln>
-            <a:noFill/>
-          </a:ln>
-        </p:spPr>
-        <p:style>
-          <a:lnRef idx="2">
-            <a:schemeClr val="accent1">
-              <a:shade val="50000"/>
-            </a:schemeClr>
-          </a:lnRef>
-          <a:fillRef idx="1">
-            <a:schemeClr val="accent1"/>
-          </a:fillRef>
-          <a:effectRef idx="0">
-            <a:schemeClr val="accent1"/>
-          </a:effectRef>
-          <a:fontRef idx="minor">
-            <a:schemeClr val="lt1"/>
-          </a:fontRef>
-        </p:style>
-        <p:txBody>
-          <a:bodyPr rtlCol="0" anchor="ctr"/>
-          <a:lstStyle/>
-          <a:p>
-            <a:pPr algn="ctr"/>
-            <a:r>
-              <a:rPr lang="en-US" sz="1400" dirty="0">
-                <a:latin typeface="Helvetica" panose="020B0604020202020204" pitchFamily="34" charset="0"/>
-                <a:ea typeface="Yu Gothic UI Semilight" panose="020B0400000000000000" pitchFamily="34" charset="-128"/>
-                <a:cs typeface="Helvetica" panose="020B0604020202020204" pitchFamily="34" charset="0"/>
-              </a:rPr>
-              <a:t>2</a:t>
-            </a:r>
-          </a:p>
-        </p:txBody>
-      </p:sp>
-      <p:sp>
-        <p:nvSpPr>
-          <p:cNvPr id="26" name="Oval 25">
-            <a:extLst>
-              <a:ext uri="{FF2B5EF4-FFF2-40B4-BE49-F238E27FC236}">
-                <a16:creationId xmlns:a16="http://schemas.microsoft.com/office/drawing/2014/main" id="{68BDEC9D-2130-4B9B-B0CA-3B532E741776}"/>
-              </a:ext>
-            </a:extLst>
-          </p:cNvPr>
-          <p:cNvSpPr/>
-          <p:nvPr/>
-        </p:nvSpPr>
-        <p:spPr>
-          <a:xfrm>
-            <a:off x="211693" y="5747766"/>
-            <a:ext cx="295275" cy="297942"/>
-          </a:xfrm>
-          <a:prstGeom prst="ellipse">
-            <a:avLst/>
-          </a:prstGeom>
-          <a:solidFill>
-            <a:srgbClr val="4472C4"/>
-          </a:solidFill>
-          <a:ln>
-            <a:noFill/>
-          </a:ln>
-        </p:spPr>
-        <p:style>
-          <a:lnRef idx="2">
-            <a:schemeClr val="accent1">
-              <a:shade val="50000"/>
-            </a:schemeClr>
-          </a:lnRef>
-          <a:fillRef idx="1">
-            <a:schemeClr val="accent1"/>
-          </a:fillRef>
-          <a:effectRef idx="0">
-            <a:schemeClr val="accent1"/>
-          </a:effectRef>
-          <a:fontRef idx="minor">
-            <a:schemeClr val="lt1"/>
-          </a:fontRef>
-        </p:style>
-        <p:txBody>
-          <a:bodyPr rtlCol="0" anchor="ctr"/>
-          <a:lstStyle/>
-          <a:p>
-            <a:pPr algn="ctr"/>
-            <a:r>
-              <a:rPr lang="en-US" sz="1400" dirty="0">
-                <a:latin typeface="Helvetica" panose="020B0604020202020204" pitchFamily="34" charset="0"/>
-                <a:ea typeface="Yu Gothic UI Semilight" panose="020B0400000000000000" pitchFamily="34" charset="-128"/>
-                <a:cs typeface="Helvetica" panose="020B0604020202020204" pitchFamily="34" charset="0"/>
-              </a:rPr>
-              <a:t>6</a:t>
-            </a:r>
-          </a:p>
-        </p:txBody>
-      </p:sp>
-      <p:sp>
-        <p:nvSpPr>
-          <p:cNvPr id="27" name="Oval 26">
-            <a:extLst>
-              <a:ext uri="{FF2B5EF4-FFF2-40B4-BE49-F238E27FC236}">
-                <a16:creationId xmlns:a16="http://schemas.microsoft.com/office/drawing/2014/main" id="{7ACC354D-26A7-4FA6-921D-525CD6983233}"/>
-              </a:ext>
-            </a:extLst>
-          </p:cNvPr>
-          <p:cNvSpPr/>
-          <p:nvPr/>
-        </p:nvSpPr>
-        <p:spPr>
-          <a:xfrm>
-            <a:off x="8567918" y="2123178"/>
-            <a:ext cx="217114" cy="219075"/>
-          </a:xfrm>
-          <a:prstGeom prst="ellipse">
-            <a:avLst/>
-          </a:prstGeom>
-          <a:solidFill>
-            <a:srgbClr val="4472C4"/>
-          </a:solidFill>
-          <a:ln>
-            <a:noFill/>
-          </a:ln>
-        </p:spPr>
-        <p:style>
-          <a:lnRef idx="2">
-            <a:schemeClr val="accent1">
-              <a:shade val="50000"/>
-            </a:schemeClr>
-          </a:lnRef>
-          <a:fillRef idx="1">
-            <a:schemeClr val="accent1"/>
-          </a:fillRef>
-          <a:effectRef idx="0">
-            <a:schemeClr val="accent1"/>
-          </a:effectRef>
-          <a:fontRef idx="minor">
-            <a:schemeClr val="lt1"/>
-          </a:fontRef>
-        </p:style>
-        <p:txBody>
-          <a:bodyPr rtlCol="0" anchor="ctr"/>
-          <a:lstStyle/>
-          <a:p>
-            <a:pPr algn="ctr"/>
-            <a:r>
-              <a:rPr lang="en-US" sz="1000" dirty="0">
-                <a:latin typeface="Helvetica" panose="020B0604020202020204" pitchFamily="34" charset="0"/>
-                <a:ea typeface="Yu Gothic UI Semilight" panose="020B0400000000000000" pitchFamily="34" charset="-128"/>
-                <a:cs typeface="Helvetica" panose="020B0604020202020204" pitchFamily="34" charset="0"/>
-              </a:rPr>
-              <a:t>2</a:t>
-            </a:r>
-          </a:p>
-        </p:txBody>
-      </p:sp>
-      <p:sp>
-        <p:nvSpPr>
-          <p:cNvPr id="28" name="Oval 27">
-            <a:extLst>
-              <a:ext uri="{FF2B5EF4-FFF2-40B4-BE49-F238E27FC236}">
-                <a16:creationId xmlns:a16="http://schemas.microsoft.com/office/drawing/2014/main" id="{A2EEE93B-57BB-4C28-81DC-A751FF465C93}"/>
-              </a:ext>
-            </a:extLst>
-          </p:cNvPr>
-          <p:cNvSpPr/>
-          <p:nvPr/>
-        </p:nvSpPr>
-        <p:spPr>
-          <a:xfrm>
-            <a:off x="8675097" y="5060813"/>
-            <a:ext cx="217114" cy="219075"/>
-          </a:xfrm>
-          <a:prstGeom prst="ellipse">
-            <a:avLst/>
-          </a:prstGeom>
-          <a:solidFill>
-            <a:srgbClr val="4472C4"/>
-          </a:solidFill>
-          <a:ln>
-            <a:noFill/>
-          </a:ln>
-        </p:spPr>
-        <p:style>
-          <a:lnRef idx="2">
-            <a:schemeClr val="accent1">
-              <a:shade val="50000"/>
-            </a:schemeClr>
-          </a:lnRef>
-          <a:fillRef idx="1">
-            <a:schemeClr val="accent1"/>
-          </a:fillRef>
-          <a:effectRef idx="0">
-            <a:schemeClr val="accent1"/>
-          </a:effectRef>
-          <a:fontRef idx="minor">
-            <a:schemeClr val="lt1"/>
-          </a:fontRef>
-        </p:style>
-        <p:txBody>
-          <a:bodyPr rtlCol="0" anchor="ctr"/>
-          <a:lstStyle/>
-          <a:p>
-            <a:pPr algn="ctr"/>
-            <a:r>
-              <a:rPr lang="en-US" sz="1000" dirty="0">
-                <a:latin typeface="Helvetica" panose="020B0604020202020204" pitchFamily="34" charset="0"/>
-                <a:ea typeface="Yu Gothic UI Semilight" panose="020B0400000000000000" pitchFamily="34" charset="-128"/>
-                <a:cs typeface="Helvetica" panose="020B0604020202020204" pitchFamily="34" charset="0"/>
-              </a:rPr>
-              <a:t>5</a:t>
+            </a:br>
+            <a:r>
+              <a:rPr lang="en-US" sz="1600" dirty="0">
+                <a:solidFill>
+                  <a:srgbClr val="333333"/>
+                </a:solidFill>
+                <a:latin typeface="Helvetica" panose="020B0604020202020204" pitchFamily="34" charset="0"/>
+                <a:cs typeface="Helvetica" panose="020B0604020202020204" pitchFamily="34" charset="0"/>
+              </a:rPr>
+              <a:t>MonthyIncome and TotalWorkingYears </a:t>
+            </a:r>
+            <a:r>
+              <a:rPr lang="en-US" sz="1600" b="1" dirty="0">
+                <a:solidFill>
+                  <a:srgbClr val="333333"/>
+                </a:solidFill>
+                <a:latin typeface="Helvetica" panose="020B0604020202020204" pitchFamily="34" charset="0"/>
+                <a:cs typeface="Helvetica" panose="020B0604020202020204" pitchFamily="34" charset="0"/>
+              </a:rPr>
+              <a:t>(0.77)</a:t>
             </a:r>
           </a:p>
         </p:txBody>
@@ -7424,7 +6788,7 @@
     </p:spTree>
     <p:extLst>
       <p:ext uri="{BB962C8B-B14F-4D97-AF65-F5344CB8AC3E}">
-        <p14:creationId xmlns:p14="http://schemas.microsoft.com/office/powerpoint/2010/main" val="1699082853"/>
+        <p14:creationId xmlns:p14="http://schemas.microsoft.com/office/powerpoint/2010/main" val="3358105189"/>
       </p:ext>
     </p:extLst>
   </p:cSld>
@@ -7453,10 +6817,222 @@
       </p:grpSpPr>
       <p:sp>
         <p:nvSpPr>
-          <p:cNvPr id="6" name="Title 1">
-            <a:extLst>
-              <a:ext uri="{FF2B5EF4-FFF2-40B4-BE49-F238E27FC236}">
-                <a16:creationId xmlns:a16="http://schemas.microsoft.com/office/drawing/2014/main" id="{E1B66461-A3E0-45CD-8469-653A2C5A71A8}"/>
+          <p:cNvPr id="3" name="Content Placeholder 2">
+            <a:extLst>
+              <a:ext uri="{FF2B5EF4-FFF2-40B4-BE49-F238E27FC236}">
+                <a16:creationId xmlns:a16="http://schemas.microsoft.com/office/drawing/2014/main" id="{B4C4B156-35C7-4200-8C08-82FAF9FF6202}"/>
+              </a:ext>
+            </a:extLst>
+          </p:cNvPr>
+          <p:cNvSpPr>
+            <a:spLocks noGrp="1"/>
+          </p:cNvSpPr>
+          <p:nvPr>
+            <p:ph idx="1"/>
+          </p:nvPr>
+        </p:nvSpPr>
+        <p:spPr>
+          <a:xfrm>
+            <a:off x="2130641" y="1577975"/>
+            <a:ext cx="8946934" cy="4351338"/>
+          </a:xfrm>
+        </p:spPr>
+        <p:txBody>
+          <a:bodyPr>
+            <a:normAutofit lnSpcReduction="10000"/>
+          </a:bodyPr>
+          <a:lstStyle/>
+          <a:p>
+            <a:pPr marL="0" indent="0">
+              <a:buNone/>
+            </a:pPr>
+            <a:endParaRPr lang="en-US" sz="1800" b="0" i="0" dirty="0">
+              <a:solidFill>
+                <a:srgbClr val="333333"/>
+              </a:solidFill>
+              <a:effectLst/>
+              <a:latin typeface="Helvetica" panose="020B0604020202020204" pitchFamily="34" charset="0"/>
+              <a:cs typeface="Helvetica" panose="020B0604020202020204" pitchFamily="34" charset="0"/>
+            </a:endParaRPr>
+          </a:p>
+          <a:p>
+            <a:r>
+              <a:rPr lang="en-US" sz="1400" b="0" i="0" dirty="0">
+                <a:solidFill>
+                  <a:srgbClr val="333333"/>
+                </a:solidFill>
+                <a:effectLst/>
+                <a:latin typeface="Helvetica" panose="020B0604020202020204" pitchFamily="34" charset="0"/>
+                <a:cs typeface="Helvetica" panose="020B0604020202020204" pitchFamily="34" charset="0"/>
+              </a:rPr>
+              <a:t>Department</a:t>
+            </a:r>
+          </a:p>
+          <a:p>
+            <a:r>
+              <a:rPr lang="en-US" sz="1400" b="0" i="0" dirty="0">
+                <a:solidFill>
+                  <a:srgbClr val="333333"/>
+                </a:solidFill>
+                <a:effectLst/>
+                <a:latin typeface="Helvetica" panose="020B0604020202020204" pitchFamily="34" charset="0"/>
+                <a:cs typeface="Helvetica" panose="020B0604020202020204" pitchFamily="34" charset="0"/>
+              </a:rPr>
+              <a:t>Job Role</a:t>
+            </a:r>
+          </a:p>
+          <a:p>
+            <a:r>
+              <a:rPr lang="en-US" sz="1400" b="0" i="0" dirty="0">
+                <a:solidFill>
+                  <a:srgbClr val="333333"/>
+                </a:solidFill>
+                <a:effectLst/>
+                <a:latin typeface="Helvetica" panose="020B0604020202020204" pitchFamily="34" charset="0"/>
+                <a:cs typeface="Helvetica" panose="020B0604020202020204" pitchFamily="34" charset="0"/>
+              </a:rPr>
+              <a:t>Level of Education</a:t>
+            </a:r>
+          </a:p>
+          <a:p>
+            <a:r>
+              <a:rPr lang="en-US" sz="1400" b="0" i="0" dirty="0">
+                <a:solidFill>
+                  <a:srgbClr val="333333"/>
+                </a:solidFill>
+                <a:effectLst/>
+                <a:latin typeface="Helvetica" panose="020B0604020202020204" pitchFamily="34" charset="0"/>
+                <a:cs typeface="Helvetica" panose="020B0604020202020204" pitchFamily="34" charset="0"/>
+              </a:rPr>
+              <a:t>Amount of Travel</a:t>
+            </a:r>
+          </a:p>
+          <a:p>
+            <a:r>
+              <a:rPr lang="en-US" sz="1400" b="0" i="0" dirty="0">
+                <a:solidFill>
+                  <a:srgbClr val="333333"/>
+                </a:solidFill>
+                <a:effectLst/>
+                <a:latin typeface="Helvetica" panose="020B0604020202020204" pitchFamily="34" charset="0"/>
+                <a:cs typeface="Helvetica" panose="020B0604020202020204" pitchFamily="34" charset="0"/>
+              </a:rPr>
+              <a:t>Amount of Overtime</a:t>
+            </a:r>
+          </a:p>
+          <a:p>
+            <a:r>
+              <a:rPr lang="en-US" sz="1400" b="0" i="0" dirty="0">
+                <a:solidFill>
+                  <a:srgbClr val="333333"/>
+                </a:solidFill>
+                <a:effectLst/>
+                <a:latin typeface="Helvetica" panose="020B0604020202020204" pitchFamily="34" charset="0"/>
+                <a:cs typeface="Helvetica" panose="020B0604020202020204" pitchFamily="34" charset="0"/>
+              </a:rPr>
+              <a:t>Employees with low satisfaction scores in Job Satisfaction, </a:t>
+            </a:r>
+          </a:p>
+          <a:p>
+            <a:r>
+              <a:rPr lang="en-US" sz="1400" b="0" i="0" dirty="0">
+                <a:solidFill>
+                  <a:srgbClr val="333333"/>
+                </a:solidFill>
+                <a:effectLst/>
+                <a:latin typeface="Helvetica" panose="020B0604020202020204" pitchFamily="34" charset="0"/>
+                <a:cs typeface="Helvetica" panose="020B0604020202020204" pitchFamily="34" charset="0"/>
+              </a:rPr>
+              <a:t>Job Engagement and Environmental conditions may also need to be taken into account</a:t>
+            </a:r>
+          </a:p>
+          <a:p>
+            <a:pPr marL="0" indent="0">
+              <a:buNone/>
+            </a:pPr>
+            <a:endParaRPr lang="en-US" sz="1400" b="0" i="0" dirty="0">
+              <a:solidFill>
+                <a:srgbClr val="333333"/>
+              </a:solidFill>
+              <a:effectLst/>
+              <a:latin typeface="Helvetica" panose="020B0604020202020204" pitchFamily="34" charset="0"/>
+              <a:cs typeface="Helvetica" panose="020B0604020202020204" pitchFamily="34" charset="0"/>
+            </a:endParaRPr>
+          </a:p>
+          <a:p>
+            <a:r>
+              <a:rPr lang="en-US" sz="1400" dirty="0">
+                <a:solidFill>
+                  <a:srgbClr val="333333"/>
+                </a:solidFill>
+                <a:latin typeface="Helvetica" panose="020B0604020202020204" pitchFamily="34" charset="0"/>
+                <a:cs typeface="Helvetica" panose="020B0604020202020204" pitchFamily="34" charset="0"/>
+              </a:rPr>
+              <a:t>Years In Current Role</a:t>
+            </a:r>
+          </a:p>
+          <a:p>
+            <a:r>
+              <a:rPr lang="en-US" sz="1400" dirty="0">
+                <a:solidFill>
+                  <a:srgbClr val="333333"/>
+                </a:solidFill>
+                <a:latin typeface="Helvetica" panose="020B0604020202020204" pitchFamily="34" charset="0"/>
+                <a:cs typeface="Helvetica" panose="020B0604020202020204" pitchFamily="34" charset="0"/>
+              </a:rPr>
+              <a:t>Years At Company</a:t>
+            </a:r>
+          </a:p>
+          <a:p>
+            <a:r>
+              <a:rPr lang="en-US" sz="1400" dirty="0">
+                <a:solidFill>
+                  <a:srgbClr val="333333"/>
+                </a:solidFill>
+                <a:latin typeface="Helvetica" panose="020B0604020202020204" pitchFamily="34" charset="0"/>
+                <a:cs typeface="Helvetica" panose="020B0604020202020204" pitchFamily="34" charset="0"/>
+              </a:rPr>
+              <a:t>Years with Current Manager</a:t>
+            </a:r>
+          </a:p>
+          <a:p>
+            <a:r>
+              <a:rPr lang="en-US" sz="1400" dirty="0">
+                <a:solidFill>
+                  <a:srgbClr val="333333"/>
+                </a:solidFill>
+                <a:latin typeface="Helvetica" panose="020B0604020202020204" pitchFamily="34" charset="0"/>
+                <a:cs typeface="Helvetica" panose="020B0604020202020204" pitchFamily="34" charset="0"/>
+              </a:rPr>
+              <a:t>Total Working Years</a:t>
+            </a:r>
+          </a:p>
+          <a:p>
+            <a:r>
+              <a:rPr lang="en-US" sz="1400" dirty="0">
+                <a:solidFill>
+                  <a:srgbClr val="333333"/>
+                </a:solidFill>
+                <a:latin typeface="Helvetica" panose="020B0604020202020204" pitchFamily="34" charset="0"/>
+                <a:cs typeface="Helvetica" panose="020B0604020202020204" pitchFamily="34" charset="0"/>
+              </a:rPr>
+              <a:t>Monthly Income</a:t>
+            </a:r>
+          </a:p>
+          <a:p>
+            <a:endParaRPr lang="en-US" sz="1800" dirty="0">
+              <a:latin typeface="Helvetica" panose="020B0604020202020204" pitchFamily="34" charset="0"/>
+              <a:cs typeface="Helvetica" panose="020B0604020202020204" pitchFamily="34" charset="0"/>
+            </a:endParaRPr>
+          </a:p>
+        </p:txBody>
+      </p:sp>
+      <p:sp>
+        <p:nvSpPr>
+          <p:cNvPr id="4" name="Title 1">
+            <a:extLst>
+              <a:ext uri="{FF2B5EF4-FFF2-40B4-BE49-F238E27FC236}">
+                <a16:creationId xmlns:a16="http://schemas.microsoft.com/office/drawing/2014/main" id="{18D8BE23-7181-4F11-A0E3-D35B78F107B4}"/>
               </a:ext>
             </a:extLst>
           </p:cNvPr>
@@ -7503,46 +7079,17 @@
                 <a:latin typeface="Helvetica" panose="020B0604020202020204" pitchFamily="34" charset="0"/>
                 <a:cs typeface="Helvetica" panose="020B0604020202020204" pitchFamily="34" charset="0"/>
               </a:rPr>
-              <a:t>Correlation</a:t>
-            </a:r>
-          </a:p>
-        </p:txBody>
-      </p:sp>
-      <p:pic>
-        <p:nvPicPr>
-          <p:cNvPr id="2" name="Picture 1">
-            <a:extLst>
-              <a:ext uri="{FF2B5EF4-FFF2-40B4-BE49-F238E27FC236}">
-                <a16:creationId xmlns:a16="http://schemas.microsoft.com/office/drawing/2014/main" id="{57F6B696-C21A-432E-9B53-9B9E72323493}"/>
-              </a:ext>
-            </a:extLst>
-          </p:cNvPr>
-          <p:cNvPicPr>
-            <a:picLocks noChangeAspect="1"/>
-          </p:cNvPicPr>
-          <p:nvPr/>
-        </p:nvPicPr>
-        <p:blipFill rotWithShape="1">
-          <a:blip r:embed="rId2"/>
-          <a:srcRect r="7027"/>
-          <a:stretch/>
-        </p:blipFill>
-        <p:spPr>
-          <a:xfrm>
-            <a:off x="5601808" y="737585"/>
-            <a:ext cx="6173425" cy="5532120"/>
-          </a:xfrm>
-          <a:prstGeom prst="rect">
-            <a:avLst/>
-          </a:prstGeom>
-        </p:spPr>
-      </p:pic>
-      <p:sp>
-        <p:nvSpPr>
-          <p:cNvPr id="7" name="Rectangle 6">
-            <a:extLst>
-              <a:ext uri="{FF2B5EF4-FFF2-40B4-BE49-F238E27FC236}">
-                <a16:creationId xmlns:a16="http://schemas.microsoft.com/office/drawing/2014/main" id="{2AF32BE6-2491-4B46-8C39-8C69E55359CE}"/>
+              <a:t>Conclusion</a:t>
+            </a:r>
+          </a:p>
+        </p:txBody>
+      </p:sp>
+      <p:sp>
+        <p:nvSpPr>
+          <p:cNvPr id="2" name="Rectangle 1">
+            <a:extLst>
+              <a:ext uri="{FF2B5EF4-FFF2-40B4-BE49-F238E27FC236}">
+                <a16:creationId xmlns:a16="http://schemas.microsoft.com/office/drawing/2014/main" id="{524061E3-7C29-4393-8DD7-3003B8690153}"/>
               </a:ext>
             </a:extLst>
           </p:cNvPr>
@@ -7551,8 +7098,8 @@
         </p:nvSpPr>
         <p:spPr>
           <a:xfrm>
-            <a:off x="335614" y="1811914"/>
-            <a:ext cx="5760386" cy="3662541"/>
+            <a:off x="145892" y="980272"/>
+            <a:ext cx="11307192" cy="646331"/>
           </a:xfrm>
           <a:prstGeom prst="rect">
             <a:avLst/>
@@ -7564,418 +7111,119 @@
           </a:bodyPr>
           <a:lstStyle/>
           <a:p>
-            <a:endParaRPr lang="en-US" dirty="0"/>
-          </a:p>
-          <a:p>
-            <a:r>
-              <a:rPr lang="en-US" b="1" dirty="0">
-                <a:solidFill>
-                  <a:srgbClr val="4472C4"/>
-                </a:solidFill>
-                <a:latin typeface="Helvetica" panose="020B0604020202020204" pitchFamily="34" charset="0"/>
-                <a:cs typeface="Helvetica" panose="020B0604020202020204" pitchFamily="34" charset="0"/>
-              </a:rPr>
-              <a:t>Highly Correlated Observations:</a:t>
-            </a:r>
-          </a:p>
-          <a:p>
-            <a:endParaRPr lang="en-US" dirty="0"/>
-          </a:p>
-          <a:p>
-            <a:r>
-              <a:rPr lang="en-US" dirty="0"/>
-              <a:t> </a:t>
-            </a:r>
-            <a:r>
-              <a:rPr lang="en-US" sz="1600" dirty="0">
+            <a:r>
+              <a:rPr lang="en-US" dirty="0">
                 <a:solidFill>
                   <a:srgbClr val="333333"/>
                 </a:solidFill>
                 <a:latin typeface="Helvetica" panose="020B0604020202020204" pitchFamily="34" charset="0"/>
                 <a:cs typeface="Helvetica" panose="020B0604020202020204" pitchFamily="34" charset="0"/>
               </a:rPr>
-              <a:t>YearsInCurrentRole and YearsAtCompany </a:t>
-            </a:r>
-            <a:r>
-              <a:rPr lang="en-US" sz="1600" b="1" dirty="0">
-                <a:solidFill>
-                  <a:srgbClr val="333333"/>
-                </a:solidFill>
-                <a:latin typeface="Helvetica" panose="020B0604020202020204" pitchFamily="34" charset="0"/>
-                <a:cs typeface="Helvetica" panose="020B0604020202020204" pitchFamily="34" charset="0"/>
-              </a:rPr>
-              <a:t>(0.76)</a:t>
-            </a:r>
-          </a:p>
-          <a:p>
-            <a:br>
-              <a:rPr lang="en-US" sz="1600" dirty="0">
-                <a:solidFill>
-                  <a:srgbClr val="333333"/>
-                </a:solidFill>
-                <a:latin typeface="Helvetica" panose="020B0604020202020204" pitchFamily="34" charset="0"/>
-                <a:cs typeface="Helvetica" panose="020B0604020202020204" pitchFamily="34" charset="0"/>
-              </a:rPr>
-            </a:br>
-            <a:r>
-              <a:rPr lang="en-US" sz="1600" dirty="0">
-                <a:solidFill>
-                  <a:srgbClr val="333333"/>
-                </a:solidFill>
-                <a:latin typeface="Helvetica" panose="020B0604020202020204" pitchFamily="34" charset="0"/>
-                <a:cs typeface="Helvetica" panose="020B0604020202020204" pitchFamily="34" charset="0"/>
-              </a:rPr>
-              <a:t>YearsInCurrentRole and YearsWithCurrManager </a:t>
-            </a:r>
-            <a:r>
-              <a:rPr lang="en-US" sz="1600" b="1" dirty="0">
-                <a:solidFill>
-                  <a:srgbClr val="333333"/>
-                </a:solidFill>
-                <a:latin typeface="Helvetica" panose="020B0604020202020204" pitchFamily="34" charset="0"/>
-                <a:cs typeface="Helvetica" panose="020B0604020202020204" pitchFamily="34" charset="0"/>
-              </a:rPr>
-              <a:t>(0.71)</a:t>
-            </a:r>
-          </a:p>
-          <a:p>
-            <a:br>
-              <a:rPr lang="en-US" sz="1600" dirty="0">
-                <a:solidFill>
-                  <a:srgbClr val="333333"/>
-                </a:solidFill>
-                <a:latin typeface="Helvetica" panose="020B0604020202020204" pitchFamily="34" charset="0"/>
-                <a:cs typeface="Helvetica" panose="020B0604020202020204" pitchFamily="34" charset="0"/>
-              </a:rPr>
-            </a:br>
-            <a:r>
-              <a:rPr lang="en-US" sz="1600" dirty="0">
-                <a:solidFill>
-                  <a:srgbClr val="333333"/>
-                </a:solidFill>
-                <a:latin typeface="Helvetica" panose="020B0604020202020204" pitchFamily="34" charset="0"/>
-                <a:cs typeface="Helvetica" panose="020B0604020202020204" pitchFamily="34" charset="0"/>
-              </a:rPr>
-              <a:t>YearsAtCompany and YearsInCurrentRole </a:t>
-            </a:r>
-            <a:r>
-              <a:rPr lang="en-US" sz="1600" b="1" dirty="0">
-                <a:solidFill>
-                  <a:srgbClr val="333333"/>
-                </a:solidFill>
-                <a:latin typeface="Helvetica" panose="020B0604020202020204" pitchFamily="34" charset="0"/>
-                <a:cs typeface="Helvetica" panose="020B0604020202020204" pitchFamily="34" charset="0"/>
-              </a:rPr>
-              <a:t>(0.76)</a:t>
-            </a:r>
-          </a:p>
-          <a:p>
-            <a:endParaRPr lang="en-US" sz="1600" dirty="0">
-              <a:solidFill>
-                <a:srgbClr val="333333"/>
-              </a:solidFill>
-              <a:latin typeface="Helvetica" panose="020B0604020202020204" pitchFamily="34" charset="0"/>
-              <a:cs typeface="Helvetica" panose="020B0604020202020204" pitchFamily="34" charset="0"/>
-            </a:endParaRPr>
-          </a:p>
-          <a:p>
-            <a:r>
-              <a:rPr lang="en-US" sz="1600" dirty="0">
-                <a:solidFill>
-                  <a:srgbClr val="333333"/>
-                </a:solidFill>
-                <a:latin typeface="Helvetica" panose="020B0604020202020204" pitchFamily="34" charset="0"/>
-                <a:cs typeface="Helvetica" panose="020B0604020202020204" pitchFamily="34" charset="0"/>
-              </a:rPr>
-              <a:t>YearsAtCompany and YearsWithCurrManager </a:t>
-            </a:r>
-            <a:r>
-              <a:rPr lang="en-US" sz="1600" b="1" dirty="0">
-                <a:solidFill>
-                  <a:srgbClr val="333333"/>
-                </a:solidFill>
-                <a:latin typeface="Helvetica" panose="020B0604020202020204" pitchFamily="34" charset="0"/>
-                <a:cs typeface="Helvetica" panose="020B0604020202020204" pitchFamily="34" charset="0"/>
-              </a:rPr>
-              <a:t>(0.77)</a:t>
-            </a:r>
-          </a:p>
-          <a:p>
-            <a:br>
-              <a:rPr lang="en-US" sz="1600" dirty="0">
-                <a:solidFill>
-                  <a:srgbClr val="333333"/>
-                </a:solidFill>
-                <a:latin typeface="Helvetica" panose="020B0604020202020204" pitchFamily="34" charset="0"/>
-                <a:cs typeface="Helvetica" panose="020B0604020202020204" pitchFamily="34" charset="0"/>
-              </a:rPr>
-            </a:br>
-            <a:r>
-              <a:rPr lang="en-US" sz="1600" dirty="0">
-                <a:solidFill>
-                  <a:srgbClr val="333333"/>
-                </a:solidFill>
-                <a:latin typeface="Helvetica" panose="020B0604020202020204" pitchFamily="34" charset="0"/>
-                <a:cs typeface="Helvetica" panose="020B0604020202020204" pitchFamily="34" charset="0"/>
-              </a:rPr>
-              <a:t>YearsAtCompany and TotalWorkingYears </a:t>
-            </a:r>
-            <a:r>
-              <a:rPr lang="en-US" sz="1600" b="1" dirty="0">
-                <a:solidFill>
-                  <a:srgbClr val="333333"/>
-                </a:solidFill>
-                <a:latin typeface="Helvetica" panose="020B0604020202020204" pitchFamily="34" charset="0"/>
-                <a:cs typeface="Helvetica" panose="020B0604020202020204" pitchFamily="34" charset="0"/>
-              </a:rPr>
-              <a:t>(0.63)</a:t>
-            </a:r>
-          </a:p>
-          <a:p>
-            <a:br>
-              <a:rPr lang="en-US" sz="1600" dirty="0">
-                <a:solidFill>
-                  <a:srgbClr val="333333"/>
-                </a:solidFill>
-                <a:latin typeface="Helvetica" panose="020B0604020202020204" pitchFamily="34" charset="0"/>
-                <a:cs typeface="Helvetica" panose="020B0604020202020204" pitchFamily="34" charset="0"/>
-              </a:rPr>
-            </a:br>
-            <a:r>
-              <a:rPr lang="en-US" sz="1600" dirty="0">
-                <a:solidFill>
-                  <a:srgbClr val="333333"/>
-                </a:solidFill>
-                <a:latin typeface="Helvetica" panose="020B0604020202020204" pitchFamily="34" charset="0"/>
-                <a:cs typeface="Helvetica" panose="020B0604020202020204" pitchFamily="34" charset="0"/>
-              </a:rPr>
-              <a:t>MonthyIncome and TotalWorkingYears </a:t>
-            </a:r>
-            <a:r>
-              <a:rPr lang="en-US" sz="1600" b="1" dirty="0">
-                <a:solidFill>
-                  <a:srgbClr val="333333"/>
-                </a:solidFill>
-                <a:latin typeface="Helvetica" panose="020B0604020202020204" pitchFamily="34" charset="0"/>
-                <a:cs typeface="Helvetica" panose="020B0604020202020204" pitchFamily="34" charset="0"/>
-              </a:rPr>
-              <a:t>(0.77)</a:t>
-            </a:r>
-          </a:p>
-        </p:txBody>
-      </p:sp>
-    </p:spTree>
-    <p:extLst>
-      <p:ext uri="{BB962C8B-B14F-4D97-AF65-F5344CB8AC3E}">
-        <p14:creationId xmlns:p14="http://schemas.microsoft.com/office/powerpoint/2010/main" val="3358105189"/>
-      </p:ext>
-    </p:extLst>
-  </p:cSld>
-  <p:clrMapOvr>
-    <a:masterClrMapping/>
-  </p:clrMapOvr>
-</p:sld>
-</file>
-
-<file path=ppt/slides/slide14.xml><?xml version="1.0" encoding="utf-8"?>
-<p:sld xmlns:a="http://schemas.openxmlformats.org/drawingml/2006/main" xmlns:r="http://schemas.openxmlformats.org/officeDocument/2006/relationships" xmlns:p="http://schemas.openxmlformats.org/presentationml/2006/main">
-  <p:cSld>
-    <p:spTree>
-      <p:nvGrpSpPr>
-        <p:cNvPr id="1" name=""/>
-        <p:cNvGrpSpPr/>
-        <p:nvPr/>
-      </p:nvGrpSpPr>
-      <p:grpSpPr>
-        <a:xfrm>
-          <a:off x="0" y="0"/>
-          <a:ext cx="0" cy="0"/>
-          <a:chOff x="0" y="0"/>
-          <a:chExt cx="0" cy="0"/>
-        </a:xfrm>
-      </p:grpSpPr>
-      <p:sp>
-        <p:nvSpPr>
-          <p:cNvPr id="3" name="Content Placeholder 2">
-            <a:extLst>
-              <a:ext uri="{FF2B5EF4-FFF2-40B4-BE49-F238E27FC236}">
-                <a16:creationId xmlns:a16="http://schemas.microsoft.com/office/drawing/2014/main" id="{B4C4B156-35C7-4200-8C08-82FAF9FF6202}"/>
-              </a:ext>
-            </a:extLst>
-          </p:cNvPr>
-          <p:cNvSpPr>
-            <a:spLocks noGrp="1"/>
-          </p:cNvSpPr>
-          <p:nvPr>
-            <p:ph idx="1"/>
-          </p:nvPr>
-        </p:nvSpPr>
-        <p:spPr>
-          <a:xfrm>
-            <a:off x="561975" y="1577975"/>
-            <a:ext cx="10515600" cy="4351338"/>
-          </a:xfrm>
-        </p:spPr>
-        <p:txBody>
-          <a:bodyPr>
-            <a:normAutofit/>
-          </a:bodyPr>
+              <a:t>From our analysis here at Miner League we can see that the following variables, broken down by type may have an influence on attrition:</a:t>
+            </a:r>
+          </a:p>
+        </p:txBody>
+      </p:sp>
+      <p:sp>
+        <p:nvSpPr>
+          <p:cNvPr id="5" name="Rectangle 4">
+            <a:extLst>
+              <a:ext uri="{FF2B5EF4-FFF2-40B4-BE49-F238E27FC236}">
+                <a16:creationId xmlns:a16="http://schemas.microsoft.com/office/drawing/2014/main" id="{0DF1BBFF-4F70-4105-AD84-C1DD2C57DB64}"/>
+              </a:ext>
+            </a:extLst>
+          </p:cNvPr>
+          <p:cNvSpPr/>
+          <p:nvPr/>
+        </p:nvSpPr>
+        <p:spPr>
+          <a:xfrm>
+            <a:off x="1003177" y="1935332"/>
+            <a:ext cx="1127464" cy="2068497"/>
+          </a:xfrm>
+          <a:prstGeom prst="rect">
+            <a:avLst/>
+          </a:prstGeom>
+        </p:spPr>
+        <p:style>
+          <a:lnRef idx="2">
+            <a:schemeClr val="accent1">
+              <a:shade val="50000"/>
+            </a:schemeClr>
+          </a:lnRef>
+          <a:fillRef idx="1">
+            <a:schemeClr val="accent1"/>
+          </a:fillRef>
+          <a:effectRef idx="0">
+            <a:schemeClr val="accent1"/>
+          </a:effectRef>
+          <a:fontRef idx="minor">
+            <a:schemeClr val="lt1"/>
+          </a:fontRef>
+        </p:style>
+        <p:txBody>
+          <a:bodyPr rtlCol="0" anchor="ctr"/>
           <a:lstStyle/>
           <a:p>
-            <a:pPr marL="0" indent="0">
-              <a:buNone/>
-            </a:pPr>
-            <a:r>
-              <a:rPr lang="en-US" sz="1800" b="0" i="0" dirty="0">
-                <a:solidFill>
-                  <a:srgbClr val="333333"/>
-                </a:solidFill>
-                <a:effectLst/>
-                <a:latin typeface="Helvetica" panose="020B0604020202020204" pitchFamily="34" charset="0"/>
-                <a:cs typeface="Helvetica" panose="020B0604020202020204" pitchFamily="34" charset="0"/>
-              </a:rPr>
-              <a:t>From our analysis here at Miner League we can conclude that the following variables have an influence on attrition:</a:t>
-            </a:r>
-          </a:p>
-          <a:p>
-            <a:r>
-              <a:rPr lang="en-US" sz="1800" b="0" i="0" dirty="0">
-                <a:solidFill>
-                  <a:srgbClr val="333333"/>
-                </a:solidFill>
-                <a:effectLst/>
-                <a:latin typeface="Helvetica" panose="020B0604020202020204" pitchFamily="34" charset="0"/>
-                <a:cs typeface="Helvetica" panose="020B0604020202020204" pitchFamily="34" charset="0"/>
-              </a:rPr>
-              <a:t>Department</a:t>
-            </a:r>
-          </a:p>
-          <a:p>
-            <a:r>
-              <a:rPr lang="en-US" sz="1800" b="0" i="0" dirty="0">
-                <a:solidFill>
-                  <a:srgbClr val="333333"/>
-                </a:solidFill>
-                <a:effectLst/>
-                <a:latin typeface="Helvetica" panose="020B0604020202020204" pitchFamily="34" charset="0"/>
-                <a:cs typeface="Helvetica" panose="020B0604020202020204" pitchFamily="34" charset="0"/>
-              </a:rPr>
-              <a:t>Job Role</a:t>
-            </a:r>
-          </a:p>
-          <a:p>
-            <a:r>
-              <a:rPr lang="en-US" sz="1800" b="0" i="0" dirty="0">
-                <a:solidFill>
-                  <a:srgbClr val="333333"/>
-                </a:solidFill>
-                <a:effectLst/>
-                <a:latin typeface="Helvetica" panose="020B0604020202020204" pitchFamily="34" charset="0"/>
-                <a:cs typeface="Helvetica" panose="020B0604020202020204" pitchFamily="34" charset="0"/>
-              </a:rPr>
-              <a:t>Level of Education</a:t>
-            </a:r>
-          </a:p>
-          <a:p>
-            <a:r>
-              <a:rPr lang="en-US" sz="1800" b="0" i="0" dirty="0">
-                <a:solidFill>
-                  <a:srgbClr val="333333"/>
-                </a:solidFill>
-                <a:effectLst/>
-                <a:latin typeface="Helvetica" panose="020B0604020202020204" pitchFamily="34" charset="0"/>
-                <a:cs typeface="Helvetica" panose="020B0604020202020204" pitchFamily="34" charset="0"/>
-              </a:rPr>
-              <a:t>Amount of Travel</a:t>
-            </a:r>
-          </a:p>
-          <a:p>
-            <a:r>
-              <a:rPr lang="en-US" sz="1800" b="0" i="0" dirty="0">
-                <a:solidFill>
-                  <a:srgbClr val="333333"/>
-                </a:solidFill>
-                <a:effectLst/>
-                <a:latin typeface="Helvetica" panose="020B0604020202020204" pitchFamily="34" charset="0"/>
-                <a:cs typeface="Helvetica" panose="020B0604020202020204" pitchFamily="34" charset="0"/>
-              </a:rPr>
-              <a:t>Amount of Overtime</a:t>
-            </a:r>
-          </a:p>
-          <a:p>
-            <a:r>
-              <a:rPr lang="en-US" sz="1800" b="0" i="0" dirty="0">
-                <a:solidFill>
-                  <a:srgbClr val="333333"/>
-                </a:solidFill>
-                <a:effectLst/>
-                <a:latin typeface="Helvetica" panose="020B0604020202020204" pitchFamily="34" charset="0"/>
-                <a:cs typeface="Helvetica" panose="020B0604020202020204" pitchFamily="34" charset="0"/>
-              </a:rPr>
-              <a:t>Employees with low satisfaction scores in Job Satisfaction, Job Engagement and Environmental conditions may also need to be taken into account</a:t>
-            </a:r>
-          </a:p>
-          <a:p>
-            <a:endParaRPr lang="en-US" sz="1800" dirty="0">
-              <a:latin typeface="Helvetica" panose="020B0604020202020204" pitchFamily="34" charset="0"/>
-              <a:cs typeface="Helvetica" panose="020B0604020202020204" pitchFamily="34" charset="0"/>
-            </a:endParaRPr>
-          </a:p>
-        </p:txBody>
-      </p:sp>
-      <p:sp>
-        <p:nvSpPr>
-          <p:cNvPr id="4" name="Title 1">
-            <a:extLst>
-              <a:ext uri="{FF2B5EF4-FFF2-40B4-BE49-F238E27FC236}">
-                <a16:creationId xmlns:a16="http://schemas.microsoft.com/office/drawing/2014/main" id="{18D8BE23-7181-4F11-A0E3-D35B78F107B4}"/>
-              </a:ext>
-            </a:extLst>
-          </p:cNvPr>
-          <p:cNvSpPr txBox="1">
-            <a:spLocks/>
-          </p:cNvSpPr>
+            <a:pPr algn="ctr"/>
+            <a:r>
+              <a:rPr lang="en-US" sz="1200" dirty="0">
+                <a:latin typeface="Helvetica" panose="020B0604020202020204" pitchFamily="34" charset="0"/>
+                <a:cs typeface="Helvetica" panose="020B0604020202020204" pitchFamily="34" charset="0"/>
+              </a:rPr>
+              <a:t>Categorical</a:t>
+            </a:r>
+          </a:p>
+        </p:txBody>
+      </p:sp>
+      <p:sp>
+        <p:nvSpPr>
+          <p:cNvPr id="6" name="Rectangle 5">
+            <a:extLst>
+              <a:ext uri="{FF2B5EF4-FFF2-40B4-BE49-F238E27FC236}">
+                <a16:creationId xmlns:a16="http://schemas.microsoft.com/office/drawing/2014/main" id="{1760900F-ACAF-4AA7-BEDB-B034B832E2CD}"/>
+              </a:ext>
+            </a:extLst>
+          </p:cNvPr>
+          <p:cNvSpPr/>
           <p:nvPr/>
         </p:nvSpPr>
         <p:spPr>
           <a:xfrm>
-            <a:off x="145892" y="128470"/>
-            <a:ext cx="11550384" cy="849938"/>
+            <a:off x="1003177" y="4266686"/>
+            <a:ext cx="1127464" cy="1477166"/>
           </a:xfrm>
           <a:prstGeom prst="rect">
             <a:avLst/>
           </a:prstGeom>
         </p:spPr>
-        <p:txBody>
-          <a:bodyPr vert="horz" lIns="91440" tIns="45720" rIns="91440" bIns="45720" rtlCol="0" anchor="ctr">
-            <a:normAutofit/>
-          </a:bodyPr>
-          <a:lstStyle>
-            <a:lvl1pPr algn="l" defTabSz="914400" rtl="0" eaLnBrk="1" latinLnBrk="0" hangingPunct="1">
-              <a:lnSpc>
-                <a:spcPct val="90000"/>
-              </a:lnSpc>
-              <a:spcBef>
-                <a:spcPct val="0"/>
-              </a:spcBef>
-              <a:buNone/>
-              <a:defRPr sz="4400" kern="1200">
-                <a:solidFill>
-                  <a:schemeClr val="tx1"/>
-                </a:solidFill>
-                <a:latin typeface="+mj-lt"/>
-                <a:ea typeface="+mj-ea"/>
-                <a:cs typeface="+mj-cs"/>
-              </a:defRPr>
-            </a:lvl1pPr>
-          </a:lstStyle>
-          <a:p>
-            <a:r>
-              <a:rPr lang="en-US" sz="2000" dirty="0">
-                <a:latin typeface="Helvetica" panose="020B0604020202020204" pitchFamily="34" charset="0"/>
-                <a:cs typeface="Helvetica" panose="020B0604020202020204" pitchFamily="34" charset="0"/>
-              </a:rPr>
-              <a:t>Conclusion</a:t>
+        <p:style>
+          <a:lnRef idx="2">
+            <a:schemeClr val="accent1">
+              <a:shade val="50000"/>
+            </a:schemeClr>
+          </a:lnRef>
+          <a:fillRef idx="1">
+            <a:schemeClr val="accent1"/>
+          </a:fillRef>
+          <a:effectRef idx="0">
+            <a:schemeClr val="accent1"/>
+          </a:effectRef>
+          <a:fontRef idx="minor">
+            <a:schemeClr val="lt1"/>
+          </a:fontRef>
+        </p:style>
+        <p:txBody>
+          <a:bodyPr rtlCol="0" anchor="ctr"/>
+          <a:lstStyle/>
+          <a:p>
+            <a:pPr algn="ctr"/>
+            <a:r>
+              <a:rPr lang="en-US" sz="1200" dirty="0">
+                <a:latin typeface="Helvetica" panose="020B0604020202020204" pitchFamily="34" charset="0"/>
+                <a:cs typeface="Helvetica" panose="020B0604020202020204" pitchFamily="34" charset="0"/>
+              </a:rPr>
+              <a:t>Non-Categorical</a:t>
             </a:r>
           </a:p>
         </p:txBody>
@@ -8402,7 +7650,7 @@
         <p:spPr>
           <a:xfrm>
             <a:off x="504824" y="4138898"/>
-            <a:ext cx="11191451" cy="1200329"/>
+            <a:ext cx="11191451" cy="2154436"/>
           </a:xfrm>
           <a:prstGeom prst="rect">
             <a:avLst/>
@@ -8415,24 +7663,100 @@
           <a:lstStyle/>
           <a:p>
             <a:r>
-              <a:rPr lang="en-US" b="0" i="0" dirty="0">
+              <a:rPr lang="en-US" b="1" dirty="0">
+                <a:solidFill>
+                  <a:srgbClr val="4472C4"/>
+                </a:solidFill>
+                <a:latin typeface="Helvetica" panose="020B0604020202020204" pitchFamily="34" charset="0"/>
+                <a:cs typeface="Helvetica" panose="020B0604020202020204" pitchFamily="34" charset="0"/>
+              </a:rPr>
+              <a:t>Observations :</a:t>
+            </a:r>
+          </a:p>
+          <a:p>
+            <a:endParaRPr lang="en-US" b="1" dirty="0">
+              <a:solidFill>
+                <a:srgbClr val="4472C4"/>
+              </a:solidFill>
+              <a:latin typeface="Helvetica" panose="020B0604020202020204" pitchFamily="34" charset="0"/>
+              <a:cs typeface="Helvetica" panose="020B0604020202020204" pitchFamily="34" charset="0"/>
+            </a:endParaRPr>
+          </a:p>
+          <a:p>
+            <a:r>
+              <a:rPr lang="en-US" sz="1400" dirty="0">
                 <a:solidFill>
                   <a:srgbClr val="333333"/>
                 </a:solidFill>
+                <a:latin typeface="Helvetica" panose="020B0604020202020204" pitchFamily="34" charset="0"/>
+                <a:cs typeface="Helvetica" panose="020B0604020202020204" pitchFamily="34" charset="0"/>
+              </a:rPr>
+              <a:t>Average Age of employees is around </a:t>
+            </a:r>
+            <a:r>
+              <a:rPr lang="en-US" sz="1400" b="1" dirty="0">
+                <a:solidFill>
+                  <a:srgbClr val="333333"/>
+                </a:solidFill>
+                <a:latin typeface="Helvetica" panose="020B0604020202020204" pitchFamily="34" charset="0"/>
+                <a:cs typeface="Helvetica" panose="020B0604020202020204" pitchFamily="34" charset="0"/>
+              </a:rPr>
+              <a:t>37</a:t>
+            </a:r>
+            <a:r>
+              <a:rPr lang="en-US" sz="1400" dirty="0">
+                <a:solidFill>
+                  <a:srgbClr val="333333"/>
+                </a:solidFill>
+                <a:latin typeface="Helvetica" panose="020B0604020202020204" pitchFamily="34" charset="0"/>
+                <a:cs typeface="Helvetica" panose="020B0604020202020204" pitchFamily="34" charset="0"/>
+              </a:rPr>
+              <a:t> years and only </a:t>
+            </a:r>
+            <a:r>
+              <a:rPr lang="en-US" sz="1400" b="1" dirty="0">
+                <a:solidFill>
+                  <a:srgbClr val="333333"/>
+                </a:solidFill>
+                <a:latin typeface="Helvetica" panose="020B0604020202020204" pitchFamily="34" charset="0"/>
+                <a:cs typeface="Helvetica" panose="020B0604020202020204" pitchFamily="34" charset="0"/>
+              </a:rPr>
+              <a:t>22%</a:t>
+            </a:r>
+            <a:r>
+              <a:rPr lang="en-US" sz="1400" dirty="0">
+                <a:solidFill>
+                  <a:srgbClr val="333333"/>
+                </a:solidFill>
+                <a:latin typeface="Helvetica" panose="020B0604020202020204" pitchFamily="34" charset="0"/>
+                <a:cs typeface="Helvetica" panose="020B0604020202020204" pitchFamily="34" charset="0"/>
+              </a:rPr>
+              <a:t> of the employees are under the age of 30.</a:t>
+            </a:r>
+          </a:p>
+          <a:p>
+            <a:endParaRPr lang="en-US" sz="1400" dirty="0">
+              <a:solidFill>
+                <a:srgbClr val="333333"/>
+              </a:solidFill>
+              <a:latin typeface="Helvetica" panose="020B0604020202020204" pitchFamily="34" charset="0"/>
+              <a:cs typeface="Helvetica" panose="020B0604020202020204" pitchFamily="34" charset="0"/>
+            </a:endParaRPr>
+          </a:p>
+          <a:p>
+            <a:r>
+              <a:rPr lang="en-US" sz="1400" b="0" i="0" dirty="0">
+                <a:solidFill>
+                  <a:srgbClr val="333333"/>
+                </a:solidFill>
                 <a:effectLst/>
                 <a:latin typeface="Helvetica" panose="020B0604020202020204" pitchFamily="34" charset="0"/>
                 <a:cs typeface="Helvetica" panose="020B0604020202020204" pitchFamily="34" charset="0"/>
               </a:rPr>
-              <a:t>Observations</a:t>
-            </a:r>
-          </a:p>
-          <a:p>
-            <a:pPr>
-              <a:buFont typeface="Arial" panose="020B0604020202020204" pitchFamily="34" charset="0"/>
-              <a:buChar char="•"/>
-            </a:pPr>
-            <a:r>
-              <a:rPr lang="en-US" b="0" i="0" dirty="0">
+              <a:t>Average Years of experience is around </a:t>
+            </a:r>
+            <a:r>
+              <a:rPr lang="en-US" sz="1400" b="1" i="0" dirty="0">
                 <a:solidFill>
                   <a:srgbClr val="333333"/>
                 </a:solidFill>
@@ -8440,16 +7764,10 @@
                 <a:latin typeface="Helvetica" panose="020B0604020202020204" pitchFamily="34" charset="0"/>
                 <a:cs typeface="Helvetica" panose="020B0604020202020204" pitchFamily="34" charset="0"/>
               </a:rPr>
-              <a:t>Age data looks to be normally distributed.</a:t>
-            </a:r>
-          </a:p>
-          <a:p>
-            <a:pPr>
-              <a:buFont typeface="Arial" panose="020B0604020202020204" pitchFamily="34" charset="0"/>
-              <a:buChar char="•"/>
-            </a:pPr>
-            <a:r>
-              <a:rPr lang="en-US" b="0" i="0" dirty="0">
+              <a:t>11</a:t>
+            </a:r>
+            <a:r>
+              <a:rPr lang="en-US" sz="1400" b="0" i="0" dirty="0">
                 <a:solidFill>
                   <a:srgbClr val="333333"/>
                 </a:solidFill>
@@ -8457,7 +7775,106 @@
                 <a:latin typeface="Helvetica" panose="020B0604020202020204" pitchFamily="34" charset="0"/>
                 <a:cs typeface="Helvetica" panose="020B0604020202020204" pitchFamily="34" charset="0"/>
               </a:rPr>
-              <a:t>Total Working Years, Number of Companies Worked For, and Distance From Home are all right skewed. Transformation of this data may be necessary for further analysis</a:t>
+              <a:t> years with </a:t>
+            </a:r>
+            <a:r>
+              <a:rPr lang="en-US" sz="1400" b="1" i="0" dirty="0">
+                <a:solidFill>
+                  <a:srgbClr val="333333"/>
+                </a:solidFill>
+                <a:effectLst/>
+                <a:latin typeface="Helvetica" panose="020B0604020202020204" pitchFamily="34" charset="0"/>
+                <a:cs typeface="Helvetica" panose="020B0604020202020204" pitchFamily="34" charset="0"/>
+              </a:rPr>
+              <a:t>49%</a:t>
+            </a:r>
+            <a:r>
+              <a:rPr lang="en-US" sz="1400" b="0" i="0" dirty="0">
+                <a:solidFill>
+                  <a:srgbClr val="333333"/>
+                </a:solidFill>
+                <a:effectLst/>
+                <a:latin typeface="Helvetica" panose="020B0604020202020204" pitchFamily="34" charset="0"/>
+                <a:cs typeface="Helvetica" panose="020B0604020202020204" pitchFamily="34" charset="0"/>
+              </a:rPr>
+              <a:t> of the employees with less than 10 years of experience.</a:t>
+            </a:r>
+          </a:p>
+          <a:p>
+            <a:endParaRPr lang="en-US" sz="1400" dirty="0">
+              <a:solidFill>
+                <a:srgbClr val="333333"/>
+              </a:solidFill>
+              <a:latin typeface="Helvetica" panose="020B0604020202020204" pitchFamily="34" charset="0"/>
+              <a:cs typeface="Helvetica" panose="020B0604020202020204" pitchFamily="34" charset="0"/>
+            </a:endParaRPr>
+          </a:p>
+          <a:p>
+            <a:r>
+              <a:rPr lang="en-US" sz="1400" b="0" i="0" dirty="0">
+                <a:solidFill>
+                  <a:srgbClr val="333333"/>
+                </a:solidFill>
+                <a:effectLst/>
+                <a:latin typeface="Helvetica" panose="020B0604020202020204" pitchFamily="34" charset="0"/>
+                <a:cs typeface="Helvetica" panose="020B0604020202020204" pitchFamily="34" charset="0"/>
+              </a:rPr>
+              <a:t>Most employees have worked in more than 1 companies with an average of around </a:t>
+            </a:r>
+            <a:r>
+              <a:rPr lang="en-US" sz="1400" b="1" i="0" dirty="0">
+                <a:solidFill>
+                  <a:srgbClr val="333333"/>
+                </a:solidFill>
+                <a:effectLst/>
+                <a:latin typeface="Helvetica" panose="020B0604020202020204" pitchFamily="34" charset="0"/>
+                <a:cs typeface="Helvetica" panose="020B0604020202020204" pitchFamily="34" charset="0"/>
+              </a:rPr>
+              <a:t>2.7.</a:t>
+            </a:r>
+          </a:p>
+          <a:p>
+            <a:endParaRPr lang="en-US" sz="1400" dirty="0">
+              <a:solidFill>
+                <a:srgbClr val="333333"/>
+              </a:solidFill>
+              <a:latin typeface="Helvetica" panose="020B0604020202020204" pitchFamily="34" charset="0"/>
+              <a:cs typeface="Helvetica" panose="020B0604020202020204" pitchFamily="34" charset="0"/>
+            </a:endParaRPr>
+          </a:p>
+          <a:p>
+            <a:r>
+              <a:rPr lang="en-US" sz="1400" b="0" i="0" dirty="0">
+                <a:solidFill>
+                  <a:srgbClr val="333333"/>
+                </a:solidFill>
+                <a:effectLst/>
+                <a:latin typeface="Helvetica" panose="020B0604020202020204" pitchFamily="34" charset="0"/>
+                <a:cs typeface="Helvetica" panose="020B0604020202020204" pitchFamily="34" charset="0"/>
+              </a:rPr>
+              <a:t>As far as distance from home, most live relatively close as </a:t>
+            </a:r>
+            <a:r>
+              <a:rPr lang="en-US" sz="1400" b="1" i="0" dirty="0">
+                <a:solidFill>
+                  <a:srgbClr val="333333"/>
+                </a:solidFill>
+                <a:effectLst/>
+                <a:latin typeface="Helvetica" panose="020B0604020202020204" pitchFamily="34" charset="0"/>
+                <a:cs typeface="Helvetica" panose="020B0604020202020204" pitchFamily="34" charset="0"/>
+              </a:rPr>
+              <a:t>within 10 miles </a:t>
+            </a:r>
+            <a:r>
+              <a:rPr lang="en-US" sz="1400" b="0" i="0" dirty="0">
+                <a:solidFill>
+                  <a:srgbClr val="333333"/>
+                </a:solidFill>
+                <a:effectLst/>
+                <a:latin typeface="Helvetica" panose="020B0604020202020204" pitchFamily="34" charset="0"/>
+                <a:cs typeface="Helvetica" panose="020B0604020202020204" pitchFamily="34" charset="0"/>
+              </a:rPr>
+              <a:t>from the office.</a:t>
             </a:r>
           </a:p>
         </p:txBody>
@@ -8594,7 +8011,7 @@
         <p:spPr>
           <a:xfrm>
             <a:off x="447675" y="1324988"/>
-            <a:ext cx="4581525" cy="4801314"/>
+            <a:ext cx="4581525" cy="4093428"/>
           </a:xfrm>
           <a:prstGeom prst="rect">
             <a:avLst/>
@@ -8628,18 +8045,38 @@
           </a:p>
           <a:p>
             <a:r>
-              <a:rPr lang="en-US" dirty="0">
+              <a:rPr lang="en-US" sz="1600" dirty="0">
                 <a:solidFill>
                   <a:srgbClr val="333333"/>
                 </a:solidFill>
                 <a:latin typeface="Helvetica" panose="020B0604020202020204" pitchFamily="34" charset="0"/>
                 <a:cs typeface="Helvetica" panose="020B0604020202020204" pitchFamily="34" charset="0"/>
               </a:rPr>
-              <a:t>Younger employees between 25-35 years have a higher attrition rate.</a:t>
-            </a:r>
-          </a:p>
-          <a:p>
-            <a:endParaRPr lang="en-US" dirty="0">
+              <a:t>Younger employees between </a:t>
+            </a:r>
+            <a:r>
+              <a:rPr lang="en-US" sz="1600" b="1" dirty="0">
+                <a:solidFill>
+                  <a:srgbClr val="333333"/>
+                </a:solidFill>
+                <a:latin typeface="Helvetica" panose="020B0604020202020204" pitchFamily="34" charset="0"/>
+                <a:cs typeface="Helvetica" panose="020B0604020202020204" pitchFamily="34" charset="0"/>
+              </a:rPr>
+              <a:t>25-35 years </a:t>
+            </a:r>
+            <a:r>
+              <a:rPr lang="en-US" sz="1600" dirty="0">
+                <a:solidFill>
+                  <a:srgbClr val="333333"/>
+                </a:solidFill>
+                <a:latin typeface="Helvetica" panose="020B0604020202020204" pitchFamily="34" charset="0"/>
+                <a:cs typeface="Helvetica" panose="020B0604020202020204" pitchFamily="34" charset="0"/>
+              </a:rPr>
+              <a:t>have a higher attrition rate.</a:t>
+            </a:r>
+          </a:p>
+          <a:p>
+            <a:endParaRPr lang="en-US" sz="1600" dirty="0">
               <a:solidFill>
                 <a:srgbClr val="333333"/>
               </a:solidFill>
@@ -8649,18 +8086,28 @@
           </a:p>
           <a:p>
             <a:r>
-              <a:rPr lang="en-US" dirty="0">
+              <a:rPr lang="en-US" sz="1600" dirty="0">
                 <a:solidFill>
                   <a:srgbClr val="333333"/>
                 </a:solidFill>
                 <a:latin typeface="Helvetica" panose="020B0604020202020204" pitchFamily="34" charset="0"/>
                 <a:cs typeface="Helvetica" panose="020B0604020202020204" pitchFamily="34" charset="0"/>
               </a:rPr>
-              <a:t>There is a higher attrition rate when the distance from home is greater than 10.</a:t>
-            </a:r>
-          </a:p>
-          <a:p>
-            <a:endParaRPr lang="en-US" dirty="0">
+              <a:t>There is a higher attrition rate when the distance from home is </a:t>
+            </a:r>
+            <a:r>
+              <a:rPr lang="en-US" sz="1600" b="1" dirty="0">
+                <a:solidFill>
+                  <a:srgbClr val="333333"/>
+                </a:solidFill>
+                <a:latin typeface="Helvetica" panose="020B0604020202020204" pitchFamily="34" charset="0"/>
+                <a:cs typeface="Helvetica" panose="020B0604020202020204" pitchFamily="34" charset="0"/>
+              </a:rPr>
+              <a:t>greater than 10.</a:t>
+            </a:r>
+          </a:p>
+          <a:p>
+            <a:endParaRPr lang="en-US" sz="1600" dirty="0">
               <a:solidFill>
                 <a:srgbClr val="333333"/>
               </a:solidFill>
@@ -8670,18 +8117,28 @@
           </a:p>
           <a:p>
             <a:r>
-              <a:rPr lang="en-US" dirty="0">
+              <a:rPr lang="en-US" sz="1600" dirty="0">
                 <a:solidFill>
                   <a:srgbClr val="333333"/>
                 </a:solidFill>
                 <a:latin typeface="Helvetica" panose="020B0604020202020204" pitchFamily="34" charset="0"/>
                 <a:cs typeface="Helvetica" panose="020B0604020202020204" pitchFamily="34" charset="0"/>
               </a:rPr>
-              <a:t> Attrition rate is less below 10.</a:t>
-            </a:r>
-          </a:p>
-          <a:p>
-            <a:endParaRPr lang="en-US" dirty="0">
+              <a:t> Attrition rate is less </a:t>
+            </a:r>
+            <a:r>
+              <a:rPr lang="en-US" sz="1600" b="1" dirty="0">
+                <a:solidFill>
+                  <a:srgbClr val="333333"/>
+                </a:solidFill>
+                <a:latin typeface="Helvetica" panose="020B0604020202020204" pitchFamily="34" charset="0"/>
+                <a:cs typeface="Helvetica" panose="020B0604020202020204" pitchFamily="34" charset="0"/>
+              </a:rPr>
+              <a:t>below 10.</a:t>
+            </a:r>
+          </a:p>
+          <a:p>
+            <a:endParaRPr lang="en-US" sz="1600" dirty="0">
               <a:solidFill>
                 <a:srgbClr val="333333"/>
               </a:solidFill>
@@ -8691,18 +8148,38 @@
           </a:p>
           <a:p>
             <a:r>
-              <a:rPr lang="en-US" dirty="0">
+              <a:rPr lang="en-US" sz="1600" dirty="0">
                 <a:solidFill>
                   <a:srgbClr val="333333"/>
                 </a:solidFill>
                 <a:latin typeface="Helvetica" panose="020B0604020202020204" pitchFamily="34" charset="0"/>
                 <a:cs typeface="Helvetica" panose="020B0604020202020204" pitchFamily="34" charset="0"/>
               </a:rPr>
-              <a:t>Attrition rate seems to be higher for employees who have work with 5 to 7 companies.</a:t>
-            </a:r>
-          </a:p>
-          <a:p>
-            <a:endParaRPr lang="en-US" dirty="0">
+              <a:t>Attrition rate seems to be higher for employees who have work with </a:t>
+            </a:r>
+            <a:r>
+              <a:rPr lang="en-US" sz="1600" b="1" dirty="0">
+                <a:solidFill>
+                  <a:srgbClr val="333333"/>
+                </a:solidFill>
+                <a:latin typeface="Helvetica" panose="020B0604020202020204" pitchFamily="34" charset="0"/>
+                <a:cs typeface="Helvetica" panose="020B0604020202020204" pitchFamily="34" charset="0"/>
+              </a:rPr>
+              <a:t>5 to 7 </a:t>
+            </a:r>
+            <a:r>
+              <a:rPr lang="en-US" sz="1600" dirty="0">
+                <a:solidFill>
+                  <a:srgbClr val="333333"/>
+                </a:solidFill>
+                <a:latin typeface="Helvetica" panose="020B0604020202020204" pitchFamily="34" charset="0"/>
+                <a:cs typeface="Helvetica" panose="020B0604020202020204" pitchFamily="34" charset="0"/>
+              </a:rPr>
+              <a:t>companies.</a:t>
+            </a:r>
+          </a:p>
+          <a:p>
+            <a:endParaRPr lang="en-US" sz="1600" dirty="0">
               <a:solidFill>
                 <a:srgbClr val="333333"/>
               </a:solidFill>
@@ -8712,16 +8189,36 @@
           </a:p>
           <a:p>
             <a:r>
-              <a:rPr lang="en-US" dirty="0">
+              <a:rPr lang="en-US" sz="1600" dirty="0">
                 <a:solidFill>
                   <a:srgbClr val="333333"/>
                 </a:solidFill>
                 <a:latin typeface="Helvetica" panose="020B0604020202020204" pitchFamily="34" charset="0"/>
                 <a:cs typeface="Helvetica" panose="020B0604020202020204" pitchFamily="34" charset="0"/>
               </a:rPr>
-              <a:t>The highest attrition rates seem to be with employees with between 0 to 7 years of work experience.</a:t>
-            </a:r>
-            <a:endParaRPr lang="en-US" b="0" i="0" dirty="0">
+              <a:t>The highest attrition rates seem to be with employees with between </a:t>
+            </a:r>
+            <a:r>
+              <a:rPr lang="en-US" sz="1600" b="1" dirty="0">
+                <a:solidFill>
+                  <a:srgbClr val="333333"/>
+                </a:solidFill>
+                <a:latin typeface="Helvetica" panose="020B0604020202020204" pitchFamily="34" charset="0"/>
+                <a:cs typeface="Helvetica" panose="020B0604020202020204" pitchFamily="34" charset="0"/>
+              </a:rPr>
+              <a:t>0 to 7 </a:t>
+            </a:r>
+            <a:r>
+              <a:rPr lang="en-US" sz="1600" dirty="0">
+                <a:solidFill>
+                  <a:srgbClr val="333333"/>
+                </a:solidFill>
+                <a:latin typeface="Helvetica" panose="020B0604020202020204" pitchFamily="34" charset="0"/>
+                <a:cs typeface="Helvetica" panose="020B0604020202020204" pitchFamily="34" charset="0"/>
+              </a:rPr>
+              <a:t>years of work experience.</a:t>
+            </a:r>
+            <a:endParaRPr lang="en-US" sz="1600" b="0" i="0" dirty="0">
               <a:solidFill>
                 <a:srgbClr val="333333"/>
               </a:solidFill>
@@ -8863,8 +8360,8 @@
         </p:nvSpPr>
         <p:spPr>
           <a:xfrm>
-            <a:off x="504825" y="5043773"/>
-            <a:ext cx="11191451" cy="646331"/>
+            <a:off x="424927" y="3024348"/>
+            <a:ext cx="3996154" cy="923330"/>
           </a:xfrm>
           <a:prstGeom prst="rect">
             <a:avLst/>
@@ -8877,28 +8374,37 @@
           <a:lstStyle/>
           <a:p>
             <a:r>
-              <a:rPr lang="en-US" dirty="0">
+              <a:rPr lang="en-US" b="1" dirty="0">
+                <a:solidFill>
+                  <a:srgbClr val="4472C4"/>
+                </a:solidFill>
+                <a:latin typeface="Helvetica" panose="020B0604020202020204" pitchFamily="34" charset="0"/>
+                <a:cs typeface="Helvetica" panose="020B0604020202020204" pitchFamily="34" charset="0"/>
+              </a:rPr>
+              <a:t>Observations:</a:t>
+            </a:r>
+          </a:p>
+          <a:p>
+            <a:endParaRPr lang="en-US" b="1" dirty="0">
+              <a:solidFill>
+                <a:srgbClr val="4472C4"/>
+              </a:solidFill>
+              <a:latin typeface="Helvetica" panose="020B0604020202020204" pitchFamily="34" charset="0"/>
+              <a:cs typeface="Helvetica" panose="020B0604020202020204" pitchFamily="34" charset="0"/>
+            </a:endParaRPr>
+          </a:p>
+          <a:p>
+            <a:r>
+              <a:rPr lang="en-US" sz="1600" dirty="0">
                 <a:solidFill>
                   <a:srgbClr val="333333"/>
                 </a:solidFill>
                 <a:latin typeface="Helvetica" panose="020B0604020202020204" pitchFamily="34" charset="0"/>
                 <a:cs typeface="Helvetica" panose="020B0604020202020204" pitchFamily="34" charset="0"/>
               </a:rPr>
-              <a:t>Observations</a:t>
-            </a:r>
-          </a:p>
-          <a:p>
-            <a:r>
-              <a:rPr lang="en-US" dirty="0">
-                <a:solidFill>
-                  <a:srgbClr val="333333"/>
-                </a:solidFill>
-                <a:latin typeface="Helvetica" panose="020B0604020202020204" pitchFamily="34" charset="0"/>
-                <a:cs typeface="Helvetica" panose="020B0604020202020204" pitchFamily="34" charset="0"/>
-              </a:rPr>
               <a:t>No patterns are observed in this data.</a:t>
             </a:r>
-            <a:endParaRPr lang="en-US" b="0" i="0" dirty="0">
+            <a:endParaRPr lang="en-US" sz="1600" b="0" i="0" dirty="0">
               <a:solidFill>
                 <a:srgbClr val="333333"/>
               </a:solidFill>
@@ -8923,8 +8429,8 @@
         </p:nvGrpSpPr>
         <p:grpSpPr>
           <a:xfrm>
-            <a:off x="333375" y="1167896"/>
-            <a:ext cx="10911152" cy="3434525"/>
+            <a:off x="4323210" y="978408"/>
+            <a:ext cx="7176393" cy="2258928"/>
             <a:chOff x="0" y="871823"/>
             <a:chExt cx="10911152" cy="3434525"/>
           </a:xfrm>
@@ -8989,6 +8495,86 @@
           </p:spPr>
         </p:pic>
       </p:grpSp>
+      <p:grpSp>
+        <p:nvGrpSpPr>
+          <p:cNvPr id="7" name="Group 6">
+            <a:extLst>
+              <a:ext uri="{FF2B5EF4-FFF2-40B4-BE49-F238E27FC236}">
+                <a16:creationId xmlns:a16="http://schemas.microsoft.com/office/drawing/2014/main" id="{7299DE4A-28E3-4D13-8E13-DD4A70C5C58B}"/>
+              </a:ext>
+            </a:extLst>
+          </p:cNvPr>
+          <p:cNvGrpSpPr/>
+          <p:nvPr/>
+        </p:nvGrpSpPr>
+        <p:grpSpPr>
+          <a:xfrm>
+            <a:off x="4580088" y="3741958"/>
+            <a:ext cx="7116188" cy="2335849"/>
+            <a:chOff x="811572" y="978408"/>
+            <a:chExt cx="9466228" cy="3067478"/>
+          </a:xfrm>
+        </p:grpSpPr>
+        <p:pic>
+          <p:nvPicPr>
+            <p:cNvPr id="8" name="Picture 7">
+              <a:extLst>
+                <a:ext uri="{FF2B5EF4-FFF2-40B4-BE49-F238E27FC236}">
+                  <a16:creationId xmlns:a16="http://schemas.microsoft.com/office/drawing/2014/main" id="{60A20963-B746-428D-BAED-642FB7EBD837}"/>
+                </a:ext>
+              </a:extLst>
+            </p:cNvPr>
+            <p:cNvPicPr>
+              <a:picLocks noChangeAspect="1"/>
+            </p:cNvPicPr>
+            <p:nvPr/>
+          </p:nvPicPr>
+          <p:blipFill rotWithShape="1">
+            <a:blip r:embed="rId4"/>
+            <a:srcRect b="50220"/>
+            <a:stretch/>
+          </p:blipFill>
+          <p:spPr>
+            <a:xfrm>
+              <a:off x="811572" y="978408"/>
+              <a:ext cx="6098834" cy="2996682"/>
+            </a:xfrm>
+            <a:prstGeom prst="rect">
+              <a:avLst/>
+            </a:prstGeom>
+          </p:spPr>
+        </p:pic>
+        <p:pic>
+          <p:nvPicPr>
+            <p:cNvPr id="9" name="Picture 8">
+              <a:extLst>
+                <a:ext uri="{FF2B5EF4-FFF2-40B4-BE49-F238E27FC236}">
+                  <a16:creationId xmlns:a16="http://schemas.microsoft.com/office/drawing/2014/main" id="{A96E2C96-3A06-40FB-A89F-A83BC96A4E95}"/>
+                </a:ext>
+              </a:extLst>
+            </p:cNvPr>
+            <p:cNvPicPr>
+              <a:picLocks noChangeAspect="1"/>
+            </p:cNvPicPr>
+            <p:nvPr/>
+          </p:nvPicPr>
+          <p:blipFill>
+            <a:blip r:embed="rId5"/>
+            <a:stretch>
+              <a:fillRect/>
+            </a:stretch>
+          </p:blipFill>
+          <p:spPr>
+            <a:xfrm>
+              <a:off x="6934058" y="978408"/>
+              <a:ext cx="3343742" cy="3067478"/>
+            </a:xfrm>
+            <a:prstGeom prst="rect">
+              <a:avLst/>
+            </a:prstGeom>
+          </p:spPr>
+        </p:pic>
+      </p:grpSp>
     </p:spTree>
     <p:extLst>
       <p:ext uri="{BB962C8B-B14F-4D97-AF65-F5344CB8AC3E}">
@@ -9071,17 +8657,47 @@
                 <a:latin typeface="Helvetica" panose="020B0604020202020204" pitchFamily="34" charset="0"/>
                 <a:cs typeface="Helvetica" panose="020B0604020202020204" pitchFamily="34" charset="0"/>
               </a:rPr>
-              <a:t>Employee Demographics – Financial vs Attrition</a:t>
-            </a:r>
-          </a:p>
-        </p:txBody>
-      </p:sp>
-      <p:sp>
-        <p:nvSpPr>
-          <p:cNvPr id="13" name="Rectangle 12">
-            <a:extLst>
-              <a:ext uri="{FF2B5EF4-FFF2-40B4-BE49-F238E27FC236}">
-                <a16:creationId xmlns:a16="http://schemas.microsoft.com/office/drawing/2014/main" id="{300A6997-7075-4699-A41E-33DA68926AA1}"/>
+              <a:t>Employee Demographics - Work Environment</a:t>
+            </a:r>
+          </a:p>
+        </p:txBody>
+      </p:sp>
+      <p:pic>
+        <p:nvPicPr>
+          <p:cNvPr id="2" name="Picture 1">
+            <a:extLst>
+              <a:ext uri="{FF2B5EF4-FFF2-40B4-BE49-F238E27FC236}">
+                <a16:creationId xmlns:a16="http://schemas.microsoft.com/office/drawing/2014/main" id="{AA838B12-72D7-47F1-8F2F-E8D7E2E67636}"/>
+              </a:ext>
+            </a:extLst>
+          </p:cNvPr>
+          <p:cNvPicPr>
+            <a:picLocks noChangeAspect="1"/>
+          </p:cNvPicPr>
+          <p:nvPr/>
+        </p:nvPicPr>
+        <p:blipFill>
+          <a:blip r:embed="rId2"/>
+          <a:stretch>
+            <a:fillRect/>
+          </a:stretch>
+        </p:blipFill>
+        <p:spPr>
+          <a:xfrm>
+            <a:off x="5629274" y="686524"/>
+            <a:ext cx="5916999" cy="5753858"/>
+          </a:xfrm>
+          <a:prstGeom prst="rect">
+            <a:avLst/>
+          </a:prstGeom>
+        </p:spPr>
+      </p:pic>
+      <p:sp>
+        <p:nvSpPr>
+          <p:cNvPr id="5" name="Rectangle 4">
+            <a:extLst>
+              <a:ext uri="{FF2B5EF4-FFF2-40B4-BE49-F238E27FC236}">
+                <a16:creationId xmlns:a16="http://schemas.microsoft.com/office/drawing/2014/main" id="{807B3811-E04A-4538-8D91-2F288BFBFB69}"/>
               </a:ext>
             </a:extLst>
           </p:cNvPr>
@@ -9090,8 +8706,8 @@
         </p:nvSpPr>
         <p:spPr>
           <a:xfrm>
-            <a:off x="3191070" y="4572658"/>
-            <a:ext cx="8220270" cy="646331"/>
+            <a:off x="371661" y="1382286"/>
+            <a:ext cx="5381069" cy="4093428"/>
           </a:xfrm>
           <a:prstGeom prst="rect">
             <a:avLst/>
@@ -9104,28 +8720,39 @@
           <a:lstStyle/>
           <a:p>
             <a:r>
-              <a:rPr lang="en-US" dirty="0">
+              <a:rPr lang="en-US" b="1" dirty="0">
+                <a:solidFill>
+                  <a:srgbClr val="4472C4"/>
+                </a:solidFill>
+                <a:latin typeface="Helvetica" panose="020B0604020202020204" pitchFamily="34" charset="0"/>
+                <a:cs typeface="Helvetica" panose="020B0604020202020204" pitchFamily="34" charset="0"/>
+              </a:rPr>
+              <a:t>Observations:</a:t>
+            </a:r>
+          </a:p>
+          <a:p>
+            <a:endParaRPr lang="en-US" b="1" dirty="0">
+              <a:solidFill>
+                <a:srgbClr val="4472C4"/>
+              </a:solidFill>
+              <a:latin typeface="Helvetica" panose="020B0604020202020204" pitchFamily="34" charset="0"/>
+              <a:cs typeface="Helvetica" panose="020B0604020202020204" pitchFamily="34" charset="0"/>
+            </a:endParaRPr>
+          </a:p>
+          <a:p>
+            <a:r>
+              <a:rPr lang="en-US" sz="1600" dirty="0">
                 <a:solidFill>
                   <a:srgbClr val="333333"/>
                 </a:solidFill>
                 <a:latin typeface="Helvetica" panose="020B0604020202020204" pitchFamily="34" charset="0"/>
                 <a:cs typeface="Helvetica" panose="020B0604020202020204" pitchFamily="34" charset="0"/>
               </a:rPr>
-              <a:t>Observations</a:t>
-            </a:r>
-          </a:p>
-          <a:p>
-            <a:r>
-              <a:rPr lang="en-US" dirty="0">
-                <a:solidFill>
-                  <a:srgbClr val="333333"/>
-                </a:solidFill>
-                <a:latin typeface="Helvetica" panose="020B0604020202020204" pitchFamily="34" charset="0"/>
-                <a:cs typeface="Helvetica" panose="020B0604020202020204" pitchFamily="34" charset="0"/>
-              </a:rPr>
-              <a:t>There are no observable patterns in this data.</a:t>
-            </a:r>
-            <a:endParaRPr lang="en-US" b="0" i="0" dirty="0">
+              <a:t>Average monthly income is around 6.5k and majority of the employees make less than 6.5k.</a:t>
+            </a:r>
+          </a:p>
+          <a:p>
+            <a:endParaRPr lang="en-US" sz="1600" b="0" i="0" dirty="0">
               <a:solidFill>
                 <a:srgbClr val="333333"/>
               </a:solidFill>
@@ -9134,92 +8761,99 @@
               <a:cs typeface="Helvetica" panose="020B0604020202020204" pitchFamily="34" charset="0"/>
             </a:endParaRPr>
           </a:p>
-        </p:txBody>
-      </p:sp>
-      <p:grpSp>
-        <p:nvGrpSpPr>
-          <p:cNvPr id="4" name="Group 3">
-            <a:extLst>
-              <a:ext uri="{FF2B5EF4-FFF2-40B4-BE49-F238E27FC236}">
-                <a16:creationId xmlns:a16="http://schemas.microsoft.com/office/drawing/2014/main" id="{267C05D0-9D5D-4C95-A13D-D1C1F2107735}"/>
-              </a:ext>
-            </a:extLst>
-          </p:cNvPr>
-          <p:cNvGrpSpPr/>
-          <p:nvPr/>
-        </p:nvGrpSpPr>
-        <p:grpSpPr>
-          <a:xfrm>
-            <a:off x="811572" y="978408"/>
-            <a:ext cx="9466228" cy="3067478"/>
-            <a:chOff x="811572" y="978408"/>
-            <a:chExt cx="9466228" cy="3067478"/>
-          </a:xfrm>
-        </p:grpSpPr>
-        <p:pic>
-          <p:nvPicPr>
-            <p:cNvPr id="2" name="Picture 1">
-              <a:extLst>
-                <a:ext uri="{FF2B5EF4-FFF2-40B4-BE49-F238E27FC236}">
-                  <a16:creationId xmlns:a16="http://schemas.microsoft.com/office/drawing/2014/main" id="{5BE72CA9-CFBC-47D6-8A74-293BAE62245B}"/>
-                </a:ext>
-              </a:extLst>
-            </p:cNvPr>
-            <p:cNvPicPr>
-              <a:picLocks noChangeAspect="1"/>
-            </p:cNvPicPr>
-            <p:nvPr/>
-          </p:nvPicPr>
-          <p:blipFill rotWithShape="1">
-            <a:blip r:embed="rId2"/>
-            <a:srcRect b="50220"/>
-            <a:stretch/>
-          </p:blipFill>
-          <p:spPr>
-            <a:xfrm>
-              <a:off x="811572" y="978408"/>
-              <a:ext cx="6098834" cy="2996682"/>
-            </a:xfrm>
-            <a:prstGeom prst="rect">
-              <a:avLst/>
-            </a:prstGeom>
-          </p:spPr>
-        </p:pic>
-        <p:pic>
-          <p:nvPicPr>
-            <p:cNvPr id="3" name="Picture 2">
-              <a:extLst>
-                <a:ext uri="{FF2B5EF4-FFF2-40B4-BE49-F238E27FC236}">
-                  <a16:creationId xmlns:a16="http://schemas.microsoft.com/office/drawing/2014/main" id="{4F849128-97E9-4A30-BBC6-04D97BF89C13}"/>
-                </a:ext>
-              </a:extLst>
-            </p:cNvPr>
-            <p:cNvPicPr>
-              <a:picLocks noChangeAspect="1"/>
-            </p:cNvPicPr>
-            <p:nvPr/>
-          </p:nvPicPr>
-          <p:blipFill>
-            <a:blip r:embed="rId3"/>
-            <a:stretch>
-              <a:fillRect/>
-            </a:stretch>
-          </p:blipFill>
-          <p:spPr>
-            <a:xfrm>
-              <a:off x="6934058" y="978408"/>
-              <a:ext cx="3343742" cy="3067478"/>
-            </a:xfrm>
-            <a:prstGeom prst="rect">
-              <a:avLst/>
-            </a:prstGeom>
-          </p:spPr>
-        </p:pic>
-      </p:grpSp>
+          <a:p>
+            <a:r>
+              <a:rPr lang="en-US" sz="1600" b="0" i="0" dirty="0">
+                <a:solidFill>
+                  <a:srgbClr val="333333"/>
+                </a:solidFill>
+                <a:effectLst/>
+                <a:latin typeface="Helvetica" panose="020B0604020202020204" pitchFamily="34" charset="0"/>
+                <a:cs typeface="Helvetica" panose="020B0604020202020204" pitchFamily="34" charset="0"/>
+              </a:rPr>
+              <a:t>Average employees has been with the company for about 7 years</a:t>
+            </a:r>
+            <a:r>
+              <a:rPr lang="en-US" sz="1600" dirty="0">
+                <a:solidFill>
+                  <a:srgbClr val="333333"/>
+                </a:solidFill>
+                <a:latin typeface="Helvetica" panose="020B0604020202020204" pitchFamily="34" charset="0"/>
+                <a:cs typeface="Helvetica" panose="020B0604020202020204" pitchFamily="34" charset="0"/>
+              </a:rPr>
+              <a:t> however majority of the employees are relatively new and have not been around for long.</a:t>
+            </a:r>
+          </a:p>
+          <a:p>
+            <a:endParaRPr lang="en-US" sz="1600" b="0" i="0" dirty="0">
+              <a:solidFill>
+                <a:srgbClr val="333333"/>
+              </a:solidFill>
+              <a:effectLst/>
+              <a:latin typeface="Helvetica" panose="020B0604020202020204" pitchFamily="34" charset="0"/>
+              <a:cs typeface="Helvetica" panose="020B0604020202020204" pitchFamily="34" charset="0"/>
+            </a:endParaRPr>
+          </a:p>
+          <a:p>
+            <a:r>
+              <a:rPr lang="en-US" sz="1600" dirty="0">
+                <a:solidFill>
+                  <a:srgbClr val="333333"/>
+                </a:solidFill>
+                <a:latin typeface="Helvetica" panose="020B0604020202020204" pitchFamily="34" charset="0"/>
+                <a:cs typeface="Helvetica" panose="020B0604020202020204" pitchFamily="34" charset="0"/>
+              </a:rPr>
+              <a:t>Average employee at a role is around 4 years and then they either leave or move on to something else.</a:t>
+            </a:r>
+          </a:p>
+          <a:p>
+            <a:endParaRPr lang="en-US" sz="1600" b="0" i="0" dirty="0">
+              <a:solidFill>
+                <a:srgbClr val="333333"/>
+              </a:solidFill>
+              <a:effectLst/>
+              <a:latin typeface="Helvetica" panose="020B0604020202020204" pitchFamily="34" charset="0"/>
+              <a:cs typeface="Helvetica" panose="020B0604020202020204" pitchFamily="34" charset="0"/>
+            </a:endParaRPr>
+          </a:p>
+          <a:p>
+            <a:r>
+              <a:rPr lang="en-US" sz="1600" dirty="0">
+                <a:solidFill>
+                  <a:srgbClr val="333333"/>
+                </a:solidFill>
+                <a:latin typeface="Helvetica" panose="020B0604020202020204" pitchFamily="34" charset="0"/>
+                <a:cs typeface="Helvetica" panose="020B0604020202020204" pitchFamily="34" charset="0"/>
+              </a:rPr>
+              <a:t>Promotions are frequent it seems, employees are getting promoted on average every 2 years.</a:t>
+            </a:r>
+          </a:p>
+          <a:p>
+            <a:endParaRPr lang="en-US" sz="1600" b="0" i="0" dirty="0">
+              <a:solidFill>
+                <a:srgbClr val="333333"/>
+              </a:solidFill>
+              <a:effectLst/>
+              <a:latin typeface="Helvetica" panose="020B0604020202020204" pitchFamily="34" charset="0"/>
+              <a:cs typeface="Helvetica" panose="020B0604020202020204" pitchFamily="34" charset="0"/>
+            </a:endParaRPr>
+          </a:p>
+          <a:p>
+            <a:endParaRPr lang="en-US" sz="1600" b="0" i="0" dirty="0">
+              <a:solidFill>
+                <a:srgbClr val="333333"/>
+              </a:solidFill>
+              <a:effectLst/>
+              <a:latin typeface="Helvetica" panose="020B0604020202020204" pitchFamily="34" charset="0"/>
+              <a:cs typeface="Helvetica" panose="020B0604020202020204" pitchFamily="34" charset="0"/>
+            </a:endParaRPr>
+          </a:p>
+        </p:txBody>
+      </p:sp>
     </p:spTree>
     <p:extLst>
       <p:ext uri="{BB962C8B-B14F-4D97-AF65-F5344CB8AC3E}">
-        <p14:creationId xmlns:p14="http://schemas.microsoft.com/office/powerpoint/2010/main" val="1138278810"/>
+        <p14:creationId xmlns:p14="http://schemas.microsoft.com/office/powerpoint/2010/main" val="2327290412"/>
       </p:ext>
     </p:extLst>
   </p:cSld>
@@ -9298,7 +8932,7 @@
                 <a:latin typeface="Helvetica" panose="020B0604020202020204" pitchFamily="34" charset="0"/>
                 <a:cs typeface="Helvetica" panose="020B0604020202020204" pitchFamily="34" charset="0"/>
               </a:rPr>
-              <a:t>Employee Demographics - Work Environment</a:t>
+              <a:t>Employee Demographics - Work Environment(Continued)</a:t>
             </a:r>
           </a:p>
         </p:txBody>
@@ -9317,8 +8951,8 @@
         </p:nvSpPr>
         <p:spPr>
           <a:xfrm>
-            <a:off x="723900" y="2963288"/>
-            <a:ext cx="4581525" cy="2031325"/>
+            <a:off x="495724" y="978408"/>
+            <a:ext cx="5580739" cy="5170646"/>
           </a:xfrm>
           <a:prstGeom prst="rect">
             <a:avLst/>
@@ -9331,30 +8965,324 @@
           <a:lstStyle/>
           <a:p>
             <a:r>
-              <a:rPr lang="en-US" dirty="0">
+              <a:rPr lang="en-US" b="1" dirty="0">
+                <a:solidFill>
+                  <a:srgbClr val="4472C4"/>
+                </a:solidFill>
+                <a:latin typeface="Helvetica" panose="020B0604020202020204" pitchFamily="34" charset="0"/>
+                <a:cs typeface="Helvetica" panose="020B0604020202020204" pitchFamily="34" charset="0"/>
+              </a:rPr>
+              <a:t>Observations:</a:t>
+            </a:r>
+          </a:p>
+          <a:p>
+            <a:endParaRPr lang="en-US" b="1" dirty="0">
+              <a:solidFill>
+                <a:srgbClr val="4472C4"/>
+              </a:solidFill>
+              <a:latin typeface="Helvetica" panose="020B0604020202020204" pitchFamily="34" charset="0"/>
+              <a:cs typeface="Helvetica" panose="020B0604020202020204" pitchFamily="34" charset="0"/>
+            </a:endParaRPr>
+          </a:p>
+          <a:p>
+            <a:r>
+              <a:rPr lang="en-US" sz="1400" dirty="0">
                 <a:solidFill>
                   <a:srgbClr val="333333"/>
                 </a:solidFill>
                 <a:latin typeface="Helvetica" panose="020B0604020202020204" pitchFamily="34" charset="0"/>
                 <a:cs typeface="Helvetica" panose="020B0604020202020204" pitchFamily="34" charset="0"/>
               </a:rPr>
-              <a:t>Observations</a:t>
-            </a:r>
-          </a:p>
-          <a:p>
-            <a:r>
-              <a:rPr lang="en-US" dirty="0">
+              <a:t>Approximately </a:t>
+            </a:r>
+            <a:r>
+              <a:rPr lang="en-US" sz="1400" b="1" dirty="0">
                 <a:solidFill>
                   <a:srgbClr val="333333"/>
                 </a:solidFill>
                 <a:latin typeface="Helvetica" panose="020B0604020202020204" pitchFamily="34" charset="0"/>
                 <a:cs typeface="Helvetica" panose="020B0604020202020204" pitchFamily="34" charset="0"/>
               </a:rPr>
-              <a:t>All data for these observations is right skewed. Transformation of data may be needed for further analysis.</a:t>
-            </a:r>
-          </a:p>
-          <a:p>
-            <a:endParaRPr lang="en-US" b="0" i="0" dirty="0">
+              <a:t>71%</a:t>
+            </a:r>
+            <a:r>
+              <a:rPr lang="en-US" sz="1400" dirty="0">
+                <a:solidFill>
+                  <a:srgbClr val="333333"/>
+                </a:solidFill>
+                <a:latin typeface="Helvetica" panose="020B0604020202020204" pitchFamily="34" charset="0"/>
+                <a:cs typeface="Helvetica" panose="020B0604020202020204" pitchFamily="34" charset="0"/>
+              </a:rPr>
+              <a:t> of the employees rarely travel for work.</a:t>
+            </a:r>
+          </a:p>
+          <a:p>
+            <a:endParaRPr lang="en-US" sz="1400" dirty="0">
+              <a:solidFill>
+                <a:srgbClr val="333333"/>
+              </a:solidFill>
+              <a:latin typeface="Helvetica" panose="020B0604020202020204" pitchFamily="34" charset="0"/>
+              <a:cs typeface="Helvetica" panose="020B0604020202020204" pitchFamily="34" charset="0"/>
+            </a:endParaRPr>
+          </a:p>
+          <a:p>
+            <a:r>
+              <a:rPr lang="en-US" sz="1400" dirty="0">
+                <a:solidFill>
+                  <a:srgbClr val="333333"/>
+                </a:solidFill>
+                <a:latin typeface="Helvetica" panose="020B0604020202020204" pitchFamily="34" charset="0"/>
+                <a:cs typeface="Helvetica" panose="020B0604020202020204" pitchFamily="34" charset="0"/>
+              </a:rPr>
+              <a:t>Approximately </a:t>
+            </a:r>
+            <a:r>
+              <a:rPr lang="en-US" sz="1400" b="1" dirty="0">
+                <a:solidFill>
+                  <a:srgbClr val="333333"/>
+                </a:solidFill>
+                <a:latin typeface="Helvetica" panose="020B0604020202020204" pitchFamily="34" charset="0"/>
+                <a:cs typeface="Helvetica" panose="020B0604020202020204" pitchFamily="34" charset="0"/>
+              </a:rPr>
+              <a:t>30%</a:t>
+            </a:r>
+            <a:r>
+              <a:rPr lang="en-US" sz="1400" dirty="0">
+                <a:solidFill>
+                  <a:srgbClr val="333333"/>
+                </a:solidFill>
+                <a:latin typeface="Helvetica" panose="020B0604020202020204" pitchFamily="34" charset="0"/>
+                <a:cs typeface="Helvetica" panose="020B0604020202020204" pitchFamily="34" charset="0"/>
+              </a:rPr>
+              <a:t> of the employees rate environment satisfaction as high or very high.</a:t>
+            </a:r>
+          </a:p>
+          <a:p>
+            <a:endParaRPr lang="en-US" sz="1400" dirty="0">
+              <a:solidFill>
+                <a:srgbClr val="333333"/>
+              </a:solidFill>
+              <a:latin typeface="Helvetica" panose="020B0604020202020204" pitchFamily="34" charset="0"/>
+              <a:cs typeface="Helvetica" panose="020B0604020202020204" pitchFamily="34" charset="0"/>
+            </a:endParaRPr>
+          </a:p>
+          <a:p>
+            <a:r>
+              <a:rPr lang="en-US" sz="1400" dirty="0">
+                <a:solidFill>
+                  <a:srgbClr val="333333"/>
+                </a:solidFill>
+                <a:latin typeface="Helvetica" panose="020B0604020202020204" pitchFamily="34" charset="0"/>
+                <a:cs typeface="Helvetica" panose="020B0604020202020204" pitchFamily="34" charset="0"/>
+              </a:rPr>
+              <a:t>Approximately </a:t>
+            </a:r>
+            <a:r>
+              <a:rPr lang="en-US" sz="1400" b="1" dirty="0">
+                <a:solidFill>
+                  <a:srgbClr val="333333"/>
+                </a:solidFill>
+                <a:latin typeface="Helvetica" panose="020B0604020202020204" pitchFamily="34" charset="0"/>
+                <a:cs typeface="Helvetica" panose="020B0604020202020204" pitchFamily="34" charset="0"/>
+              </a:rPr>
+              <a:t>59%</a:t>
+            </a:r>
+            <a:r>
+              <a:rPr lang="en-US" sz="1400" dirty="0">
+                <a:solidFill>
+                  <a:srgbClr val="333333"/>
+                </a:solidFill>
+                <a:latin typeface="Helvetica" panose="020B0604020202020204" pitchFamily="34" charset="0"/>
+                <a:cs typeface="Helvetica" panose="020B0604020202020204" pitchFamily="34" charset="0"/>
+              </a:rPr>
+              <a:t> of the employees rated their job involvement at work as high.</a:t>
+            </a:r>
+          </a:p>
+          <a:p>
+            <a:endParaRPr lang="en-US" sz="1400" dirty="0">
+              <a:solidFill>
+                <a:srgbClr val="333333"/>
+              </a:solidFill>
+              <a:latin typeface="Helvetica" panose="020B0604020202020204" pitchFamily="34" charset="0"/>
+              <a:cs typeface="Helvetica" panose="020B0604020202020204" pitchFamily="34" charset="0"/>
+            </a:endParaRPr>
+          </a:p>
+          <a:p>
+            <a:r>
+              <a:rPr lang="en-US" sz="1400" dirty="0">
+                <a:solidFill>
+                  <a:srgbClr val="333333"/>
+                </a:solidFill>
+                <a:latin typeface="Helvetica" panose="020B0604020202020204" pitchFamily="34" charset="0"/>
+                <a:cs typeface="Helvetica" panose="020B0604020202020204" pitchFamily="34" charset="0"/>
+              </a:rPr>
+              <a:t>Approximately </a:t>
+            </a:r>
+            <a:r>
+              <a:rPr lang="en-US" sz="1400" b="1" dirty="0">
+                <a:solidFill>
+                  <a:srgbClr val="333333"/>
+                </a:solidFill>
+                <a:latin typeface="Helvetica" panose="020B0604020202020204" pitchFamily="34" charset="0"/>
+                <a:cs typeface="Helvetica" panose="020B0604020202020204" pitchFamily="34" charset="0"/>
+              </a:rPr>
+              <a:t>30%</a:t>
+            </a:r>
+            <a:r>
+              <a:rPr lang="en-US" sz="1400" dirty="0">
+                <a:solidFill>
+                  <a:srgbClr val="333333"/>
+                </a:solidFill>
+                <a:latin typeface="Helvetica" panose="020B0604020202020204" pitchFamily="34" charset="0"/>
+                <a:cs typeface="Helvetica" panose="020B0604020202020204" pitchFamily="34" charset="0"/>
+              </a:rPr>
+              <a:t> of the employees rate job satisfaction as high or very high.</a:t>
+            </a:r>
+          </a:p>
+          <a:p>
+            <a:endParaRPr lang="en-US" sz="1400" dirty="0">
+              <a:solidFill>
+                <a:srgbClr val="333333"/>
+              </a:solidFill>
+              <a:latin typeface="Helvetica" panose="020B0604020202020204" pitchFamily="34" charset="0"/>
+              <a:cs typeface="Helvetica" panose="020B0604020202020204" pitchFamily="34" charset="0"/>
+            </a:endParaRPr>
+          </a:p>
+          <a:p>
+            <a:r>
+              <a:rPr lang="en-US" sz="1400" dirty="0">
+                <a:solidFill>
+                  <a:srgbClr val="333333"/>
+                </a:solidFill>
+                <a:latin typeface="Helvetica" panose="020B0604020202020204" pitchFamily="34" charset="0"/>
+                <a:cs typeface="Helvetica" panose="020B0604020202020204" pitchFamily="34" charset="0"/>
+              </a:rPr>
+              <a:t>Approximately </a:t>
+            </a:r>
+            <a:r>
+              <a:rPr lang="en-US" sz="1400" b="1" dirty="0">
+                <a:solidFill>
+                  <a:srgbClr val="333333"/>
+                </a:solidFill>
+                <a:latin typeface="Helvetica" panose="020B0604020202020204" pitchFamily="34" charset="0"/>
+                <a:cs typeface="Helvetica" panose="020B0604020202020204" pitchFamily="34" charset="0"/>
+              </a:rPr>
+              <a:t>72%</a:t>
+            </a:r>
+            <a:r>
+              <a:rPr lang="en-US" sz="1400" dirty="0">
+                <a:solidFill>
+                  <a:srgbClr val="333333"/>
+                </a:solidFill>
+                <a:latin typeface="Helvetica" panose="020B0604020202020204" pitchFamily="34" charset="0"/>
+                <a:cs typeface="Helvetica" panose="020B0604020202020204" pitchFamily="34" charset="0"/>
+              </a:rPr>
+              <a:t> of the employees do not work overtime.</a:t>
+            </a:r>
+          </a:p>
+          <a:p>
+            <a:endParaRPr lang="en-US" sz="1400" dirty="0">
+              <a:solidFill>
+                <a:srgbClr val="333333"/>
+              </a:solidFill>
+              <a:latin typeface="Helvetica" panose="020B0604020202020204" pitchFamily="34" charset="0"/>
+              <a:cs typeface="Helvetica" panose="020B0604020202020204" pitchFamily="34" charset="0"/>
+            </a:endParaRPr>
+          </a:p>
+          <a:p>
+            <a:r>
+              <a:rPr lang="en-US" sz="1400" dirty="0">
+                <a:solidFill>
+                  <a:srgbClr val="333333"/>
+                </a:solidFill>
+                <a:latin typeface="Helvetica" panose="020B0604020202020204" pitchFamily="34" charset="0"/>
+                <a:cs typeface="Helvetica" panose="020B0604020202020204" pitchFamily="34" charset="0"/>
+              </a:rPr>
+              <a:t>Approximately </a:t>
+            </a:r>
+            <a:r>
+              <a:rPr lang="en-US" sz="1400" b="1" dirty="0">
+                <a:solidFill>
+                  <a:srgbClr val="333333"/>
+                </a:solidFill>
+                <a:latin typeface="Helvetica" panose="020B0604020202020204" pitchFamily="34" charset="0"/>
+                <a:cs typeface="Helvetica" panose="020B0604020202020204" pitchFamily="34" charset="0"/>
+              </a:rPr>
+              <a:t>85%</a:t>
+            </a:r>
+            <a:r>
+              <a:rPr lang="en-US" sz="1400" dirty="0">
+                <a:solidFill>
+                  <a:srgbClr val="333333"/>
+                </a:solidFill>
+                <a:latin typeface="Helvetica" panose="020B0604020202020204" pitchFamily="34" charset="0"/>
+                <a:cs typeface="Helvetica" panose="020B0604020202020204" pitchFamily="34" charset="0"/>
+              </a:rPr>
+              <a:t> of the employees have an Excellent Performance Rating.</a:t>
+            </a:r>
+          </a:p>
+          <a:p>
+            <a:endParaRPr lang="en-US" sz="1400" dirty="0">
+              <a:solidFill>
+                <a:srgbClr val="333333"/>
+              </a:solidFill>
+              <a:latin typeface="Helvetica" panose="020B0604020202020204" pitchFamily="34" charset="0"/>
+              <a:cs typeface="Helvetica" panose="020B0604020202020204" pitchFamily="34" charset="0"/>
+            </a:endParaRPr>
+          </a:p>
+          <a:p>
+            <a:r>
+              <a:rPr lang="en-US" sz="1400" dirty="0">
+                <a:solidFill>
+                  <a:srgbClr val="333333"/>
+                </a:solidFill>
+                <a:latin typeface="Helvetica" panose="020B0604020202020204" pitchFamily="34" charset="0"/>
+                <a:cs typeface="Helvetica" panose="020B0604020202020204" pitchFamily="34" charset="0"/>
+              </a:rPr>
+              <a:t>More than half </a:t>
+            </a:r>
+            <a:r>
+              <a:rPr lang="en-US" sz="1400" b="1" dirty="0">
+                <a:solidFill>
+                  <a:srgbClr val="333333"/>
+                </a:solidFill>
+                <a:latin typeface="Helvetica" panose="020B0604020202020204" pitchFamily="34" charset="0"/>
+                <a:cs typeface="Helvetica" panose="020B0604020202020204" pitchFamily="34" charset="0"/>
+              </a:rPr>
+              <a:t>65% </a:t>
+            </a:r>
+            <a:r>
+              <a:rPr lang="en-US" sz="1400" dirty="0">
+                <a:solidFill>
+                  <a:srgbClr val="333333"/>
+                </a:solidFill>
+                <a:latin typeface="Helvetica" panose="020B0604020202020204" pitchFamily="34" charset="0"/>
+                <a:cs typeface="Helvetica" panose="020B0604020202020204" pitchFamily="34" charset="0"/>
+              </a:rPr>
+              <a:t>of the employees work in Research &amp; Development.</a:t>
+            </a:r>
+          </a:p>
+          <a:p>
+            <a:endParaRPr lang="en-US" sz="1400" dirty="0">
+              <a:solidFill>
+                <a:srgbClr val="333333"/>
+              </a:solidFill>
+              <a:latin typeface="Helvetica" panose="020B0604020202020204" pitchFamily="34" charset="0"/>
+              <a:cs typeface="Helvetica" panose="020B0604020202020204" pitchFamily="34" charset="0"/>
+            </a:endParaRPr>
+          </a:p>
+          <a:p>
+            <a:r>
+              <a:rPr lang="en-US" sz="1400" dirty="0">
+                <a:solidFill>
+                  <a:srgbClr val="333333"/>
+                </a:solidFill>
+                <a:latin typeface="Helvetica" panose="020B0604020202020204" pitchFamily="34" charset="0"/>
+                <a:cs typeface="Helvetica" panose="020B0604020202020204" pitchFamily="34" charset="0"/>
+              </a:rPr>
+              <a:t>Most employees work as Sales Executives, Research Scientists or Laboratory Technicians</a:t>
+            </a:r>
+            <a:endParaRPr lang="en-US" sz="1400" b="0" i="0" dirty="0">
               <a:solidFill>
                 <a:srgbClr val="333333"/>
               </a:solidFill>
@@ -9363,26 +9291,6 @@
               <a:cs typeface="Helvetica" panose="020B0604020202020204" pitchFamily="34" charset="0"/>
             </a:endParaRPr>
           </a:p>
-          <a:p>
-            <a:r>
-              <a:rPr lang="en-US" dirty="0">
-                <a:solidFill>
-                  <a:srgbClr val="333333"/>
-                </a:solidFill>
-                <a:latin typeface="Helvetica" panose="020B0604020202020204" pitchFamily="34" charset="0"/>
-                <a:cs typeface="Helvetica" panose="020B0604020202020204" pitchFamily="34" charset="0"/>
-              </a:rPr>
-              <a:t>I will add some more stuff here like averages and stuff tomorrow.</a:t>
-            </a:r>
-            <a:endParaRPr lang="en-US" b="0" i="0" dirty="0">
-              <a:solidFill>
-                <a:srgbClr val="333333"/>
-              </a:solidFill>
-              <a:effectLst/>
-              <a:latin typeface="Helvetica" panose="020B0604020202020204" pitchFamily="34" charset="0"/>
-              <a:cs typeface="Helvetica" panose="020B0604020202020204" pitchFamily="34" charset="0"/>
-            </a:endParaRPr>
-          </a:p>
         </p:txBody>
       </p:sp>
       <p:pic>
@@ -9390,7 +9298,7 @@
           <p:cNvPr id="2" name="Picture 1">
             <a:extLst>
               <a:ext uri="{FF2B5EF4-FFF2-40B4-BE49-F238E27FC236}">
-                <a16:creationId xmlns:a16="http://schemas.microsoft.com/office/drawing/2014/main" id="{AA838B12-72D7-47F1-8F2F-E8D7E2E67636}"/>
+                <a16:creationId xmlns:a16="http://schemas.microsoft.com/office/drawing/2014/main" id="{2AC71E88-2BAC-4E47-A1F2-1DA20D214B5D}"/>
               </a:ext>
             </a:extLst>
           </p:cNvPr>
@@ -9399,26 +9307,1230 @@
           </p:cNvPicPr>
           <p:nvPr/>
         </p:nvPicPr>
-        <p:blipFill>
+        <p:blipFill rotWithShape="1">
           <a:blip r:embed="rId2"/>
-          <a:stretch>
-            <a:fillRect/>
-          </a:stretch>
+          <a:srcRect l="4156"/>
+          <a:stretch/>
         </p:blipFill>
         <p:spPr>
           <a:xfrm>
-            <a:off x="5629274" y="686524"/>
-            <a:ext cx="5916999" cy="5753858"/>
+            <a:off x="6166665" y="866219"/>
+            <a:ext cx="5678031" cy="5548312"/>
           </a:xfrm>
           <a:prstGeom prst="rect">
             <a:avLst/>
           </a:prstGeom>
         </p:spPr>
       </p:pic>
+      <p:sp>
+        <p:nvSpPr>
+          <p:cNvPr id="5" name="Oval 4">
+            <a:extLst>
+              <a:ext uri="{FF2B5EF4-FFF2-40B4-BE49-F238E27FC236}">
+                <a16:creationId xmlns:a16="http://schemas.microsoft.com/office/drawing/2014/main" id="{7CF5A6C4-940D-4E0F-B2CC-35A21AE3A33B}"/>
+              </a:ext>
+            </a:extLst>
+          </p:cNvPr>
+          <p:cNvSpPr/>
+          <p:nvPr/>
+        </p:nvSpPr>
+        <p:spPr>
+          <a:xfrm>
+            <a:off x="200449" y="1530404"/>
+            <a:ext cx="295275" cy="297942"/>
+          </a:xfrm>
+          <a:prstGeom prst="ellipse">
+            <a:avLst/>
+          </a:prstGeom>
+          <a:solidFill>
+            <a:srgbClr val="4472C4"/>
+          </a:solidFill>
+          <a:ln>
+            <a:noFill/>
+          </a:ln>
+        </p:spPr>
+        <p:style>
+          <a:lnRef idx="2">
+            <a:schemeClr val="accent1">
+              <a:shade val="50000"/>
+            </a:schemeClr>
+          </a:lnRef>
+          <a:fillRef idx="1">
+            <a:schemeClr val="accent1"/>
+          </a:fillRef>
+          <a:effectRef idx="0">
+            <a:schemeClr val="accent1"/>
+          </a:effectRef>
+          <a:fontRef idx="minor">
+            <a:schemeClr val="lt1"/>
+          </a:fontRef>
+        </p:style>
+        <p:txBody>
+          <a:bodyPr rtlCol="0" anchor="ctr"/>
+          <a:lstStyle/>
+          <a:p>
+            <a:pPr algn="ctr"/>
+            <a:r>
+              <a:rPr lang="en-US" sz="1400" dirty="0">
+                <a:latin typeface="Helvetica" panose="020B0604020202020204" pitchFamily="34" charset="0"/>
+                <a:ea typeface="Yu Gothic UI Semilight" panose="020B0400000000000000" pitchFamily="34" charset="-128"/>
+                <a:cs typeface="Helvetica" panose="020B0604020202020204" pitchFamily="34" charset="0"/>
+              </a:rPr>
+              <a:t>1</a:t>
+            </a:r>
+          </a:p>
+        </p:txBody>
+      </p:sp>
+      <p:sp>
+        <p:nvSpPr>
+          <p:cNvPr id="7" name="Oval 6">
+            <a:extLst>
+              <a:ext uri="{FF2B5EF4-FFF2-40B4-BE49-F238E27FC236}">
+                <a16:creationId xmlns:a16="http://schemas.microsoft.com/office/drawing/2014/main" id="{57F6C685-B6CF-48BB-8C2B-A6E1C05A3CEB}"/>
+              </a:ext>
+            </a:extLst>
+          </p:cNvPr>
+          <p:cNvSpPr/>
+          <p:nvPr/>
+        </p:nvSpPr>
+        <p:spPr>
+          <a:xfrm>
+            <a:off x="8315415" y="1311328"/>
+            <a:ext cx="217114" cy="219075"/>
+          </a:xfrm>
+          <a:prstGeom prst="ellipse">
+            <a:avLst/>
+          </a:prstGeom>
+          <a:solidFill>
+            <a:srgbClr val="4472C4"/>
+          </a:solidFill>
+          <a:ln>
+            <a:noFill/>
+          </a:ln>
+        </p:spPr>
+        <p:style>
+          <a:lnRef idx="2">
+            <a:schemeClr val="accent1">
+              <a:shade val="50000"/>
+            </a:schemeClr>
+          </a:lnRef>
+          <a:fillRef idx="1">
+            <a:schemeClr val="accent1"/>
+          </a:fillRef>
+          <a:effectRef idx="0">
+            <a:schemeClr val="accent1"/>
+          </a:effectRef>
+          <a:fontRef idx="minor">
+            <a:schemeClr val="lt1"/>
+          </a:fontRef>
+        </p:style>
+        <p:txBody>
+          <a:bodyPr rtlCol="0" anchor="ctr"/>
+          <a:lstStyle/>
+          <a:p>
+            <a:pPr algn="ctr"/>
+            <a:r>
+              <a:rPr lang="en-US" sz="1000" dirty="0">
+                <a:latin typeface="Helvetica" panose="020B0604020202020204" pitchFamily="34" charset="0"/>
+                <a:ea typeface="Yu Gothic UI Semilight" panose="020B0400000000000000" pitchFamily="34" charset="-128"/>
+                <a:cs typeface="Helvetica" panose="020B0604020202020204" pitchFamily="34" charset="0"/>
+              </a:rPr>
+              <a:t>1</a:t>
+            </a:r>
+          </a:p>
+        </p:txBody>
+      </p:sp>
+      <p:sp>
+        <p:nvSpPr>
+          <p:cNvPr id="8" name="Oval 7">
+            <a:extLst>
+              <a:ext uri="{FF2B5EF4-FFF2-40B4-BE49-F238E27FC236}">
+                <a16:creationId xmlns:a16="http://schemas.microsoft.com/office/drawing/2014/main" id="{A9B250D1-9B80-4629-ACFC-D04FA9FBB1D5}"/>
+              </a:ext>
+            </a:extLst>
+          </p:cNvPr>
+          <p:cNvSpPr/>
+          <p:nvPr/>
+        </p:nvSpPr>
+        <p:spPr>
+          <a:xfrm>
+            <a:off x="200449" y="2082400"/>
+            <a:ext cx="295275" cy="297942"/>
+          </a:xfrm>
+          <a:prstGeom prst="ellipse">
+            <a:avLst/>
+          </a:prstGeom>
+          <a:solidFill>
+            <a:srgbClr val="4472C4"/>
+          </a:solidFill>
+          <a:ln>
+            <a:noFill/>
+          </a:ln>
+        </p:spPr>
+        <p:style>
+          <a:lnRef idx="2">
+            <a:schemeClr val="accent1">
+              <a:shade val="50000"/>
+            </a:schemeClr>
+          </a:lnRef>
+          <a:fillRef idx="1">
+            <a:schemeClr val="accent1"/>
+          </a:fillRef>
+          <a:effectRef idx="0">
+            <a:schemeClr val="accent1"/>
+          </a:effectRef>
+          <a:fontRef idx="minor">
+            <a:schemeClr val="lt1"/>
+          </a:fontRef>
+        </p:style>
+        <p:txBody>
+          <a:bodyPr rtlCol="0" anchor="ctr"/>
+          <a:lstStyle/>
+          <a:p>
+            <a:pPr algn="ctr"/>
+            <a:r>
+              <a:rPr lang="en-US" sz="1400" dirty="0">
+                <a:latin typeface="Helvetica" panose="020B0604020202020204" pitchFamily="34" charset="0"/>
+                <a:ea typeface="Yu Gothic UI Semilight" panose="020B0400000000000000" pitchFamily="34" charset="-128"/>
+                <a:cs typeface="Helvetica" panose="020B0604020202020204" pitchFamily="34" charset="0"/>
+              </a:rPr>
+              <a:t>2</a:t>
+            </a:r>
+          </a:p>
+        </p:txBody>
+      </p:sp>
+      <p:sp>
+        <p:nvSpPr>
+          <p:cNvPr id="9" name="Oval 8">
+            <a:extLst>
+              <a:ext uri="{FF2B5EF4-FFF2-40B4-BE49-F238E27FC236}">
+                <a16:creationId xmlns:a16="http://schemas.microsoft.com/office/drawing/2014/main" id="{1FF1D441-543C-422A-B9A7-21670505CF65}"/>
+              </a:ext>
+            </a:extLst>
+          </p:cNvPr>
+          <p:cNvSpPr/>
+          <p:nvPr/>
+        </p:nvSpPr>
+        <p:spPr>
+          <a:xfrm>
+            <a:off x="200449" y="2713793"/>
+            <a:ext cx="295275" cy="297942"/>
+          </a:xfrm>
+          <a:prstGeom prst="ellipse">
+            <a:avLst/>
+          </a:prstGeom>
+          <a:solidFill>
+            <a:srgbClr val="4472C4"/>
+          </a:solidFill>
+          <a:ln>
+            <a:noFill/>
+          </a:ln>
+        </p:spPr>
+        <p:style>
+          <a:lnRef idx="2">
+            <a:schemeClr val="accent1">
+              <a:shade val="50000"/>
+            </a:schemeClr>
+          </a:lnRef>
+          <a:fillRef idx="1">
+            <a:schemeClr val="accent1"/>
+          </a:fillRef>
+          <a:effectRef idx="0">
+            <a:schemeClr val="accent1"/>
+          </a:effectRef>
+          <a:fontRef idx="minor">
+            <a:schemeClr val="lt1"/>
+          </a:fontRef>
+        </p:style>
+        <p:txBody>
+          <a:bodyPr rtlCol="0" anchor="ctr"/>
+          <a:lstStyle/>
+          <a:p>
+            <a:pPr algn="ctr"/>
+            <a:r>
+              <a:rPr lang="en-US" sz="1400" dirty="0">
+                <a:latin typeface="Helvetica" panose="020B0604020202020204" pitchFamily="34" charset="0"/>
+                <a:ea typeface="Yu Gothic UI Semilight" panose="020B0400000000000000" pitchFamily="34" charset="-128"/>
+                <a:cs typeface="Helvetica" panose="020B0604020202020204" pitchFamily="34" charset="0"/>
+              </a:rPr>
+              <a:t>3</a:t>
+            </a:r>
+          </a:p>
+        </p:txBody>
+      </p:sp>
+      <p:sp>
+        <p:nvSpPr>
+          <p:cNvPr id="10" name="Oval 9">
+            <a:extLst>
+              <a:ext uri="{FF2B5EF4-FFF2-40B4-BE49-F238E27FC236}">
+                <a16:creationId xmlns:a16="http://schemas.microsoft.com/office/drawing/2014/main" id="{77DAEC89-2A6C-4C70-A16D-886C64AE362F}"/>
+              </a:ext>
+            </a:extLst>
+          </p:cNvPr>
+          <p:cNvSpPr/>
+          <p:nvPr/>
+        </p:nvSpPr>
+        <p:spPr>
+          <a:xfrm>
+            <a:off x="200449" y="3342433"/>
+            <a:ext cx="295275" cy="297942"/>
+          </a:xfrm>
+          <a:prstGeom prst="ellipse">
+            <a:avLst/>
+          </a:prstGeom>
+          <a:solidFill>
+            <a:srgbClr val="4472C4"/>
+          </a:solidFill>
+          <a:ln>
+            <a:noFill/>
+          </a:ln>
+        </p:spPr>
+        <p:style>
+          <a:lnRef idx="2">
+            <a:schemeClr val="accent1">
+              <a:shade val="50000"/>
+            </a:schemeClr>
+          </a:lnRef>
+          <a:fillRef idx="1">
+            <a:schemeClr val="accent1"/>
+          </a:fillRef>
+          <a:effectRef idx="0">
+            <a:schemeClr val="accent1"/>
+          </a:effectRef>
+          <a:fontRef idx="minor">
+            <a:schemeClr val="lt1"/>
+          </a:fontRef>
+        </p:style>
+        <p:txBody>
+          <a:bodyPr rtlCol="0" anchor="ctr"/>
+          <a:lstStyle/>
+          <a:p>
+            <a:pPr algn="ctr"/>
+            <a:r>
+              <a:rPr lang="en-US" sz="1400" dirty="0">
+                <a:latin typeface="Helvetica" panose="020B0604020202020204" pitchFamily="34" charset="0"/>
+                <a:ea typeface="Yu Gothic UI Semilight" panose="020B0400000000000000" pitchFamily="34" charset="-128"/>
+                <a:cs typeface="Helvetica" panose="020B0604020202020204" pitchFamily="34" charset="0"/>
+              </a:rPr>
+              <a:t>4</a:t>
+            </a:r>
+          </a:p>
+        </p:txBody>
+      </p:sp>
+      <p:sp>
+        <p:nvSpPr>
+          <p:cNvPr id="11" name="Oval 10">
+            <a:extLst>
+              <a:ext uri="{FF2B5EF4-FFF2-40B4-BE49-F238E27FC236}">
+                <a16:creationId xmlns:a16="http://schemas.microsoft.com/office/drawing/2014/main" id="{4A0A3D76-351B-4166-9BAB-C9130C9AED31}"/>
+              </a:ext>
+            </a:extLst>
+          </p:cNvPr>
+          <p:cNvSpPr/>
+          <p:nvPr/>
+        </p:nvSpPr>
+        <p:spPr>
+          <a:xfrm>
+            <a:off x="200449" y="3865458"/>
+            <a:ext cx="295275" cy="297942"/>
+          </a:xfrm>
+          <a:prstGeom prst="ellipse">
+            <a:avLst/>
+          </a:prstGeom>
+          <a:solidFill>
+            <a:srgbClr val="4472C4"/>
+          </a:solidFill>
+          <a:ln>
+            <a:noFill/>
+          </a:ln>
+        </p:spPr>
+        <p:style>
+          <a:lnRef idx="2">
+            <a:schemeClr val="accent1">
+              <a:shade val="50000"/>
+            </a:schemeClr>
+          </a:lnRef>
+          <a:fillRef idx="1">
+            <a:schemeClr val="accent1"/>
+          </a:fillRef>
+          <a:effectRef idx="0">
+            <a:schemeClr val="accent1"/>
+          </a:effectRef>
+          <a:fontRef idx="minor">
+            <a:schemeClr val="lt1"/>
+          </a:fontRef>
+        </p:style>
+        <p:txBody>
+          <a:bodyPr rtlCol="0" anchor="ctr"/>
+          <a:lstStyle/>
+          <a:p>
+            <a:pPr algn="ctr"/>
+            <a:r>
+              <a:rPr lang="en-US" sz="1400" dirty="0">
+                <a:latin typeface="Helvetica" panose="020B0604020202020204" pitchFamily="34" charset="0"/>
+                <a:ea typeface="Yu Gothic UI Semilight" panose="020B0400000000000000" pitchFamily="34" charset="-128"/>
+                <a:cs typeface="Helvetica" panose="020B0604020202020204" pitchFamily="34" charset="0"/>
+              </a:rPr>
+              <a:t>5</a:t>
+            </a:r>
+          </a:p>
+        </p:txBody>
+      </p:sp>
+      <p:sp>
+        <p:nvSpPr>
+          <p:cNvPr id="12" name="Oval 11">
+            <a:extLst>
+              <a:ext uri="{FF2B5EF4-FFF2-40B4-BE49-F238E27FC236}">
+                <a16:creationId xmlns:a16="http://schemas.microsoft.com/office/drawing/2014/main" id="{D25E09CE-71BA-4330-8A29-9A3B3520347D}"/>
+              </a:ext>
+            </a:extLst>
+          </p:cNvPr>
+          <p:cNvSpPr/>
+          <p:nvPr/>
+        </p:nvSpPr>
+        <p:spPr>
+          <a:xfrm>
+            <a:off x="200449" y="4388483"/>
+            <a:ext cx="295275" cy="297942"/>
+          </a:xfrm>
+          <a:prstGeom prst="ellipse">
+            <a:avLst/>
+          </a:prstGeom>
+          <a:solidFill>
+            <a:srgbClr val="4472C4"/>
+          </a:solidFill>
+          <a:ln>
+            <a:noFill/>
+          </a:ln>
+        </p:spPr>
+        <p:style>
+          <a:lnRef idx="2">
+            <a:schemeClr val="accent1">
+              <a:shade val="50000"/>
+            </a:schemeClr>
+          </a:lnRef>
+          <a:fillRef idx="1">
+            <a:schemeClr val="accent1"/>
+          </a:fillRef>
+          <a:effectRef idx="0">
+            <a:schemeClr val="accent1"/>
+          </a:effectRef>
+          <a:fontRef idx="minor">
+            <a:schemeClr val="lt1"/>
+          </a:fontRef>
+        </p:style>
+        <p:txBody>
+          <a:bodyPr rtlCol="0" anchor="ctr"/>
+          <a:lstStyle/>
+          <a:p>
+            <a:pPr algn="ctr"/>
+            <a:r>
+              <a:rPr lang="en-US" sz="1400" dirty="0">
+                <a:latin typeface="Helvetica" panose="020B0604020202020204" pitchFamily="34" charset="0"/>
+                <a:ea typeface="Yu Gothic UI Semilight" panose="020B0400000000000000" pitchFamily="34" charset="-128"/>
+                <a:cs typeface="Helvetica" panose="020B0604020202020204" pitchFamily="34" charset="0"/>
+              </a:rPr>
+              <a:t>6</a:t>
+            </a:r>
+          </a:p>
+        </p:txBody>
+      </p:sp>
+      <p:sp>
+        <p:nvSpPr>
+          <p:cNvPr id="14" name="Oval 13">
+            <a:extLst>
+              <a:ext uri="{FF2B5EF4-FFF2-40B4-BE49-F238E27FC236}">
+                <a16:creationId xmlns:a16="http://schemas.microsoft.com/office/drawing/2014/main" id="{840CED94-3CAA-4540-8158-0E22CF97C896}"/>
+              </a:ext>
+            </a:extLst>
+          </p:cNvPr>
+          <p:cNvSpPr/>
+          <p:nvPr/>
+        </p:nvSpPr>
+        <p:spPr>
+          <a:xfrm>
+            <a:off x="203020" y="5029655"/>
+            <a:ext cx="295275" cy="297942"/>
+          </a:xfrm>
+          <a:prstGeom prst="ellipse">
+            <a:avLst/>
+          </a:prstGeom>
+          <a:solidFill>
+            <a:srgbClr val="4472C4"/>
+          </a:solidFill>
+          <a:ln>
+            <a:noFill/>
+          </a:ln>
+        </p:spPr>
+        <p:style>
+          <a:lnRef idx="2">
+            <a:schemeClr val="accent1">
+              <a:shade val="50000"/>
+            </a:schemeClr>
+          </a:lnRef>
+          <a:fillRef idx="1">
+            <a:schemeClr val="accent1"/>
+          </a:fillRef>
+          <a:effectRef idx="0">
+            <a:schemeClr val="accent1"/>
+          </a:effectRef>
+          <a:fontRef idx="minor">
+            <a:schemeClr val="lt1"/>
+          </a:fontRef>
+        </p:style>
+        <p:txBody>
+          <a:bodyPr rtlCol="0" anchor="ctr"/>
+          <a:lstStyle/>
+          <a:p>
+            <a:pPr algn="ctr"/>
+            <a:r>
+              <a:rPr lang="en-US" sz="1400" dirty="0">
+                <a:latin typeface="Helvetica" panose="020B0604020202020204" pitchFamily="34" charset="0"/>
+                <a:ea typeface="Yu Gothic UI Semilight" panose="020B0400000000000000" pitchFamily="34" charset="-128"/>
+                <a:cs typeface="Helvetica" panose="020B0604020202020204" pitchFamily="34" charset="0"/>
+              </a:rPr>
+              <a:t>7</a:t>
+            </a:r>
+          </a:p>
+        </p:txBody>
+      </p:sp>
+      <p:sp>
+        <p:nvSpPr>
+          <p:cNvPr id="15" name="Oval 14">
+            <a:extLst>
+              <a:ext uri="{FF2B5EF4-FFF2-40B4-BE49-F238E27FC236}">
+                <a16:creationId xmlns:a16="http://schemas.microsoft.com/office/drawing/2014/main" id="{7A062BA1-9DE7-449E-8B2D-70F7BF7A344C}"/>
+              </a:ext>
+            </a:extLst>
+          </p:cNvPr>
+          <p:cNvSpPr/>
+          <p:nvPr/>
+        </p:nvSpPr>
+        <p:spPr>
+          <a:xfrm>
+            <a:off x="200449" y="5670827"/>
+            <a:ext cx="295275" cy="297942"/>
+          </a:xfrm>
+          <a:prstGeom prst="ellipse">
+            <a:avLst/>
+          </a:prstGeom>
+          <a:solidFill>
+            <a:srgbClr val="4472C4"/>
+          </a:solidFill>
+          <a:ln>
+            <a:noFill/>
+          </a:ln>
+        </p:spPr>
+        <p:style>
+          <a:lnRef idx="2">
+            <a:schemeClr val="accent1">
+              <a:shade val="50000"/>
+            </a:schemeClr>
+          </a:lnRef>
+          <a:fillRef idx="1">
+            <a:schemeClr val="accent1"/>
+          </a:fillRef>
+          <a:effectRef idx="0">
+            <a:schemeClr val="accent1"/>
+          </a:effectRef>
+          <a:fontRef idx="minor">
+            <a:schemeClr val="lt1"/>
+          </a:fontRef>
+        </p:style>
+        <p:txBody>
+          <a:bodyPr rtlCol="0" anchor="ctr"/>
+          <a:lstStyle/>
+          <a:p>
+            <a:pPr algn="ctr"/>
+            <a:r>
+              <a:rPr lang="en-US" sz="1400" dirty="0">
+                <a:latin typeface="Helvetica" panose="020B0604020202020204" pitchFamily="34" charset="0"/>
+                <a:ea typeface="Yu Gothic UI Semilight" panose="020B0400000000000000" pitchFamily="34" charset="-128"/>
+                <a:cs typeface="Helvetica" panose="020B0604020202020204" pitchFamily="34" charset="0"/>
+              </a:rPr>
+              <a:t>8</a:t>
+            </a:r>
+          </a:p>
+        </p:txBody>
+      </p:sp>
+      <p:sp>
+        <p:nvSpPr>
+          <p:cNvPr id="16" name="Oval 15">
+            <a:extLst>
+              <a:ext uri="{FF2B5EF4-FFF2-40B4-BE49-F238E27FC236}">
+                <a16:creationId xmlns:a16="http://schemas.microsoft.com/office/drawing/2014/main" id="{1FA3382D-771E-4799-9654-DBD0A54AB503}"/>
+              </a:ext>
+            </a:extLst>
+          </p:cNvPr>
+          <p:cNvSpPr/>
+          <p:nvPr/>
+        </p:nvSpPr>
+        <p:spPr>
+          <a:xfrm>
+            <a:off x="10269982" y="978408"/>
+            <a:ext cx="217114" cy="219075"/>
+          </a:xfrm>
+          <a:prstGeom prst="ellipse">
+            <a:avLst/>
+          </a:prstGeom>
+          <a:solidFill>
+            <a:srgbClr val="4472C4"/>
+          </a:solidFill>
+          <a:ln>
+            <a:noFill/>
+          </a:ln>
+        </p:spPr>
+        <p:style>
+          <a:lnRef idx="2">
+            <a:schemeClr val="accent1">
+              <a:shade val="50000"/>
+            </a:schemeClr>
+          </a:lnRef>
+          <a:fillRef idx="1">
+            <a:schemeClr val="accent1"/>
+          </a:fillRef>
+          <a:effectRef idx="0">
+            <a:schemeClr val="accent1"/>
+          </a:effectRef>
+          <a:fontRef idx="minor">
+            <a:schemeClr val="lt1"/>
+          </a:fontRef>
+        </p:style>
+        <p:txBody>
+          <a:bodyPr rtlCol="0" anchor="ctr"/>
+          <a:lstStyle/>
+          <a:p>
+            <a:pPr algn="ctr"/>
+            <a:r>
+              <a:rPr lang="en-US" sz="1000" dirty="0">
+                <a:latin typeface="Helvetica" panose="020B0604020202020204" pitchFamily="34" charset="0"/>
+                <a:ea typeface="Yu Gothic UI Semilight" panose="020B0400000000000000" pitchFamily="34" charset="-128"/>
+                <a:cs typeface="Helvetica" panose="020B0604020202020204" pitchFamily="34" charset="0"/>
+              </a:rPr>
+              <a:t>2</a:t>
+            </a:r>
+          </a:p>
+        </p:txBody>
+      </p:sp>
+      <p:cxnSp>
+        <p:nvCxnSpPr>
+          <p:cNvPr id="4" name="Straight Connector 3">
+            <a:extLst>
+              <a:ext uri="{FF2B5EF4-FFF2-40B4-BE49-F238E27FC236}">
+                <a16:creationId xmlns:a16="http://schemas.microsoft.com/office/drawing/2014/main" id="{5BADD94B-35C2-498C-9B2F-051FA7AA33A9}"/>
+              </a:ext>
+            </a:extLst>
+          </p:cNvPr>
+          <p:cNvCxnSpPr/>
+          <p:nvPr/>
+        </p:nvCxnSpPr>
+        <p:spPr>
+          <a:xfrm>
+            <a:off x="9818703" y="1197483"/>
+            <a:ext cx="559836" cy="0"/>
+          </a:xfrm>
+          <a:prstGeom prst="line">
+            <a:avLst/>
+          </a:prstGeom>
+        </p:spPr>
+        <p:style>
+          <a:lnRef idx="1">
+            <a:schemeClr val="accent1"/>
+          </a:lnRef>
+          <a:fillRef idx="0">
+            <a:schemeClr val="accent1"/>
+          </a:fillRef>
+          <a:effectRef idx="0">
+            <a:schemeClr val="accent1"/>
+          </a:effectRef>
+          <a:fontRef idx="minor">
+            <a:schemeClr val="tx1"/>
+          </a:fontRef>
+        </p:style>
+      </p:cxnSp>
+      <p:cxnSp>
+        <p:nvCxnSpPr>
+          <p:cNvPr id="18" name="Straight Connector 17">
+            <a:extLst>
+              <a:ext uri="{FF2B5EF4-FFF2-40B4-BE49-F238E27FC236}">
+                <a16:creationId xmlns:a16="http://schemas.microsoft.com/office/drawing/2014/main" id="{368EB606-BB19-41B0-961C-4D6596F0B53E}"/>
+              </a:ext>
+            </a:extLst>
+          </p:cNvPr>
+          <p:cNvCxnSpPr>
+            <a:cxnSpLocks/>
+          </p:cNvCxnSpPr>
+          <p:nvPr/>
+        </p:nvCxnSpPr>
+        <p:spPr>
+          <a:xfrm>
+            <a:off x="10378539" y="1197483"/>
+            <a:ext cx="629772" cy="0"/>
+          </a:xfrm>
+          <a:prstGeom prst="line">
+            <a:avLst/>
+          </a:prstGeom>
+        </p:spPr>
+        <p:style>
+          <a:lnRef idx="1">
+            <a:schemeClr val="accent1"/>
+          </a:lnRef>
+          <a:fillRef idx="0">
+            <a:schemeClr val="accent1"/>
+          </a:fillRef>
+          <a:effectRef idx="0">
+            <a:schemeClr val="accent1"/>
+          </a:effectRef>
+          <a:fontRef idx="minor">
+            <a:schemeClr val="tx1"/>
+          </a:fontRef>
+        </p:style>
+      </p:cxnSp>
+      <p:sp>
+        <p:nvSpPr>
+          <p:cNvPr id="20" name="Oval 19">
+            <a:extLst>
+              <a:ext uri="{FF2B5EF4-FFF2-40B4-BE49-F238E27FC236}">
+                <a16:creationId xmlns:a16="http://schemas.microsoft.com/office/drawing/2014/main" id="{9BD78DFD-661C-4C90-B1E6-D93C5FC716B6}"/>
+              </a:ext>
+            </a:extLst>
+          </p:cNvPr>
+          <p:cNvSpPr/>
+          <p:nvPr/>
+        </p:nvSpPr>
+        <p:spPr>
+          <a:xfrm>
+            <a:off x="6667128" y="2753226"/>
+            <a:ext cx="217114" cy="219075"/>
+          </a:xfrm>
+          <a:prstGeom prst="ellipse">
+            <a:avLst/>
+          </a:prstGeom>
+          <a:solidFill>
+            <a:srgbClr val="4472C4"/>
+          </a:solidFill>
+          <a:ln>
+            <a:noFill/>
+          </a:ln>
+        </p:spPr>
+        <p:style>
+          <a:lnRef idx="2">
+            <a:schemeClr val="accent1">
+              <a:shade val="50000"/>
+            </a:schemeClr>
+          </a:lnRef>
+          <a:fillRef idx="1">
+            <a:schemeClr val="accent1"/>
+          </a:fillRef>
+          <a:effectRef idx="0">
+            <a:schemeClr val="accent1"/>
+          </a:effectRef>
+          <a:fontRef idx="minor">
+            <a:schemeClr val="lt1"/>
+          </a:fontRef>
+        </p:style>
+        <p:txBody>
+          <a:bodyPr rtlCol="0" anchor="ctr"/>
+          <a:lstStyle/>
+          <a:p>
+            <a:pPr algn="ctr"/>
+            <a:r>
+              <a:rPr lang="en-US" sz="1000" dirty="0">
+                <a:latin typeface="Helvetica" panose="020B0604020202020204" pitchFamily="34" charset="0"/>
+                <a:ea typeface="Yu Gothic UI Semilight" panose="020B0400000000000000" pitchFamily="34" charset="-128"/>
+                <a:cs typeface="Helvetica" panose="020B0604020202020204" pitchFamily="34" charset="0"/>
+              </a:rPr>
+              <a:t>3</a:t>
+            </a:r>
+          </a:p>
+        </p:txBody>
+      </p:sp>
+      <p:sp>
+        <p:nvSpPr>
+          <p:cNvPr id="21" name="Oval 20">
+            <a:extLst>
+              <a:ext uri="{FF2B5EF4-FFF2-40B4-BE49-F238E27FC236}">
+                <a16:creationId xmlns:a16="http://schemas.microsoft.com/office/drawing/2014/main" id="{E2806A78-9E87-47C6-9C9C-6B5039F48CD2}"/>
+              </a:ext>
+            </a:extLst>
+          </p:cNvPr>
+          <p:cNvSpPr/>
+          <p:nvPr/>
+        </p:nvSpPr>
+        <p:spPr>
+          <a:xfrm>
+            <a:off x="10272550" y="2375592"/>
+            <a:ext cx="217114" cy="219075"/>
+          </a:xfrm>
+          <a:prstGeom prst="ellipse">
+            <a:avLst/>
+          </a:prstGeom>
+          <a:solidFill>
+            <a:srgbClr val="4472C4"/>
+          </a:solidFill>
+          <a:ln>
+            <a:noFill/>
+          </a:ln>
+        </p:spPr>
+        <p:style>
+          <a:lnRef idx="2">
+            <a:schemeClr val="accent1">
+              <a:shade val="50000"/>
+            </a:schemeClr>
+          </a:lnRef>
+          <a:fillRef idx="1">
+            <a:schemeClr val="accent1"/>
+          </a:fillRef>
+          <a:effectRef idx="0">
+            <a:schemeClr val="accent1"/>
+          </a:effectRef>
+          <a:fontRef idx="minor">
+            <a:schemeClr val="lt1"/>
+          </a:fontRef>
+        </p:style>
+        <p:txBody>
+          <a:bodyPr rtlCol="0" anchor="ctr"/>
+          <a:lstStyle/>
+          <a:p>
+            <a:pPr algn="ctr"/>
+            <a:r>
+              <a:rPr lang="en-US" sz="1000" dirty="0">
+                <a:latin typeface="Helvetica" panose="020B0604020202020204" pitchFamily="34" charset="0"/>
+                <a:ea typeface="Yu Gothic UI Semilight" panose="020B0400000000000000" pitchFamily="34" charset="-128"/>
+                <a:cs typeface="Helvetica" panose="020B0604020202020204" pitchFamily="34" charset="0"/>
+              </a:rPr>
+              <a:t>4</a:t>
+            </a:r>
+          </a:p>
+        </p:txBody>
+      </p:sp>
+      <p:cxnSp>
+        <p:nvCxnSpPr>
+          <p:cNvPr id="22" name="Straight Connector 21">
+            <a:extLst>
+              <a:ext uri="{FF2B5EF4-FFF2-40B4-BE49-F238E27FC236}">
+                <a16:creationId xmlns:a16="http://schemas.microsoft.com/office/drawing/2014/main" id="{AEF1764F-257C-450D-90FF-E5FA52C1B20C}"/>
+              </a:ext>
+            </a:extLst>
+          </p:cNvPr>
+          <p:cNvCxnSpPr/>
+          <p:nvPr/>
+        </p:nvCxnSpPr>
+        <p:spPr>
+          <a:xfrm>
+            <a:off x="9818703" y="2592140"/>
+            <a:ext cx="559836" cy="0"/>
+          </a:xfrm>
+          <a:prstGeom prst="line">
+            <a:avLst/>
+          </a:prstGeom>
+        </p:spPr>
+        <p:style>
+          <a:lnRef idx="1">
+            <a:schemeClr val="accent1"/>
+          </a:lnRef>
+          <a:fillRef idx="0">
+            <a:schemeClr val="accent1"/>
+          </a:fillRef>
+          <a:effectRef idx="0">
+            <a:schemeClr val="accent1"/>
+          </a:effectRef>
+          <a:fontRef idx="minor">
+            <a:schemeClr val="tx1"/>
+          </a:fontRef>
+        </p:style>
+      </p:cxnSp>
+      <p:cxnSp>
+        <p:nvCxnSpPr>
+          <p:cNvPr id="23" name="Straight Connector 22">
+            <a:extLst>
+              <a:ext uri="{FF2B5EF4-FFF2-40B4-BE49-F238E27FC236}">
+                <a16:creationId xmlns:a16="http://schemas.microsoft.com/office/drawing/2014/main" id="{5AB79A87-224F-448E-83B5-00DC016AE3C8}"/>
+              </a:ext>
+            </a:extLst>
+          </p:cNvPr>
+          <p:cNvCxnSpPr>
+            <a:cxnSpLocks/>
+          </p:cNvCxnSpPr>
+          <p:nvPr/>
+        </p:nvCxnSpPr>
+        <p:spPr>
+          <a:xfrm>
+            <a:off x="10378539" y="2592140"/>
+            <a:ext cx="629772" cy="0"/>
+          </a:xfrm>
+          <a:prstGeom prst="line">
+            <a:avLst/>
+          </a:prstGeom>
+        </p:spPr>
+        <p:style>
+          <a:lnRef idx="1">
+            <a:schemeClr val="accent1"/>
+          </a:lnRef>
+          <a:fillRef idx="0">
+            <a:schemeClr val="accent1"/>
+          </a:fillRef>
+          <a:effectRef idx="0">
+            <a:schemeClr val="accent1"/>
+          </a:effectRef>
+          <a:fontRef idx="minor">
+            <a:schemeClr val="tx1"/>
+          </a:fontRef>
+        </p:style>
+      </p:cxnSp>
+      <p:sp>
+        <p:nvSpPr>
+          <p:cNvPr id="24" name="Oval 23">
+            <a:extLst>
+              <a:ext uri="{FF2B5EF4-FFF2-40B4-BE49-F238E27FC236}">
+                <a16:creationId xmlns:a16="http://schemas.microsoft.com/office/drawing/2014/main" id="{1869E11B-D057-4D0D-A237-63C4F9211856}"/>
+              </a:ext>
+            </a:extLst>
+          </p:cNvPr>
+          <p:cNvSpPr/>
+          <p:nvPr/>
+        </p:nvSpPr>
+        <p:spPr>
+          <a:xfrm>
+            <a:off x="7007047" y="4278945"/>
+            <a:ext cx="217114" cy="219075"/>
+          </a:xfrm>
+          <a:prstGeom prst="ellipse">
+            <a:avLst/>
+          </a:prstGeom>
+          <a:solidFill>
+            <a:srgbClr val="4472C4"/>
+          </a:solidFill>
+          <a:ln>
+            <a:noFill/>
+          </a:ln>
+        </p:spPr>
+        <p:style>
+          <a:lnRef idx="2">
+            <a:schemeClr val="accent1">
+              <a:shade val="50000"/>
+            </a:schemeClr>
+          </a:lnRef>
+          <a:fillRef idx="1">
+            <a:schemeClr val="accent1"/>
+          </a:fillRef>
+          <a:effectRef idx="0">
+            <a:schemeClr val="accent1"/>
+          </a:effectRef>
+          <a:fontRef idx="minor">
+            <a:schemeClr val="lt1"/>
+          </a:fontRef>
+        </p:style>
+        <p:txBody>
+          <a:bodyPr rtlCol="0" anchor="ctr"/>
+          <a:lstStyle/>
+          <a:p>
+            <a:pPr algn="ctr"/>
+            <a:r>
+              <a:rPr lang="en-US" sz="1000" dirty="0">
+                <a:latin typeface="Helvetica" panose="020B0604020202020204" pitchFamily="34" charset="0"/>
+                <a:ea typeface="Yu Gothic UI Semilight" panose="020B0400000000000000" pitchFamily="34" charset="-128"/>
+                <a:cs typeface="Helvetica" panose="020B0604020202020204" pitchFamily="34" charset="0"/>
+              </a:rPr>
+              <a:t>5</a:t>
+            </a:r>
+          </a:p>
+        </p:txBody>
+      </p:sp>
+      <p:sp>
+        <p:nvSpPr>
+          <p:cNvPr id="25" name="Oval 24">
+            <a:extLst>
+              <a:ext uri="{FF2B5EF4-FFF2-40B4-BE49-F238E27FC236}">
+                <a16:creationId xmlns:a16="http://schemas.microsoft.com/office/drawing/2014/main" id="{6929B61F-87C0-4A5A-96D3-9A927FC17E37}"/>
+              </a:ext>
+            </a:extLst>
+          </p:cNvPr>
+          <p:cNvSpPr/>
+          <p:nvPr/>
+        </p:nvSpPr>
+        <p:spPr>
+          <a:xfrm>
+            <a:off x="9818703" y="4169407"/>
+            <a:ext cx="217114" cy="219075"/>
+          </a:xfrm>
+          <a:prstGeom prst="ellipse">
+            <a:avLst/>
+          </a:prstGeom>
+          <a:solidFill>
+            <a:srgbClr val="4472C4"/>
+          </a:solidFill>
+          <a:ln>
+            <a:noFill/>
+          </a:ln>
+        </p:spPr>
+        <p:style>
+          <a:lnRef idx="2">
+            <a:schemeClr val="accent1">
+              <a:shade val="50000"/>
+            </a:schemeClr>
+          </a:lnRef>
+          <a:fillRef idx="1">
+            <a:schemeClr val="accent1"/>
+          </a:fillRef>
+          <a:effectRef idx="0">
+            <a:schemeClr val="accent1"/>
+          </a:effectRef>
+          <a:fontRef idx="minor">
+            <a:schemeClr val="lt1"/>
+          </a:fontRef>
+        </p:style>
+        <p:txBody>
+          <a:bodyPr rtlCol="0" anchor="ctr"/>
+          <a:lstStyle/>
+          <a:p>
+            <a:pPr algn="ctr"/>
+            <a:r>
+              <a:rPr lang="en-US" sz="1000" dirty="0">
+                <a:latin typeface="Helvetica" panose="020B0604020202020204" pitchFamily="34" charset="0"/>
+                <a:ea typeface="Yu Gothic UI Semilight" panose="020B0400000000000000" pitchFamily="34" charset="-128"/>
+                <a:cs typeface="Helvetica" panose="020B0604020202020204" pitchFamily="34" charset="0"/>
+              </a:rPr>
+              <a:t>6</a:t>
+            </a:r>
+          </a:p>
+        </p:txBody>
+      </p:sp>
+      <p:sp>
+        <p:nvSpPr>
+          <p:cNvPr id="26" name="Oval 25">
+            <a:extLst>
+              <a:ext uri="{FF2B5EF4-FFF2-40B4-BE49-F238E27FC236}">
+                <a16:creationId xmlns:a16="http://schemas.microsoft.com/office/drawing/2014/main" id="{1E343734-35B1-424D-B625-7D7E9C2F3EAF}"/>
+              </a:ext>
+            </a:extLst>
+          </p:cNvPr>
+          <p:cNvSpPr/>
+          <p:nvPr/>
+        </p:nvSpPr>
+        <p:spPr>
+          <a:xfrm>
+            <a:off x="7557464" y="5433857"/>
+            <a:ext cx="217114" cy="219075"/>
+          </a:xfrm>
+          <a:prstGeom prst="ellipse">
+            <a:avLst/>
+          </a:prstGeom>
+          <a:solidFill>
+            <a:srgbClr val="4472C4"/>
+          </a:solidFill>
+          <a:ln>
+            <a:noFill/>
+          </a:ln>
+        </p:spPr>
+        <p:style>
+          <a:lnRef idx="2">
+            <a:schemeClr val="accent1">
+              <a:shade val="50000"/>
+            </a:schemeClr>
+          </a:lnRef>
+          <a:fillRef idx="1">
+            <a:schemeClr val="accent1"/>
+          </a:fillRef>
+          <a:effectRef idx="0">
+            <a:schemeClr val="accent1"/>
+          </a:effectRef>
+          <a:fontRef idx="minor">
+            <a:schemeClr val="lt1"/>
+          </a:fontRef>
+        </p:style>
+        <p:txBody>
+          <a:bodyPr rtlCol="0" anchor="ctr"/>
+          <a:lstStyle/>
+          <a:p>
+            <a:pPr algn="ctr"/>
+            <a:r>
+              <a:rPr lang="en-US" sz="1000" dirty="0">
+                <a:latin typeface="Helvetica" panose="020B0604020202020204" pitchFamily="34" charset="0"/>
+                <a:ea typeface="Yu Gothic UI Semilight" panose="020B0400000000000000" pitchFamily="34" charset="-128"/>
+                <a:cs typeface="Helvetica" panose="020B0604020202020204" pitchFamily="34" charset="0"/>
+              </a:rPr>
+              <a:t>7</a:t>
+            </a:r>
+          </a:p>
+        </p:txBody>
+      </p:sp>
+      <p:sp>
+        <p:nvSpPr>
+          <p:cNvPr id="27" name="Oval 26">
+            <a:extLst>
+              <a:ext uri="{FF2B5EF4-FFF2-40B4-BE49-F238E27FC236}">
+                <a16:creationId xmlns:a16="http://schemas.microsoft.com/office/drawing/2014/main" id="{C67A0B00-D4B2-4C53-B5B4-BCA50E3EA59F}"/>
+              </a:ext>
+            </a:extLst>
+          </p:cNvPr>
+          <p:cNvSpPr/>
+          <p:nvPr/>
+        </p:nvSpPr>
+        <p:spPr>
+          <a:xfrm>
+            <a:off x="10269982" y="5071007"/>
+            <a:ext cx="217114" cy="219075"/>
+          </a:xfrm>
+          <a:prstGeom prst="ellipse">
+            <a:avLst/>
+          </a:prstGeom>
+          <a:solidFill>
+            <a:srgbClr val="4472C4"/>
+          </a:solidFill>
+          <a:ln>
+            <a:noFill/>
+          </a:ln>
+        </p:spPr>
+        <p:style>
+          <a:lnRef idx="2">
+            <a:schemeClr val="accent1">
+              <a:shade val="50000"/>
+            </a:schemeClr>
+          </a:lnRef>
+          <a:fillRef idx="1">
+            <a:schemeClr val="accent1"/>
+          </a:fillRef>
+          <a:effectRef idx="0">
+            <a:schemeClr val="accent1"/>
+          </a:effectRef>
+          <a:fontRef idx="minor">
+            <a:schemeClr val="lt1"/>
+          </a:fontRef>
+        </p:style>
+        <p:txBody>
+          <a:bodyPr rtlCol="0" anchor="ctr"/>
+          <a:lstStyle/>
+          <a:p>
+            <a:pPr algn="ctr"/>
+            <a:r>
+              <a:rPr lang="en-US" sz="1000" dirty="0">
+                <a:latin typeface="Helvetica" panose="020B0604020202020204" pitchFamily="34" charset="0"/>
+                <a:ea typeface="Yu Gothic UI Semilight" panose="020B0400000000000000" pitchFamily="34" charset="-128"/>
+                <a:cs typeface="Helvetica" panose="020B0604020202020204" pitchFamily="34" charset="0"/>
+              </a:rPr>
+              <a:t>8</a:t>
+            </a:r>
+          </a:p>
+        </p:txBody>
+      </p:sp>
+      <p:cxnSp>
+        <p:nvCxnSpPr>
+          <p:cNvPr id="29" name="Straight Connector 28">
+            <a:extLst>
+              <a:ext uri="{FF2B5EF4-FFF2-40B4-BE49-F238E27FC236}">
+                <a16:creationId xmlns:a16="http://schemas.microsoft.com/office/drawing/2014/main" id="{3927EBDD-65CF-40FE-940D-0569EF23346B}"/>
+              </a:ext>
+            </a:extLst>
+          </p:cNvPr>
+          <p:cNvCxnSpPr/>
+          <p:nvPr/>
+        </p:nvCxnSpPr>
+        <p:spPr>
+          <a:xfrm flipV="1">
+            <a:off x="10035817" y="5290082"/>
+            <a:ext cx="342722" cy="37515"/>
+          </a:xfrm>
+          <a:prstGeom prst="line">
+            <a:avLst/>
+          </a:prstGeom>
+        </p:spPr>
+        <p:style>
+          <a:lnRef idx="1">
+            <a:schemeClr val="accent1"/>
+          </a:lnRef>
+          <a:fillRef idx="0">
+            <a:schemeClr val="accent1"/>
+          </a:fillRef>
+          <a:effectRef idx="0">
+            <a:schemeClr val="accent1"/>
+          </a:effectRef>
+          <a:fontRef idx="minor">
+            <a:schemeClr val="tx1"/>
+          </a:fontRef>
+        </p:style>
+      </p:cxnSp>
+      <p:cxnSp>
+        <p:nvCxnSpPr>
+          <p:cNvPr id="31" name="Straight Connector 30">
+            <a:extLst>
+              <a:ext uri="{FF2B5EF4-FFF2-40B4-BE49-F238E27FC236}">
+                <a16:creationId xmlns:a16="http://schemas.microsoft.com/office/drawing/2014/main" id="{10E6E6F6-9DD6-40FE-93BA-44D275D33507}"/>
+              </a:ext>
+            </a:extLst>
+          </p:cNvPr>
+          <p:cNvCxnSpPr>
+            <a:endCxn id="27" idx="4"/>
+          </p:cNvCxnSpPr>
+          <p:nvPr/>
+        </p:nvCxnSpPr>
+        <p:spPr>
+          <a:xfrm flipH="1">
+            <a:off x="10378539" y="5290082"/>
+            <a:ext cx="461096" cy="0"/>
+          </a:xfrm>
+          <a:prstGeom prst="line">
+            <a:avLst/>
+          </a:prstGeom>
+        </p:spPr>
+        <p:style>
+          <a:lnRef idx="1">
+            <a:schemeClr val="accent1"/>
+          </a:lnRef>
+          <a:fillRef idx="0">
+            <a:schemeClr val="accent1"/>
+          </a:fillRef>
+          <a:effectRef idx="0">
+            <a:schemeClr val="accent1"/>
+          </a:effectRef>
+          <a:fontRef idx="minor">
+            <a:schemeClr val="tx1"/>
+          </a:fontRef>
+        </p:style>
+      </p:cxnSp>
+      <p:cxnSp>
+        <p:nvCxnSpPr>
+          <p:cNvPr id="33" name="Straight Connector 32">
+            <a:extLst>
+              <a:ext uri="{FF2B5EF4-FFF2-40B4-BE49-F238E27FC236}">
+                <a16:creationId xmlns:a16="http://schemas.microsoft.com/office/drawing/2014/main" id="{9AB8A9DF-0B7F-4222-808C-B1B6B7812FAA}"/>
+              </a:ext>
+            </a:extLst>
+          </p:cNvPr>
+          <p:cNvCxnSpPr>
+            <a:cxnSpLocks/>
+            <a:endCxn id="27" idx="4"/>
+          </p:cNvCxnSpPr>
+          <p:nvPr/>
+        </p:nvCxnSpPr>
+        <p:spPr>
+          <a:xfrm flipH="1">
+            <a:off x="10378539" y="5234355"/>
+            <a:ext cx="762937" cy="55727"/>
+          </a:xfrm>
+          <a:prstGeom prst="line">
+            <a:avLst/>
+          </a:prstGeom>
+        </p:spPr>
+        <p:style>
+          <a:lnRef idx="1">
+            <a:schemeClr val="accent1"/>
+          </a:lnRef>
+          <a:fillRef idx="0">
+            <a:schemeClr val="accent1"/>
+          </a:fillRef>
+          <a:effectRef idx="0">
+            <a:schemeClr val="accent1"/>
+          </a:effectRef>
+          <a:fontRef idx="minor">
+            <a:schemeClr val="tx1"/>
+          </a:fontRef>
+        </p:style>
+      </p:cxnSp>
     </p:spTree>
     <p:extLst>
       <p:ext uri="{BB962C8B-B14F-4D97-AF65-F5344CB8AC3E}">
-        <p14:creationId xmlns:p14="http://schemas.microsoft.com/office/powerpoint/2010/main" val="2327290412"/>
+        <p14:creationId xmlns:p14="http://schemas.microsoft.com/office/powerpoint/2010/main" val="2994613480"/>
       </p:ext>
     </p:extLst>
   </p:cSld>
@@ -9497,7 +10609,7 @@
                 <a:latin typeface="Helvetica" panose="020B0604020202020204" pitchFamily="34" charset="0"/>
                 <a:cs typeface="Helvetica" panose="020B0604020202020204" pitchFamily="34" charset="0"/>
               </a:rPr>
-              <a:t>Employee Demographics - Work Environment(Continued)</a:t>
+              <a:t>Employee Demographics - Work Environment vs Attrition</a:t>
             </a:r>
           </a:p>
         </p:txBody>
@@ -9516,8 +10628,8 @@
         </p:nvSpPr>
         <p:spPr>
           <a:xfrm>
-            <a:off x="242401" y="821135"/>
-            <a:ext cx="5924264" cy="5170646"/>
+            <a:off x="447675" y="1324988"/>
+            <a:ext cx="4581525" cy="4585871"/>
           </a:xfrm>
           <a:prstGeom prst="rect">
             <a:avLst/>
@@ -9551,18 +10663,18 @@
           </a:p>
           <a:p>
             <a:r>
-              <a:rPr lang="en-US" sz="1400" dirty="0">
+              <a:rPr lang="en-US" sz="1600" dirty="0">
                 <a:solidFill>
                   <a:srgbClr val="333333"/>
                 </a:solidFill>
                 <a:latin typeface="Helvetica" panose="020B0604020202020204" pitchFamily="34" charset="0"/>
                 <a:cs typeface="Helvetica" panose="020B0604020202020204" pitchFamily="34" charset="0"/>
               </a:rPr>
-              <a:t>Approximately 71% of the employees rarely travel for work.</a:t>
-            </a:r>
-          </a:p>
-          <a:p>
-            <a:endParaRPr lang="en-US" sz="1400" dirty="0">
+              <a:t>Peak attrition occurs when the monthly income rate is about $2500.</a:t>
+            </a:r>
+          </a:p>
+          <a:p>
+            <a:endParaRPr lang="en-US" sz="1600" dirty="0">
               <a:solidFill>
                 <a:srgbClr val="333333"/>
               </a:solidFill>
@@ -9572,18 +10684,18 @@
           </a:p>
           <a:p>
             <a:r>
-              <a:rPr lang="en-US" sz="1400" dirty="0">
+              <a:rPr lang="en-US" sz="1600" dirty="0">
                 <a:solidFill>
                   <a:srgbClr val="333333"/>
                 </a:solidFill>
                 <a:latin typeface="Helvetica" panose="020B0604020202020204" pitchFamily="34" charset="0"/>
                 <a:cs typeface="Helvetica" panose="020B0604020202020204" pitchFamily="34" charset="0"/>
               </a:rPr>
-              <a:t>Approximately 30% of the employees rate environment satisfaction as high or very high.</a:t>
-            </a:r>
-          </a:p>
-          <a:p>
-            <a:endParaRPr lang="en-US" sz="1400" dirty="0">
+              <a:t>Peak attrition rate also occurs when the employee is with the company for approximately 0-2 years.</a:t>
+            </a:r>
+          </a:p>
+          <a:p>
+            <a:endParaRPr lang="en-US" sz="1600" dirty="0">
               <a:solidFill>
                 <a:srgbClr val="333333"/>
               </a:solidFill>
@@ -9593,18 +10705,18 @@
           </a:p>
           <a:p>
             <a:r>
-              <a:rPr lang="en-US" sz="1400" dirty="0">
+              <a:rPr lang="en-US" sz="1600" dirty="0">
                 <a:solidFill>
                   <a:srgbClr val="333333"/>
                 </a:solidFill>
                 <a:latin typeface="Helvetica" panose="020B0604020202020204" pitchFamily="34" charset="0"/>
                 <a:cs typeface="Helvetica" panose="020B0604020202020204" pitchFamily="34" charset="0"/>
               </a:rPr>
-              <a:t>Approximately 59% of the employees rated their job involvement at work as high.</a:t>
-            </a:r>
-          </a:p>
-          <a:p>
-            <a:endParaRPr lang="en-US" sz="1400" dirty="0">
+              <a:t>Attrition rate is higher when the employee is in the same role for 0-2 years or 6 years approximately, based off of the bi-modal nature of the graph.</a:t>
+            </a:r>
+          </a:p>
+          <a:p>
+            <a:endParaRPr lang="en-US" sz="1600" dirty="0">
               <a:solidFill>
                 <a:srgbClr val="333333"/>
               </a:solidFill>
@@ -9614,100 +10726,16 @@
           </a:p>
           <a:p>
             <a:r>
-              <a:rPr lang="en-US" sz="1400" dirty="0">
+              <a:rPr lang="en-US" sz="1600" dirty="0">
                 <a:solidFill>
                   <a:srgbClr val="333333"/>
                 </a:solidFill>
                 <a:latin typeface="Helvetica" panose="020B0604020202020204" pitchFamily="34" charset="0"/>
                 <a:cs typeface="Helvetica" panose="020B0604020202020204" pitchFamily="34" charset="0"/>
               </a:rPr>
-              <a:t>Approximately 30% of the employees rate job satisfaction as high or very high.</a:t>
-            </a:r>
-          </a:p>
-          <a:p>
-            <a:endParaRPr lang="en-US" sz="1400" dirty="0">
-              <a:solidFill>
-                <a:srgbClr val="333333"/>
-              </a:solidFill>
-              <a:latin typeface="Helvetica" panose="020B0604020202020204" pitchFamily="34" charset="0"/>
-              <a:cs typeface="Helvetica" panose="020B0604020202020204" pitchFamily="34" charset="0"/>
-            </a:endParaRPr>
-          </a:p>
-          <a:p>
-            <a:r>
-              <a:rPr lang="en-US" sz="1400" dirty="0">
-                <a:solidFill>
-                  <a:srgbClr val="333333"/>
-                </a:solidFill>
-                <a:latin typeface="Helvetica" panose="020B0604020202020204" pitchFamily="34" charset="0"/>
-                <a:cs typeface="Helvetica" panose="020B0604020202020204" pitchFamily="34" charset="0"/>
-              </a:rPr>
-              <a:t>Approximately 72% of the employees do not work overtime.</a:t>
-            </a:r>
-          </a:p>
-          <a:p>
-            <a:endParaRPr lang="en-US" sz="1400" dirty="0">
-              <a:solidFill>
-                <a:srgbClr val="333333"/>
-              </a:solidFill>
-              <a:latin typeface="Helvetica" panose="020B0604020202020204" pitchFamily="34" charset="0"/>
-              <a:cs typeface="Helvetica" panose="020B0604020202020204" pitchFamily="34" charset="0"/>
-            </a:endParaRPr>
-          </a:p>
-          <a:p>
-            <a:r>
-              <a:rPr lang="en-US" sz="1400" dirty="0">
-                <a:solidFill>
-                  <a:srgbClr val="333333"/>
-                </a:solidFill>
-                <a:latin typeface="Helvetica" panose="020B0604020202020204" pitchFamily="34" charset="0"/>
-                <a:cs typeface="Helvetica" panose="020B0604020202020204" pitchFamily="34" charset="0"/>
-              </a:rPr>
-              <a:t>Approximately 85% of the employees have an Excellent Performance Rating.</a:t>
-            </a:r>
-          </a:p>
-          <a:p>
-            <a:endParaRPr lang="en-US" sz="1400" dirty="0">
-              <a:solidFill>
-                <a:srgbClr val="333333"/>
-              </a:solidFill>
-              <a:latin typeface="Helvetica" panose="020B0604020202020204" pitchFamily="34" charset="0"/>
-              <a:cs typeface="Helvetica" panose="020B0604020202020204" pitchFamily="34" charset="0"/>
-            </a:endParaRPr>
-          </a:p>
-          <a:p>
-            <a:r>
-              <a:rPr lang="en-US" sz="1400" dirty="0">
-                <a:solidFill>
-                  <a:srgbClr val="333333"/>
-                </a:solidFill>
-                <a:latin typeface="Helvetica" panose="020B0604020202020204" pitchFamily="34" charset="0"/>
-                <a:cs typeface="Helvetica" panose="020B0604020202020204" pitchFamily="34" charset="0"/>
-              </a:rPr>
-              <a:t>More than half (65%) of the employees work in Research &amp; Development.</a:t>
-            </a:r>
-          </a:p>
-          <a:p>
-            <a:endParaRPr lang="en-US" sz="1400" dirty="0">
-              <a:solidFill>
-                <a:srgbClr val="333333"/>
-              </a:solidFill>
-              <a:latin typeface="Helvetica" panose="020B0604020202020204" pitchFamily="34" charset="0"/>
-              <a:cs typeface="Helvetica" panose="020B0604020202020204" pitchFamily="34" charset="0"/>
-            </a:endParaRPr>
-          </a:p>
-          <a:p>
-            <a:r>
-              <a:rPr lang="en-US" sz="1400" dirty="0">
-                <a:solidFill>
-                  <a:srgbClr val="333333"/>
-                </a:solidFill>
-                <a:latin typeface="Helvetica" panose="020B0604020202020204" pitchFamily="34" charset="0"/>
-                <a:cs typeface="Helvetica" panose="020B0604020202020204" pitchFamily="34" charset="0"/>
-              </a:rPr>
-              <a:t>Most employees work as Sales Executives, Research Scientists or Laboratory Technicians</a:t>
-            </a:r>
-            <a:endParaRPr lang="en-US" sz="1400" b="0" i="0" dirty="0">
+              <a:t>Attrition rate is higher when the employee is with the same manager for less than 1.5 years or 6 years approximately, based off of the bi-modal nature of the graph.</a:t>
+            </a:r>
+            <a:endParaRPr lang="en-US" sz="1600" b="0" i="0" dirty="0">
               <a:solidFill>
                 <a:srgbClr val="333333"/>
               </a:solidFill>
@@ -9720,10 +10748,10 @@
       </p:sp>
       <p:pic>
         <p:nvPicPr>
-          <p:cNvPr id="2" name="Picture 1">
-            <a:extLst>
-              <a:ext uri="{FF2B5EF4-FFF2-40B4-BE49-F238E27FC236}">
-                <a16:creationId xmlns:a16="http://schemas.microsoft.com/office/drawing/2014/main" id="{2AC71E88-2BAC-4E47-A1F2-1DA20D214B5D}"/>
+          <p:cNvPr id="3" name="Picture 2">
+            <a:extLst>
+              <a:ext uri="{FF2B5EF4-FFF2-40B4-BE49-F238E27FC236}">
+                <a16:creationId xmlns:a16="http://schemas.microsoft.com/office/drawing/2014/main" id="{F8754039-365F-4C20-BEF3-1265C2A35F02}"/>
               </a:ext>
             </a:extLst>
           </p:cNvPr>
@@ -9732,25 +10760,745 @@
           </p:cNvPicPr>
           <p:nvPr/>
         </p:nvPicPr>
-        <p:blipFill rotWithShape="1">
+        <p:blipFill>
           <a:blip r:embed="rId2"/>
-          <a:srcRect l="4156"/>
-          <a:stretch/>
+          <a:stretch>
+            <a:fillRect/>
+          </a:stretch>
         </p:blipFill>
         <p:spPr>
           <a:xfrm>
-            <a:off x="6166665" y="866219"/>
-            <a:ext cx="5678031" cy="5548312"/>
+            <a:off x="5581649" y="756677"/>
+            <a:ext cx="6219825" cy="5972853"/>
           </a:xfrm>
           <a:prstGeom prst="rect">
             <a:avLst/>
           </a:prstGeom>
         </p:spPr>
       </p:pic>
+      <p:sp>
+        <p:nvSpPr>
+          <p:cNvPr id="5" name="Oval 4">
+            <a:extLst>
+              <a:ext uri="{FF2B5EF4-FFF2-40B4-BE49-F238E27FC236}">
+                <a16:creationId xmlns:a16="http://schemas.microsoft.com/office/drawing/2014/main" id="{55955770-535B-4C83-AA0A-7AEF85829F6F}"/>
+              </a:ext>
+            </a:extLst>
+          </p:cNvPr>
+          <p:cNvSpPr/>
+          <p:nvPr/>
+        </p:nvSpPr>
+        <p:spPr>
+          <a:xfrm>
+            <a:off x="152400" y="2060186"/>
+            <a:ext cx="295275" cy="297942"/>
+          </a:xfrm>
+          <a:prstGeom prst="ellipse">
+            <a:avLst/>
+          </a:prstGeom>
+          <a:solidFill>
+            <a:srgbClr val="4472C4"/>
+          </a:solidFill>
+          <a:ln>
+            <a:noFill/>
+          </a:ln>
+        </p:spPr>
+        <p:style>
+          <a:lnRef idx="2">
+            <a:schemeClr val="accent1">
+              <a:shade val="50000"/>
+            </a:schemeClr>
+          </a:lnRef>
+          <a:fillRef idx="1">
+            <a:schemeClr val="accent1"/>
+          </a:fillRef>
+          <a:effectRef idx="0">
+            <a:schemeClr val="accent1"/>
+          </a:effectRef>
+          <a:fontRef idx="minor">
+            <a:schemeClr val="lt1"/>
+          </a:fontRef>
+        </p:style>
+        <p:txBody>
+          <a:bodyPr rtlCol="0" anchor="ctr"/>
+          <a:lstStyle/>
+          <a:p>
+            <a:pPr algn="ctr"/>
+            <a:r>
+              <a:rPr lang="en-US" sz="1400" dirty="0">
+                <a:latin typeface="Helvetica" panose="020B0604020202020204" pitchFamily="34" charset="0"/>
+                <a:ea typeface="Yu Gothic UI Semilight" panose="020B0400000000000000" pitchFamily="34" charset="-128"/>
+                <a:cs typeface="Helvetica" panose="020B0604020202020204" pitchFamily="34" charset="0"/>
+              </a:rPr>
+              <a:t>1</a:t>
+            </a:r>
+          </a:p>
+        </p:txBody>
+      </p:sp>
+      <p:sp>
+        <p:nvSpPr>
+          <p:cNvPr id="7" name="Oval 6">
+            <a:extLst>
+              <a:ext uri="{FF2B5EF4-FFF2-40B4-BE49-F238E27FC236}">
+                <a16:creationId xmlns:a16="http://schemas.microsoft.com/office/drawing/2014/main" id="{697B130B-60A6-44A3-8D81-A65E511AB428}"/>
+              </a:ext>
+            </a:extLst>
+          </p:cNvPr>
+          <p:cNvSpPr/>
+          <p:nvPr/>
+        </p:nvSpPr>
+        <p:spPr>
+          <a:xfrm>
+            <a:off x="7019275" y="978408"/>
+            <a:ext cx="217114" cy="219075"/>
+          </a:xfrm>
+          <a:prstGeom prst="ellipse">
+            <a:avLst/>
+          </a:prstGeom>
+          <a:solidFill>
+            <a:srgbClr val="4472C4"/>
+          </a:solidFill>
+          <a:ln>
+            <a:noFill/>
+          </a:ln>
+        </p:spPr>
+        <p:style>
+          <a:lnRef idx="2">
+            <a:schemeClr val="accent1">
+              <a:shade val="50000"/>
+            </a:schemeClr>
+          </a:lnRef>
+          <a:fillRef idx="1">
+            <a:schemeClr val="accent1"/>
+          </a:fillRef>
+          <a:effectRef idx="0">
+            <a:schemeClr val="accent1"/>
+          </a:effectRef>
+          <a:fontRef idx="minor">
+            <a:schemeClr val="lt1"/>
+          </a:fontRef>
+        </p:style>
+        <p:txBody>
+          <a:bodyPr rtlCol="0" anchor="ctr"/>
+          <a:lstStyle/>
+          <a:p>
+            <a:pPr algn="ctr"/>
+            <a:r>
+              <a:rPr lang="en-US" sz="1000" dirty="0">
+                <a:latin typeface="Helvetica" panose="020B0604020202020204" pitchFamily="34" charset="0"/>
+                <a:ea typeface="Yu Gothic UI Semilight" panose="020B0400000000000000" pitchFamily="34" charset="-128"/>
+                <a:cs typeface="Helvetica" panose="020B0604020202020204" pitchFamily="34" charset="0"/>
+              </a:rPr>
+              <a:t>1</a:t>
+            </a:r>
+          </a:p>
+        </p:txBody>
+      </p:sp>
+      <p:sp>
+        <p:nvSpPr>
+          <p:cNvPr id="8" name="Oval 7">
+            <a:extLst>
+              <a:ext uri="{FF2B5EF4-FFF2-40B4-BE49-F238E27FC236}">
+                <a16:creationId xmlns:a16="http://schemas.microsoft.com/office/drawing/2014/main" id="{ED2B83C0-D92D-4DEB-8C1F-B35C421189AA}"/>
+              </a:ext>
+            </a:extLst>
+          </p:cNvPr>
+          <p:cNvSpPr/>
+          <p:nvPr/>
+        </p:nvSpPr>
+        <p:spPr>
+          <a:xfrm>
+            <a:off x="152400" y="2869533"/>
+            <a:ext cx="295275" cy="297942"/>
+          </a:xfrm>
+          <a:prstGeom prst="ellipse">
+            <a:avLst/>
+          </a:prstGeom>
+          <a:solidFill>
+            <a:srgbClr val="4472C4"/>
+          </a:solidFill>
+          <a:ln>
+            <a:noFill/>
+          </a:ln>
+        </p:spPr>
+        <p:style>
+          <a:lnRef idx="2">
+            <a:schemeClr val="accent1">
+              <a:shade val="50000"/>
+            </a:schemeClr>
+          </a:lnRef>
+          <a:fillRef idx="1">
+            <a:schemeClr val="accent1"/>
+          </a:fillRef>
+          <a:effectRef idx="0">
+            <a:schemeClr val="accent1"/>
+          </a:effectRef>
+          <a:fontRef idx="minor">
+            <a:schemeClr val="lt1"/>
+          </a:fontRef>
+        </p:style>
+        <p:txBody>
+          <a:bodyPr rtlCol="0" anchor="ctr"/>
+          <a:lstStyle/>
+          <a:p>
+            <a:pPr algn="ctr"/>
+            <a:r>
+              <a:rPr lang="en-US" sz="1400" dirty="0">
+                <a:latin typeface="Helvetica" panose="020B0604020202020204" pitchFamily="34" charset="0"/>
+                <a:ea typeface="Yu Gothic UI Semilight" panose="020B0400000000000000" pitchFamily="34" charset="-128"/>
+                <a:cs typeface="Helvetica" panose="020B0604020202020204" pitchFamily="34" charset="0"/>
+              </a:rPr>
+              <a:t>2</a:t>
+            </a:r>
+          </a:p>
+        </p:txBody>
+      </p:sp>
+      <p:sp>
+        <p:nvSpPr>
+          <p:cNvPr id="9" name="Oval 8">
+            <a:extLst>
+              <a:ext uri="{FF2B5EF4-FFF2-40B4-BE49-F238E27FC236}">
+                <a16:creationId xmlns:a16="http://schemas.microsoft.com/office/drawing/2014/main" id="{6D0BD48E-064C-4C91-881A-8E168942F5B8}"/>
+              </a:ext>
+            </a:extLst>
+          </p:cNvPr>
+          <p:cNvSpPr/>
+          <p:nvPr/>
+        </p:nvSpPr>
+        <p:spPr>
+          <a:xfrm>
+            <a:off x="156608" y="3927456"/>
+            <a:ext cx="295275" cy="297942"/>
+          </a:xfrm>
+          <a:prstGeom prst="ellipse">
+            <a:avLst/>
+          </a:prstGeom>
+          <a:solidFill>
+            <a:srgbClr val="4472C4"/>
+          </a:solidFill>
+          <a:ln>
+            <a:noFill/>
+          </a:ln>
+        </p:spPr>
+        <p:style>
+          <a:lnRef idx="2">
+            <a:schemeClr val="accent1">
+              <a:shade val="50000"/>
+            </a:schemeClr>
+          </a:lnRef>
+          <a:fillRef idx="1">
+            <a:schemeClr val="accent1"/>
+          </a:fillRef>
+          <a:effectRef idx="0">
+            <a:schemeClr val="accent1"/>
+          </a:effectRef>
+          <a:fontRef idx="minor">
+            <a:schemeClr val="lt1"/>
+          </a:fontRef>
+        </p:style>
+        <p:txBody>
+          <a:bodyPr rtlCol="0" anchor="ctr"/>
+          <a:lstStyle/>
+          <a:p>
+            <a:pPr algn="ctr"/>
+            <a:r>
+              <a:rPr lang="en-US" sz="1400" dirty="0">
+                <a:latin typeface="Helvetica" panose="020B0604020202020204" pitchFamily="34" charset="0"/>
+                <a:ea typeface="Yu Gothic UI Semilight" panose="020B0400000000000000" pitchFamily="34" charset="-128"/>
+                <a:cs typeface="Helvetica" panose="020B0604020202020204" pitchFamily="34" charset="0"/>
+              </a:rPr>
+              <a:t>3</a:t>
+            </a:r>
+          </a:p>
+        </p:txBody>
+      </p:sp>
+      <p:sp>
+        <p:nvSpPr>
+          <p:cNvPr id="10" name="Oval 9">
+            <a:extLst>
+              <a:ext uri="{FF2B5EF4-FFF2-40B4-BE49-F238E27FC236}">
+                <a16:creationId xmlns:a16="http://schemas.microsoft.com/office/drawing/2014/main" id="{CEEE303C-295A-4736-983E-EDAED8F1B2C4}"/>
+              </a:ext>
+            </a:extLst>
+          </p:cNvPr>
+          <p:cNvSpPr/>
+          <p:nvPr/>
+        </p:nvSpPr>
+        <p:spPr>
+          <a:xfrm>
+            <a:off x="152399" y="5145177"/>
+            <a:ext cx="295275" cy="297942"/>
+          </a:xfrm>
+          <a:prstGeom prst="ellipse">
+            <a:avLst/>
+          </a:prstGeom>
+          <a:solidFill>
+            <a:srgbClr val="4472C4"/>
+          </a:solidFill>
+          <a:ln>
+            <a:noFill/>
+          </a:ln>
+        </p:spPr>
+        <p:style>
+          <a:lnRef idx="2">
+            <a:schemeClr val="accent1">
+              <a:shade val="50000"/>
+            </a:schemeClr>
+          </a:lnRef>
+          <a:fillRef idx="1">
+            <a:schemeClr val="accent1"/>
+          </a:fillRef>
+          <a:effectRef idx="0">
+            <a:schemeClr val="accent1"/>
+          </a:effectRef>
+          <a:fontRef idx="minor">
+            <a:schemeClr val="lt1"/>
+          </a:fontRef>
+        </p:style>
+        <p:txBody>
+          <a:bodyPr rtlCol="0" anchor="ctr"/>
+          <a:lstStyle/>
+          <a:p>
+            <a:pPr algn="ctr"/>
+            <a:r>
+              <a:rPr lang="en-US" sz="1400" dirty="0">
+                <a:latin typeface="Helvetica" panose="020B0604020202020204" pitchFamily="34" charset="0"/>
+                <a:ea typeface="Yu Gothic UI Semilight" panose="020B0400000000000000" pitchFamily="34" charset="-128"/>
+                <a:cs typeface="Helvetica" panose="020B0604020202020204" pitchFamily="34" charset="0"/>
+              </a:rPr>
+              <a:t>4</a:t>
+            </a:r>
+          </a:p>
+        </p:txBody>
+      </p:sp>
+      <p:cxnSp>
+        <p:nvCxnSpPr>
+          <p:cNvPr id="4" name="Straight Arrow Connector 3">
+            <a:extLst>
+              <a:ext uri="{FF2B5EF4-FFF2-40B4-BE49-F238E27FC236}">
+                <a16:creationId xmlns:a16="http://schemas.microsoft.com/office/drawing/2014/main" id="{AEECA362-3B05-40DA-8DF5-4CA4B26A6B31}"/>
+              </a:ext>
+            </a:extLst>
+          </p:cNvPr>
+          <p:cNvCxnSpPr>
+            <a:cxnSpLocks/>
+          </p:cNvCxnSpPr>
+          <p:nvPr/>
+        </p:nvCxnSpPr>
+        <p:spPr>
+          <a:xfrm>
+            <a:off x="6454066" y="1025798"/>
+            <a:ext cx="565209" cy="1"/>
+          </a:xfrm>
+          <a:prstGeom prst="straightConnector1">
+            <a:avLst/>
+          </a:prstGeom>
+          <a:ln>
+            <a:tailEnd type="triangle"/>
+          </a:ln>
+        </p:spPr>
+        <p:style>
+          <a:lnRef idx="1">
+            <a:schemeClr val="accent1"/>
+          </a:lnRef>
+          <a:fillRef idx="0">
+            <a:schemeClr val="accent1"/>
+          </a:fillRef>
+          <a:effectRef idx="0">
+            <a:schemeClr val="accent1"/>
+          </a:effectRef>
+          <a:fontRef idx="minor">
+            <a:schemeClr val="tx1"/>
+          </a:fontRef>
+        </p:style>
+      </p:cxnSp>
+      <p:sp>
+        <p:nvSpPr>
+          <p:cNvPr id="12" name="Oval 11">
+            <a:extLst>
+              <a:ext uri="{FF2B5EF4-FFF2-40B4-BE49-F238E27FC236}">
+                <a16:creationId xmlns:a16="http://schemas.microsoft.com/office/drawing/2014/main" id="{7EE61518-9224-425D-BD23-47219A68AEEF}"/>
+              </a:ext>
+            </a:extLst>
+          </p:cNvPr>
+          <p:cNvSpPr/>
+          <p:nvPr/>
+        </p:nvSpPr>
+        <p:spPr>
+          <a:xfrm>
+            <a:off x="6837673" y="2907865"/>
+            <a:ext cx="217114" cy="219075"/>
+          </a:xfrm>
+          <a:prstGeom prst="ellipse">
+            <a:avLst/>
+          </a:prstGeom>
+          <a:solidFill>
+            <a:srgbClr val="4472C4"/>
+          </a:solidFill>
+          <a:ln>
+            <a:noFill/>
+          </a:ln>
+        </p:spPr>
+        <p:style>
+          <a:lnRef idx="2">
+            <a:schemeClr val="accent1">
+              <a:shade val="50000"/>
+            </a:schemeClr>
+          </a:lnRef>
+          <a:fillRef idx="1">
+            <a:schemeClr val="accent1"/>
+          </a:fillRef>
+          <a:effectRef idx="0">
+            <a:schemeClr val="accent1"/>
+          </a:effectRef>
+          <a:fontRef idx="minor">
+            <a:schemeClr val="lt1"/>
+          </a:fontRef>
+        </p:style>
+        <p:txBody>
+          <a:bodyPr rtlCol="0" anchor="ctr"/>
+          <a:lstStyle/>
+          <a:p>
+            <a:pPr algn="ctr"/>
+            <a:r>
+              <a:rPr lang="en-US" sz="1000" dirty="0">
+                <a:latin typeface="Helvetica" panose="020B0604020202020204" pitchFamily="34" charset="0"/>
+                <a:ea typeface="Yu Gothic UI Semilight" panose="020B0400000000000000" pitchFamily="34" charset="-128"/>
+                <a:cs typeface="Helvetica" panose="020B0604020202020204" pitchFamily="34" charset="0"/>
+              </a:rPr>
+              <a:t>2</a:t>
+            </a:r>
+          </a:p>
+        </p:txBody>
+      </p:sp>
+      <p:cxnSp>
+        <p:nvCxnSpPr>
+          <p:cNvPr id="14" name="Straight Arrow Connector 13">
+            <a:extLst>
+              <a:ext uri="{FF2B5EF4-FFF2-40B4-BE49-F238E27FC236}">
+                <a16:creationId xmlns:a16="http://schemas.microsoft.com/office/drawing/2014/main" id="{AAC90679-96D4-44D0-A55F-3DB3FCE8C430}"/>
+              </a:ext>
+            </a:extLst>
+          </p:cNvPr>
+          <p:cNvCxnSpPr>
+            <a:cxnSpLocks/>
+          </p:cNvCxnSpPr>
+          <p:nvPr/>
+        </p:nvCxnSpPr>
+        <p:spPr>
+          <a:xfrm>
+            <a:off x="6269114" y="3000844"/>
+            <a:ext cx="565209" cy="1"/>
+          </a:xfrm>
+          <a:prstGeom prst="straightConnector1">
+            <a:avLst/>
+          </a:prstGeom>
+          <a:ln>
+            <a:tailEnd type="triangle"/>
+          </a:ln>
+        </p:spPr>
+        <p:style>
+          <a:lnRef idx="1">
+            <a:schemeClr val="accent1"/>
+          </a:lnRef>
+          <a:fillRef idx="0">
+            <a:schemeClr val="accent1"/>
+          </a:fillRef>
+          <a:effectRef idx="0">
+            <a:schemeClr val="accent1"/>
+          </a:effectRef>
+          <a:fontRef idx="minor">
+            <a:schemeClr val="tx1"/>
+          </a:fontRef>
+        </p:style>
+      </p:cxnSp>
+      <p:sp>
+        <p:nvSpPr>
+          <p:cNvPr id="16" name="Oval 15">
+            <a:extLst>
+              <a:ext uri="{FF2B5EF4-FFF2-40B4-BE49-F238E27FC236}">
+                <a16:creationId xmlns:a16="http://schemas.microsoft.com/office/drawing/2014/main" id="{CB462305-3E6A-4A3E-86C5-73A18F180A47}"/>
+              </a:ext>
+            </a:extLst>
+          </p:cNvPr>
+          <p:cNvSpPr/>
+          <p:nvPr/>
+        </p:nvSpPr>
+        <p:spPr>
+          <a:xfrm>
+            <a:off x="9876710" y="2907865"/>
+            <a:ext cx="217114" cy="219075"/>
+          </a:xfrm>
+          <a:prstGeom prst="ellipse">
+            <a:avLst/>
+          </a:prstGeom>
+          <a:solidFill>
+            <a:srgbClr val="4472C4"/>
+          </a:solidFill>
+          <a:ln>
+            <a:noFill/>
+          </a:ln>
+        </p:spPr>
+        <p:style>
+          <a:lnRef idx="2">
+            <a:schemeClr val="accent1">
+              <a:shade val="50000"/>
+            </a:schemeClr>
+          </a:lnRef>
+          <a:fillRef idx="1">
+            <a:schemeClr val="accent1"/>
+          </a:fillRef>
+          <a:effectRef idx="0">
+            <a:schemeClr val="accent1"/>
+          </a:effectRef>
+          <a:fontRef idx="minor">
+            <a:schemeClr val="lt1"/>
+          </a:fontRef>
+        </p:style>
+        <p:txBody>
+          <a:bodyPr rtlCol="0" anchor="ctr"/>
+          <a:lstStyle/>
+          <a:p>
+            <a:pPr algn="ctr"/>
+            <a:r>
+              <a:rPr lang="en-US" sz="1000" dirty="0">
+                <a:latin typeface="Helvetica" panose="020B0604020202020204" pitchFamily="34" charset="0"/>
+                <a:ea typeface="Yu Gothic UI Semilight" panose="020B0400000000000000" pitchFamily="34" charset="-128"/>
+                <a:cs typeface="Helvetica" panose="020B0604020202020204" pitchFamily="34" charset="0"/>
+              </a:rPr>
+              <a:t>3</a:t>
+            </a:r>
+          </a:p>
+        </p:txBody>
+      </p:sp>
+      <p:cxnSp>
+        <p:nvCxnSpPr>
+          <p:cNvPr id="17" name="Straight Arrow Connector 16">
+            <a:extLst>
+              <a:ext uri="{FF2B5EF4-FFF2-40B4-BE49-F238E27FC236}">
+                <a16:creationId xmlns:a16="http://schemas.microsoft.com/office/drawing/2014/main" id="{05CCC8FF-8C09-44D0-A9DE-7485EF03D26D}"/>
+              </a:ext>
+            </a:extLst>
+          </p:cNvPr>
+          <p:cNvCxnSpPr>
+            <a:cxnSpLocks/>
+          </p:cNvCxnSpPr>
+          <p:nvPr/>
+        </p:nvCxnSpPr>
+        <p:spPr>
+          <a:xfrm>
+            <a:off x="9311501" y="3017402"/>
+            <a:ext cx="565209" cy="1"/>
+          </a:xfrm>
+          <a:prstGeom prst="straightConnector1">
+            <a:avLst/>
+          </a:prstGeom>
+          <a:ln>
+            <a:tailEnd type="triangle"/>
+          </a:ln>
+        </p:spPr>
+        <p:style>
+          <a:lnRef idx="1">
+            <a:schemeClr val="accent1"/>
+          </a:lnRef>
+          <a:fillRef idx="0">
+            <a:schemeClr val="accent1"/>
+          </a:fillRef>
+          <a:effectRef idx="0">
+            <a:schemeClr val="accent1"/>
+          </a:effectRef>
+          <a:fontRef idx="minor">
+            <a:schemeClr val="tx1"/>
+          </a:fontRef>
+        </p:style>
+      </p:cxnSp>
+      <p:cxnSp>
+        <p:nvCxnSpPr>
+          <p:cNvPr id="19" name="Straight Arrow Connector 18">
+            <a:extLst>
+              <a:ext uri="{FF2B5EF4-FFF2-40B4-BE49-F238E27FC236}">
+                <a16:creationId xmlns:a16="http://schemas.microsoft.com/office/drawing/2014/main" id="{A1892078-0282-4EA0-BB5A-7BD7789A8D45}"/>
+              </a:ext>
+            </a:extLst>
+          </p:cNvPr>
+          <p:cNvCxnSpPr>
+            <a:endCxn id="16" idx="4"/>
+          </p:cNvCxnSpPr>
+          <p:nvPr/>
+        </p:nvCxnSpPr>
+        <p:spPr>
+          <a:xfrm flipV="1">
+            <a:off x="9876710" y="3126940"/>
+            <a:ext cx="108557" cy="800516"/>
+          </a:xfrm>
+          <a:prstGeom prst="straightConnector1">
+            <a:avLst/>
+          </a:prstGeom>
+          <a:ln>
+            <a:tailEnd type="triangle"/>
+          </a:ln>
+        </p:spPr>
+        <p:style>
+          <a:lnRef idx="1">
+            <a:schemeClr val="accent1"/>
+          </a:lnRef>
+          <a:fillRef idx="0">
+            <a:schemeClr val="accent1"/>
+          </a:fillRef>
+          <a:effectRef idx="0">
+            <a:schemeClr val="accent1"/>
+          </a:effectRef>
+          <a:fontRef idx="minor">
+            <a:schemeClr val="tx1"/>
+          </a:fontRef>
+        </p:style>
+      </p:cxnSp>
+      <p:sp>
+        <p:nvSpPr>
+          <p:cNvPr id="20" name="Oval 19">
+            <a:extLst>
+              <a:ext uri="{FF2B5EF4-FFF2-40B4-BE49-F238E27FC236}">
+                <a16:creationId xmlns:a16="http://schemas.microsoft.com/office/drawing/2014/main" id="{9649DFFE-35B3-4DE7-B815-097FDD5B2C45}"/>
+              </a:ext>
+            </a:extLst>
+          </p:cNvPr>
+          <p:cNvSpPr/>
+          <p:nvPr/>
+        </p:nvSpPr>
+        <p:spPr>
+          <a:xfrm>
+            <a:off x="9822431" y="4899468"/>
+            <a:ext cx="217114" cy="219075"/>
+          </a:xfrm>
+          <a:prstGeom prst="ellipse">
+            <a:avLst/>
+          </a:prstGeom>
+          <a:solidFill>
+            <a:srgbClr val="4472C4"/>
+          </a:solidFill>
+          <a:ln>
+            <a:noFill/>
+          </a:ln>
+        </p:spPr>
+        <p:style>
+          <a:lnRef idx="2">
+            <a:schemeClr val="accent1">
+              <a:shade val="50000"/>
+            </a:schemeClr>
+          </a:lnRef>
+          <a:fillRef idx="1">
+            <a:schemeClr val="accent1"/>
+          </a:fillRef>
+          <a:effectRef idx="0">
+            <a:schemeClr val="accent1"/>
+          </a:effectRef>
+          <a:fontRef idx="minor">
+            <a:schemeClr val="lt1"/>
+          </a:fontRef>
+        </p:style>
+        <p:txBody>
+          <a:bodyPr rtlCol="0" anchor="ctr"/>
+          <a:lstStyle/>
+          <a:p>
+            <a:pPr algn="ctr"/>
+            <a:r>
+              <a:rPr lang="en-US" sz="1000" dirty="0">
+                <a:latin typeface="Helvetica" panose="020B0604020202020204" pitchFamily="34" charset="0"/>
+                <a:ea typeface="Yu Gothic UI Semilight" panose="020B0400000000000000" pitchFamily="34" charset="-128"/>
+                <a:cs typeface="Helvetica" panose="020B0604020202020204" pitchFamily="34" charset="0"/>
+              </a:rPr>
+              <a:t>4</a:t>
+            </a:r>
+          </a:p>
+        </p:txBody>
+      </p:sp>
+      <p:cxnSp>
+        <p:nvCxnSpPr>
+          <p:cNvPr id="21" name="Straight Arrow Connector 20">
+            <a:extLst>
+              <a:ext uri="{FF2B5EF4-FFF2-40B4-BE49-F238E27FC236}">
+                <a16:creationId xmlns:a16="http://schemas.microsoft.com/office/drawing/2014/main" id="{D8B8E485-864C-4FFC-A924-C9BCEE651062}"/>
+              </a:ext>
+            </a:extLst>
+          </p:cNvPr>
+          <p:cNvCxnSpPr>
+            <a:cxnSpLocks/>
+          </p:cNvCxnSpPr>
+          <p:nvPr/>
+        </p:nvCxnSpPr>
+        <p:spPr>
+          <a:xfrm>
+            <a:off x="9162060" y="4973492"/>
+            <a:ext cx="669249" cy="0"/>
+          </a:xfrm>
+          <a:prstGeom prst="straightConnector1">
+            <a:avLst/>
+          </a:prstGeom>
+          <a:ln>
+            <a:tailEnd type="triangle"/>
+          </a:ln>
+        </p:spPr>
+        <p:style>
+          <a:lnRef idx="1">
+            <a:schemeClr val="accent1"/>
+          </a:lnRef>
+          <a:fillRef idx="0">
+            <a:schemeClr val="accent1"/>
+          </a:fillRef>
+          <a:effectRef idx="0">
+            <a:schemeClr val="accent1"/>
+          </a:effectRef>
+          <a:fontRef idx="minor">
+            <a:schemeClr val="tx1"/>
+          </a:fontRef>
+        </p:style>
+      </p:cxnSp>
+      <p:cxnSp>
+        <p:nvCxnSpPr>
+          <p:cNvPr id="24" name="Straight Arrow Connector 23">
+            <a:extLst>
+              <a:ext uri="{FF2B5EF4-FFF2-40B4-BE49-F238E27FC236}">
+                <a16:creationId xmlns:a16="http://schemas.microsoft.com/office/drawing/2014/main" id="{83A996F8-1C62-4EBC-AD3E-A6C9488BAC4D}"/>
+              </a:ext>
+            </a:extLst>
+          </p:cNvPr>
+          <p:cNvCxnSpPr>
+            <a:cxnSpLocks/>
+            <a:endCxn id="20" idx="4"/>
+          </p:cNvCxnSpPr>
+          <p:nvPr/>
+        </p:nvCxnSpPr>
+        <p:spPr>
+          <a:xfrm flipV="1">
+            <a:off x="9930988" y="5118543"/>
+            <a:ext cx="0" cy="792316"/>
+          </a:xfrm>
+          <a:prstGeom prst="straightConnector1">
+            <a:avLst/>
+          </a:prstGeom>
+          <a:ln>
+            <a:tailEnd type="triangle"/>
+          </a:ln>
+        </p:spPr>
+        <p:style>
+          <a:lnRef idx="1">
+            <a:schemeClr val="accent1"/>
+          </a:lnRef>
+          <a:fillRef idx="0">
+            <a:schemeClr val="accent1"/>
+          </a:fillRef>
+          <a:effectRef idx="0">
+            <a:schemeClr val="accent1"/>
+          </a:effectRef>
+          <a:fontRef idx="minor">
+            <a:schemeClr val="tx1"/>
+          </a:fontRef>
+        </p:style>
+      </p:cxnSp>
     </p:spTree>
     <p:extLst>
       <p:ext uri="{BB962C8B-B14F-4D97-AF65-F5344CB8AC3E}">
-        <p14:creationId xmlns:p14="http://schemas.microsoft.com/office/powerpoint/2010/main" val="2994613480"/>
+        <p14:creationId xmlns:p14="http://schemas.microsoft.com/office/powerpoint/2010/main" val="3150724132"/>
       </p:ext>
     </p:extLst>
   </p:cSld>
@@ -9829,7 +11577,7 @@
                 <a:latin typeface="Helvetica" panose="020B0604020202020204" pitchFamily="34" charset="0"/>
                 <a:cs typeface="Helvetica" panose="020B0604020202020204" pitchFamily="34" charset="0"/>
               </a:rPr>
-              <a:t>Employee Demographics - Work Environment vs Attrition</a:t>
+              <a:t>Employee Demographics - Work Environment vs Attrition (Continued)</a:t>
             </a:r>
           </a:p>
         </p:txBody>
@@ -9848,8 +11596,8 @@
         </p:nvSpPr>
         <p:spPr>
           <a:xfrm>
-            <a:off x="447675" y="1324988"/>
-            <a:ext cx="4581525" cy="4801314"/>
+            <a:off x="378671" y="1138376"/>
+            <a:ext cx="5648325" cy="3847207"/>
           </a:xfrm>
           <a:prstGeom prst="rect">
             <a:avLst/>
@@ -9862,26 +11610,14 @@
           <a:lstStyle/>
           <a:p>
             <a:r>
-              <a:rPr lang="en-US" dirty="0">
-                <a:solidFill>
-                  <a:srgbClr val="333333"/>
-                </a:solidFill>
-                <a:latin typeface="Helvetica" panose="020B0604020202020204" pitchFamily="34" charset="0"/>
-                <a:cs typeface="Helvetica" panose="020B0604020202020204" pitchFamily="34" charset="0"/>
-              </a:rPr>
-              <a:t>Observations</a:t>
-            </a:r>
-          </a:p>
-          <a:p>
-            <a:r>
-              <a:rPr lang="en-US" dirty="0">
-                <a:solidFill>
-                  <a:srgbClr val="333333"/>
-                </a:solidFill>
-                <a:latin typeface="Helvetica" panose="020B0604020202020204" pitchFamily="34" charset="0"/>
-                <a:cs typeface="Helvetica" panose="020B0604020202020204" pitchFamily="34" charset="0"/>
-              </a:rPr>
-              <a:t>Peak attrition occurs when the monthly income rate is about $2500.</a:t>
+              <a:rPr lang="en-US" b="1" dirty="0">
+                <a:solidFill>
+                  <a:srgbClr val="4472C4"/>
+                </a:solidFill>
+                <a:latin typeface="Helvetica" panose="020B0604020202020204" pitchFamily="34" charset="0"/>
+                <a:cs typeface="Helvetica" panose="020B0604020202020204" pitchFamily="34" charset="0"/>
+              </a:rPr>
+              <a:t>Observations:</a:t>
             </a:r>
           </a:p>
           <a:p>
@@ -9895,18 +11631,18 @@
           </a:p>
           <a:p>
             <a:r>
-              <a:rPr lang="en-US" dirty="0">
+              <a:rPr lang="en-US" sz="1600" dirty="0">
                 <a:solidFill>
                   <a:srgbClr val="333333"/>
                 </a:solidFill>
                 <a:latin typeface="Helvetica" panose="020B0604020202020204" pitchFamily="34" charset="0"/>
                 <a:cs typeface="Helvetica" panose="020B0604020202020204" pitchFamily="34" charset="0"/>
               </a:rPr>
-              <a:t>Peak attrition rate also occurs when the employee is with the company for approximately 0-2 years.</a:t>
-            </a:r>
-          </a:p>
-          <a:p>
-            <a:endParaRPr lang="en-US" dirty="0">
+              <a:t>Employees who travel frequently have a higher attrition rate.</a:t>
+            </a:r>
+          </a:p>
+          <a:p>
+            <a:endParaRPr lang="en-US" sz="1600" dirty="0">
               <a:solidFill>
                 <a:srgbClr val="333333"/>
               </a:solidFill>
@@ -9916,18 +11652,18 @@
           </a:p>
           <a:p>
             <a:r>
-              <a:rPr lang="en-US" dirty="0">
+              <a:rPr lang="en-US" sz="1600" dirty="0">
                 <a:solidFill>
                   <a:srgbClr val="333333"/>
                 </a:solidFill>
                 <a:latin typeface="Helvetica" panose="020B0604020202020204" pitchFamily="34" charset="0"/>
                 <a:cs typeface="Helvetica" panose="020B0604020202020204" pitchFamily="34" charset="0"/>
               </a:rPr>
-              <a:t>Attrition rate is higher when the employee is in the same role for 0-2 years or 6 years approximately, based off of the bi-modal nature of the graph.</a:t>
-            </a:r>
-          </a:p>
-          <a:p>
-            <a:endParaRPr lang="en-US" dirty="0">
+              <a:t>Employees who score environmental satisfaction, job involvement and job satisfaction low have higher attrition.</a:t>
+            </a:r>
+          </a:p>
+          <a:p>
+            <a:endParaRPr lang="en-US" sz="1600" dirty="0">
               <a:solidFill>
                 <a:srgbClr val="333333"/>
               </a:solidFill>
@@ -9937,16 +11673,58 @@
           </a:p>
           <a:p>
             <a:r>
-              <a:rPr lang="en-US" dirty="0">
+              <a:rPr lang="en-US" sz="1600" dirty="0">
                 <a:solidFill>
                   <a:srgbClr val="333333"/>
                 </a:solidFill>
                 <a:latin typeface="Helvetica" panose="020B0604020202020204" pitchFamily="34" charset="0"/>
                 <a:cs typeface="Helvetica" panose="020B0604020202020204" pitchFamily="34" charset="0"/>
               </a:rPr>
-              <a:t>Attrition rate is higher when the employee is with the same manager for less than 1.5 years or 6 years approximately, based off of the bi-modal nature of the graph.</a:t>
-            </a:r>
-            <a:endParaRPr lang="en-US" b="0" i="0" dirty="0">
+              <a:t>Employees who work overtime have a higher attrition rate (approximately 30%).</a:t>
+            </a:r>
+          </a:p>
+          <a:p>
+            <a:endParaRPr lang="en-US" sz="1600" dirty="0">
+              <a:solidFill>
+                <a:srgbClr val="333333"/>
+              </a:solidFill>
+              <a:latin typeface="Helvetica" panose="020B0604020202020204" pitchFamily="34" charset="0"/>
+              <a:cs typeface="Helvetica" panose="020B0604020202020204" pitchFamily="34" charset="0"/>
+            </a:endParaRPr>
+          </a:p>
+          <a:p>
+            <a:r>
+              <a:rPr lang="en-US" sz="1600" dirty="0">
+                <a:solidFill>
+                  <a:srgbClr val="333333"/>
+                </a:solidFill>
+                <a:latin typeface="Helvetica" panose="020B0604020202020204" pitchFamily="34" charset="0"/>
+                <a:cs typeface="Helvetica" panose="020B0604020202020204" pitchFamily="34" charset="0"/>
+              </a:rPr>
+              <a:t>Employees in the Sales Department have the highest attrition rate at 20%.</a:t>
+            </a:r>
+          </a:p>
+          <a:p>
+            <a:endParaRPr lang="en-US" sz="1600" dirty="0">
+              <a:solidFill>
+                <a:srgbClr val="333333"/>
+              </a:solidFill>
+              <a:latin typeface="Helvetica" panose="020B0604020202020204" pitchFamily="34" charset="0"/>
+              <a:cs typeface="Helvetica" panose="020B0604020202020204" pitchFamily="34" charset="0"/>
+            </a:endParaRPr>
+          </a:p>
+          <a:p>
+            <a:r>
+              <a:rPr lang="en-US" sz="1600" dirty="0">
+                <a:solidFill>
+                  <a:srgbClr val="333333"/>
+                </a:solidFill>
+                <a:latin typeface="Helvetica" panose="020B0604020202020204" pitchFamily="34" charset="0"/>
+                <a:cs typeface="Helvetica" panose="020B0604020202020204" pitchFamily="34" charset="0"/>
+              </a:rPr>
+              <a:t>Employees who are Sales Representatives have the highest attrition rate at 40%.</a:t>
+            </a:r>
+            <a:endParaRPr lang="en-US" sz="1600" b="0" i="0" dirty="0">
               <a:solidFill>
                 <a:srgbClr val="333333"/>
               </a:solidFill>
@@ -9962,7 +11740,7 @@
           <p:cNvPr id="3" name="Picture 2">
             <a:extLst>
               <a:ext uri="{FF2B5EF4-FFF2-40B4-BE49-F238E27FC236}">
-                <a16:creationId xmlns:a16="http://schemas.microsoft.com/office/drawing/2014/main" id="{F8754039-365F-4C20-BEF3-1265C2A35F02}"/>
+                <a16:creationId xmlns:a16="http://schemas.microsoft.com/office/drawing/2014/main" id="{E08900DA-4E90-499E-B456-73C1DEE32348}"/>
               </a:ext>
             </a:extLst>
           </p:cNvPr>
@@ -9979,18 +11757,726 @@
         </p:blipFill>
         <p:spPr>
           <a:xfrm>
-            <a:off x="5581649" y="756677"/>
-            <a:ext cx="6219825" cy="5972853"/>
+            <a:off x="6026996" y="1056634"/>
+            <a:ext cx="5669280" cy="5543296"/>
           </a:xfrm>
           <a:prstGeom prst="rect">
             <a:avLst/>
           </a:prstGeom>
         </p:spPr>
       </p:pic>
+      <p:sp>
+        <p:nvSpPr>
+          <p:cNvPr id="7" name="Oval 6">
+            <a:extLst>
+              <a:ext uri="{FF2B5EF4-FFF2-40B4-BE49-F238E27FC236}">
+                <a16:creationId xmlns:a16="http://schemas.microsoft.com/office/drawing/2014/main" id="{7F19E586-6CBB-420E-9019-A91A614D030C}"/>
+              </a:ext>
+            </a:extLst>
+          </p:cNvPr>
+          <p:cNvSpPr/>
+          <p:nvPr/>
+        </p:nvSpPr>
+        <p:spPr>
+          <a:xfrm>
+            <a:off x="145892" y="1733837"/>
+            <a:ext cx="295275" cy="297942"/>
+          </a:xfrm>
+          <a:prstGeom prst="ellipse">
+            <a:avLst/>
+          </a:prstGeom>
+          <a:solidFill>
+            <a:srgbClr val="4472C4"/>
+          </a:solidFill>
+          <a:ln>
+            <a:noFill/>
+          </a:ln>
+        </p:spPr>
+        <p:style>
+          <a:lnRef idx="2">
+            <a:schemeClr val="accent1">
+              <a:shade val="50000"/>
+            </a:schemeClr>
+          </a:lnRef>
+          <a:fillRef idx="1">
+            <a:schemeClr val="accent1"/>
+          </a:fillRef>
+          <a:effectRef idx="0">
+            <a:schemeClr val="accent1"/>
+          </a:effectRef>
+          <a:fontRef idx="minor">
+            <a:schemeClr val="lt1"/>
+          </a:fontRef>
+        </p:style>
+        <p:txBody>
+          <a:bodyPr rtlCol="0" anchor="ctr"/>
+          <a:lstStyle/>
+          <a:p>
+            <a:pPr algn="ctr"/>
+            <a:r>
+              <a:rPr lang="en-US" sz="1400" dirty="0">
+                <a:latin typeface="Helvetica" panose="020B0604020202020204" pitchFamily="34" charset="0"/>
+                <a:ea typeface="Yu Gothic UI Semilight" panose="020B0400000000000000" pitchFamily="34" charset="-128"/>
+                <a:cs typeface="Helvetica" panose="020B0604020202020204" pitchFamily="34" charset="0"/>
+              </a:rPr>
+              <a:t>1</a:t>
+            </a:r>
+          </a:p>
+        </p:txBody>
+      </p:sp>
+      <p:sp>
+        <p:nvSpPr>
+          <p:cNvPr id="8" name="Oval 7">
+            <a:extLst>
+              <a:ext uri="{FF2B5EF4-FFF2-40B4-BE49-F238E27FC236}">
+                <a16:creationId xmlns:a16="http://schemas.microsoft.com/office/drawing/2014/main" id="{49C8A29E-B062-4E02-8C6F-3671D04926E9}"/>
+              </a:ext>
+            </a:extLst>
+          </p:cNvPr>
+          <p:cNvSpPr/>
+          <p:nvPr/>
+        </p:nvSpPr>
+        <p:spPr>
+          <a:xfrm>
+            <a:off x="152098" y="2312965"/>
+            <a:ext cx="295275" cy="297942"/>
+          </a:xfrm>
+          <a:prstGeom prst="ellipse">
+            <a:avLst/>
+          </a:prstGeom>
+          <a:solidFill>
+            <a:srgbClr val="4472C4"/>
+          </a:solidFill>
+          <a:ln>
+            <a:noFill/>
+          </a:ln>
+        </p:spPr>
+        <p:style>
+          <a:lnRef idx="2">
+            <a:schemeClr val="accent1">
+              <a:shade val="50000"/>
+            </a:schemeClr>
+          </a:lnRef>
+          <a:fillRef idx="1">
+            <a:schemeClr val="accent1"/>
+          </a:fillRef>
+          <a:effectRef idx="0">
+            <a:schemeClr val="accent1"/>
+          </a:effectRef>
+          <a:fontRef idx="minor">
+            <a:schemeClr val="lt1"/>
+          </a:fontRef>
+        </p:style>
+        <p:txBody>
+          <a:bodyPr rtlCol="0" anchor="ctr"/>
+          <a:lstStyle/>
+          <a:p>
+            <a:pPr algn="ctr"/>
+            <a:r>
+              <a:rPr lang="en-US" sz="1400" dirty="0">
+                <a:latin typeface="Helvetica" panose="020B0604020202020204" pitchFamily="34" charset="0"/>
+                <a:ea typeface="Yu Gothic UI Semilight" panose="020B0400000000000000" pitchFamily="34" charset="-128"/>
+                <a:cs typeface="Helvetica" panose="020B0604020202020204" pitchFamily="34" charset="0"/>
+              </a:rPr>
+              <a:t>2</a:t>
+            </a:r>
+          </a:p>
+        </p:txBody>
+      </p:sp>
+      <p:sp>
+        <p:nvSpPr>
+          <p:cNvPr id="9" name="Oval 8">
+            <a:extLst>
+              <a:ext uri="{FF2B5EF4-FFF2-40B4-BE49-F238E27FC236}">
+                <a16:creationId xmlns:a16="http://schemas.microsoft.com/office/drawing/2014/main" id="{5501A3D2-CBF0-4803-9D95-8234485606C4}"/>
+              </a:ext>
+            </a:extLst>
+          </p:cNvPr>
+          <p:cNvSpPr/>
+          <p:nvPr/>
+        </p:nvSpPr>
+        <p:spPr>
+          <a:xfrm>
+            <a:off x="152098" y="3064390"/>
+            <a:ext cx="295275" cy="297942"/>
+          </a:xfrm>
+          <a:prstGeom prst="ellipse">
+            <a:avLst/>
+          </a:prstGeom>
+          <a:solidFill>
+            <a:srgbClr val="4472C4"/>
+          </a:solidFill>
+          <a:ln>
+            <a:noFill/>
+          </a:ln>
+        </p:spPr>
+        <p:style>
+          <a:lnRef idx="2">
+            <a:schemeClr val="accent1">
+              <a:shade val="50000"/>
+            </a:schemeClr>
+          </a:lnRef>
+          <a:fillRef idx="1">
+            <a:schemeClr val="accent1"/>
+          </a:fillRef>
+          <a:effectRef idx="0">
+            <a:schemeClr val="accent1"/>
+          </a:effectRef>
+          <a:fontRef idx="minor">
+            <a:schemeClr val="lt1"/>
+          </a:fontRef>
+        </p:style>
+        <p:txBody>
+          <a:bodyPr rtlCol="0" anchor="ctr"/>
+          <a:lstStyle/>
+          <a:p>
+            <a:pPr algn="ctr"/>
+            <a:r>
+              <a:rPr lang="en-US" sz="1400" dirty="0">
+                <a:latin typeface="Helvetica" panose="020B0604020202020204" pitchFamily="34" charset="0"/>
+                <a:ea typeface="Yu Gothic UI Semilight" panose="020B0400000000000000" pitchFamily="34" charset="-128"/>
+                <a:cs typeface="Helvetica" panose="020B0604020202020204" pitchFamily="34" charset="0"/>
+              </a:rPr>
+              <a:t>3</a:t>
+            </a:r>
+          </a:p>
+        </p:txBody>
+      </p:sp>
+      <p:sp>
+        <p:nvSpPr>
+          <p:cNvPr id="10" name="Oval 9">
+            <a:extLst>
+              <a:ext uri="{FF2B5EF4-FFF2-40B4-BE49-F238E27FC236}">
+                <a16:creationId xmlns:a16="http://schemas.microsoft.com/office/drawing/2014/main" id="{A4DF54B3-011A-4C72-9516-71C68E4BA705}"/>
+              </a:ext>
+            </a:extLst>
+          </p:cNvPr>
+          <p:cNvSpPr/>
+          <p:nvPr/>
+        </p:nvSpPr>
+        <p:spPr>
+          <a:xfrm>
+            <a:off x="152098" y="3770865"/>
+            <a:ext cx="295275" cy="297942"/>
+          </a:xfrm>
+          <a:prstGeom prst="ellipse">
+            <a:avLst/>
+          </a:prstGeom>
+          <a:solidFill>
+            <a:srgbClr val="4472C4"/>
+          </a:solidFill>
+          <a:ln>
+            <a:noFill/>
+          </a:ln>
+        </p:spPr>
+        <p:style>
+          <a:lnRef idx="2">
+            <a:schemeClr val="accent1">
+              <a:shade val="50000"/>
+            </a:schemeClr>
+          </a:lnRef>
+          <a:fillRef idx="1">
+            <a:schemeClr val="accent1"/>
+          </a:fillRef>
+          <a:effectRef idx="0">
+            <a:schemeClr val="accent1"/>
+          </a:effectRef>
+          <a:fontRef idx="minor">
+            <a:schemeClr val="lt1"/>
+          </a:fontRef>
+        </p:style>
+        <p:txBody>
+          <a:bodyPr rtlCol="0" anchor="ctr"/>
+          <a:lstStyle/>
+          <a:p>
+            <a:pPr algn="ctr"/>
+            <a:r>
+              <a:rPr lang="en-US" sz="1400" dirty="0">
+                <a:latin typeface="Helvetica" panose="020B0604020202020204" pitchFamily="34" charset="0"/>
+                <a:ea typeface="Yu Gothic UI Semilight" panose="020B0400000000000000" pitchFamily="34" charset="-128"/>
+                <a:cs typeface="Helvetica" panose="020B0604020202020204" pitchFamily="34" charset="0"/>
+              </a:rPr>
+              <a:t>4</a:t>
+            </a:r>
+          </a:p>
+        </p:txBody>
+      </p:sp>
+      <p:sp>
+        <p:nvSpPr>
+          <p:cNvPr id="11" name="Oval 10">
+            <a:extLst>
+              <a:ext uri="{FF2B5EF4-FFF2-40B4-BE49-F238E27FC236}">
+                <a16:creationId xmlns:a16="http://schemas.microsoft.com/office/drawing/2014/main" id="{F42B27EC-6973-42A9-816F-EF996F9AA1DD}"/>
+              </a:ext>
+            </a:extLst>
+          </p:cNvPr>
+          <p:cNvSpPr/>
+          <p:nvPr/>
+        </p:nvSpPr>
+        <p:spPr>
+          <a:xfrm>
+            <a:off x="145892" y="4531383"/>
+            <a:ext cx="295275" cy="297942"/>
+          </a:xfrm>
+          <a:prstGeom prst="ellipse">
+            <a:avLst/>
+          </a:prstGeom>
+          <a:solidFill>
+            <a:srgbClr val="4472C4"/>
+          </a:solidFill>
+          <a:ln>
+            <a:noFill/>
+          </a:ln>
+        </p:spPr>
+        <p:style>
+          <a:lnRef idx="2">
+            <a:schemeClr val="accent1">
+              <a:shade val="50000"/>
+            </a:schemeClr>
+          </a:lnRef>
+          <a:fillRef idx="1">
+            <a:schemeClr val="accent1"/>
+          </a:fillRef>
+          <a:effectRef idx="0">
+            <a:schemeClr val="accent1"/>
+          </a:effectRef>
+          <a:fontRef idx="minor">
+            <a:schemeClr val="lt1"/>
+          </a:fontRef>
+        </p:style>
+        <p:txBody>
+          <a:bodyPr rtlCol="0" anchor="ctr"/>
+          <a:lstStyle/>
+          <a:p>
+            <a:pPr algn="ctr"/>
+            <a:r>
+              <a:rPr lang="en-US" sz="1400" dirty="0">
+                <a:latin typeface="Helvetica" panose="020B0604020202020204" pitchFamily="34" charset="0"/>
+                <a:ea typeface="Yu Gothic UI Semilight" panose="020B0400000000000000" pitchFamily="34" charset="-128"/>
+                <a:cs typeface="Helvetica" panose="020B0604020202020204" pitchFamily="34" charset="0"/>
+              </a:rPr>
+              <a:t>5</a:t>
+            </a:r>
+          </a:p>
+        </p:txBody>
+      </p:sp>
+      <p:sp>
+        <p:nvSpPr>
+          <p:cNvPr id="12" name="Oval 11">
+            <a:extLst>
+              <a:ext uri="{FF2B5EF4-FFF2-40B4-BE49-F238E27FC236}">
+                <a16:creationId xmlns:a16="http://schemas.microsoft.com/office/drawing/2014/main" id="{34F1A381-F449-4383-A3D0-BD23A6A67B53}"/>
+              </a:ext>
+            </a:extLst>
+          </p:cNvPr>
+          <p:cNvSpPr/>
+          <p:nvPr/>
+        </p:nvSpPr>
+        <p:spPr>
+          <a:xfrm>
+            <a:off x="7037031" y="1882808"/>
+            <a:ext cx="217114" cy="219075"/>
+          </a:xfrm>
+          <a:prstGeom prst="ellipse">
+            <a:avLst/>
+          </a:prstGeom>
+          <a:solidFill>
+            <a:srgbClr val="4472C4"/>
+          </a:solidFill>
+          <a:ln>
+            <a:noFill/>
+          </a:ln>
+        </p:spPr>
+        <p:style>
+          <a:lnRef idx="2">
+            <a:schemeClr val="accent1">
+              <a:shade val="50000"/>
+            </a:schemeClr>
+          </a:lnRef>
+          <a:fillRef idx="1">
+            <a:schemeClr val="accent1"/>
+          </a:fillRef>
+          <a:effectRef idx="0">
+            <a:schemeClr val="accent1"/>
+          </a:effectRef>
+          <a:fontRef idx="minor">
+            <a:schemeClr val="lt1"/>
+          </a:fontRef>
+        </p:style>
+        <p:txBody>
+          <a:bodyPr rtlCol="0" anchor="ctr"/>
+          <a:lstStyle/>
+          <a:p>
+            <a:pPr algn="ctr"/>
+            <a:r>
+              <a:rPr lang="en-US" sz="1000" dirty="0">
+                <a:latin typeface="Helvetica" panose="020B0604020202020204" pitchFamily="34" charset="0"/>
+                <a:ea typeface="Yu Gothic UI Semilight" panose="020B0400000000000000" pitchFamily="34" charset="-128"/>
+                <a:cs typeface="Helvetica" panose="020B0604020202020204" pitchFamily="34" charset="0"/>
+              </a:rPr>
+              <a:t>1</a:t>
+            </a:r>
+          </a:p>
+        </p:txBody>
+      </p:sp>
+      <p:sp>
+        <p:nvSpPr>
+          <p:cNvPr id="14" name="Oval 13">
+            <a:extLst>
+              <a:ext uri="{FF2B5EF4-FFF2-40B4-BE49-F238E27FC236}">
+                <a16:creationId xmlns:a16="http://schemas.microsoft.com/office/drawing/2014/main" id="{DA5A92B0-CF10-4A15-B9FE-B59C24004706}"/>
+              </a:ext>
+            </a:extLst>
+          </p:cNvPr>
+          <p:cNvSpPr/>
+          <p:nvPr/>
+        </p:nvSpPr>
+        <p:spPr>
+          <a:xfrm>
+            <a:off x="8672515" y="1971389"/>
+            <a:ext cx="217114" cy="219075"/>
+          </a:xfrm>
+          <a:prstGeom prst="ellipse">
+            <a:avLst/>
+          </a:prstGeom>
+          <a:solidFill>
+            <a:srgbClr val="4472C4"/>
+          </a:solidFill>
+          <a:ln>
+            <a:noFill/>
+          </a:ln>
+        </p:spPr>
+        <p:style>
+          <a:lnRef idx="2">
+            <a:schemeClr val="accent1">
+              <a:shade val="50000"/>
+            </a:schemeClr>
+          </a:lnRef>
+          <a:fillRef idx="1">
+            <a:schemeClr val="accent1"/>
+          </a:fillRef>
+          <a:effectRef idx="0">
+            <a:schemeClr val="accent1"/>
+          </a:effectRef>
+          <a:fontRef idx="minor">
+            <a:schemeClr val="lt1"/>
+          </a:fontRef>
+        </p:style>
+        <p:txBody>
+          <a:bodyPr rtlCol="0" anchor="ctr"/>
+          <a:lstStyle/>
+          <a:p>
+            <a:pPr algn="ctr"/>
+            <a:r>
+              <a:rPr lang="en-US" sz="1000" dirty="0">
+                <a:latin typeface="Helvetica" panose="020B0604020202020204" pitchFamily="34" charset="0"/>
+                <a:ea typeface="Yu Gothic UI Semilight" panose="020B0400000000000000" pitchFamily="34" charset="-128"/>
+                <a:cs typeface="Helvetica" panose="020B0604020202020204" pitchFamily="34" charset="0"/>
+              </a:rPr>
+              <a:t>2</a:t>
+            </a:r>
+          </a:p>
+        </p:txBody>
+      </p:sp>
+      <p:sp>
+        <p:nvSpPr>
+          <p:cNvPr id="15" name="Oval 14">
+            <a:extLst>
+              <a:ext uri="{FF2B5EF4-FFF2-40B4-BE49-F238E27FC236}">
+                <a16:creationId xmlns:a16="http://schemas.microsoft.com/office/drawing/2014/main" id="{DC37DB1B-B188-474B-9093-ED84DC141F93}"/>
+              </a:ext>
+            </a:extLst>
+          </p:cNvPr>
+          <p:cNvSpPr/>
+          <p:nvPr/>
+        </p:nvSpPr>
+        <p:spPr>
+          <a:xfrm>
+            <a:off x="10501797" y="1959764"/>
+            <a:ext cx="217114" cy="219075"/>
+          </a:xfrm>
+          <a:prstGeom prst="ellipse">
+            <a:avLst/>
+          </a:prstGeom>
+          <a:solidFill>
+            <a:srgbClr val="4472C4"/>
+          </a:solidFill>
+          <a:ln>
+            <a:noFill/>
+          </a:ln>
+        </p:spPr>
+        <p:style>
+          <a:lnRef idx="2">
+            <a:schemeClr val="accent1">
+              <a:shade val="50000"/>
+            </a:schemeClr>
+          </a:lnRef>
+          <a:fillRef idx="1">
+            <a:schemeClr val="accent1"/>
+          </a:fillRef>
+          <a:effectRef idx="0">
+            <a:schemeClr val="accent1"/>
+          </a:effectRef>
+          <a:fontRef idx="minor">
+            <a:schemeClr val="lt1"/>
+          </a:fontRef>
+        </p:style>
+        <p:txBody>
+          <a:bodyPr rtlCol="0" anchor="ctr"/>
+          <a:lstStyle/>
+          <a:p>
+            <a:pPr algn="ctr"/>
+            <a:r>
+              <a:rPr lang="en-US" sz="1000" dirty="0">
+                <a:latin typeface="Helvetica" panose="020B0604020202020204" pitchFamily="34" charset="0"/>
+                <a:ea typeface="Yu Gothic UI Semilight" panose="020B0400000000000000" pitchFamily="34" charset="-128"/>
+                <a:cs typeface="Helvetica" panose="020B0604020202020204" pitchFamily="34" charset="0"/>
+              </a:rPr>
+              <a:t>2</a:t>
+            </a:r>
+          </a:p>
+        </p:txBody>
+      </p:sp>
+      <p:sp>
+        <p:nvSpPr>
+          <p:cNvPr id="16" name="Oval 15">
+            <a:extLst>
+              <a:ext uri="{FF2B5EF4-FFF2-40B4-BE49-F238E27FC236}">
+                <a16:creationId xmlns:a16="http://schemas.microsoft.com/office/drawing/2014/main" id="{75808FC3-B747-41FD-BDCB-974E2F86DDF6}"/>
+              </a:ext>
+            </a:extLst>
+          </p:cNvPr>
+          <p:cNvSpPr/>
+          <p:nvPr/>
+        </p:nvSpPr>
+        <p:spPr>
+          <a:xfrm>
+            <a:off x="9195512" y="3770865"/>
+            <a:ext cx="217114" cy="219075"/>
+          </a:xfrm>
+          <a:prstGeom prst="ellipse">
+            <a:avLst/>
+          </a:prstGeom>
+          <a:solidFill>
+            <a:srgbClr val="4472C4"/>
+          </a:solidFill>
+          <a:ln>
+            <a:noFill/>
+          </a:ln>
+        </p:spPr>
+        <p:style>
+          <a:lnRef idx="2">
+            <a:schemeClr val="accent1">
+              <a:shade val="50000"/>
+            </a:schemeClr>
+          </a:lnRef>
+          <a:fillRef idx="1">
+            <a:schemeClr val="accent1"/>
+          </a:fillRef>
+          <a:effectRef idx="0">
+            <a:schemeClr val="accent1"/>
+          </a:effectRef>
+          <a:fontRef idx="minor">
+            <a:schemeClr val="lt1"/>
+          </a:fontRef>
+        </p:style>
+        <p:txBody>
+          <a:bodyPr rtlCol="0" anchor="ctr"/>
+          <a:lstStyle/>
+          <a:p>
+            <a:pPr algn="ctr"/>
+            <a:r>
+              <a:rPr lang="en-US" sz="1000" dirty="0">
+                <a:latin typeface="Helvetica" panose="020B0604020202020204" pitchFamily="34" charset="0"/>
+                <a:ea typeface="Yu Gothic UI Semilight" panose="020B0400000000000000" pitchFamily="34" charset="-128"/>
+                <a:cs typeface="Helvetica" panose="020B0604020202020204" pitchFamily="34" charset="0"/>
+              </a:rPr>
+              <a:t>3</a:t>
+            </a:r>
+          </a:p>
+        </p:txBody>
+      </p:sp>
+      <p:sp>
+        <p:nvSpPr>
+          <p:cNvPr id="17" name="Oval 16">
+            <a:extLst>
+              <a:ext uri="{FF2B5EF4-FFF2-40B4-BE49-F238E27FC236}">
+                <a16:creationId xmlns:a16="http://schemas.microsoft.com/office/drawing/2014/main" id="{321ED15A-342B-48F7-A523-6D4F6A847777}"/>
+              </a:ext>
+            </a:extLst>
+          </p:cNvPr>
+          <p:cNvSpPr/>
+          <p:nvPr/>
+        </p:nvSpPr>
+        <p:spPr>
+          <a:xfrm>
+            <a:off x="6843150" y="3810298"/>
+            <a:ext cx="217114" cy="219075"/>
+          </a:xfrm>
+          <a:prstGeom prst="ellipse">
+            <a:avLst/>
+          </a:prstGeom>
+          <a:solidFill>
+            <a:srgbClr val="4472C4"/>
+          </a:solidFill>
+          <a:ln>
+            <a:noFill/>
+          </a:ln>
+        </p:spPr>
+        <p:style>
+          <a:lnRef idx="2">
+            <a:schemeClr val="accent1">
+              <a:shade val="50000"/>
+            </a:schemeClr>
+          </a:lnRef>
+          <a:fillRef idx="1">
+            <a:schemeClr val="accent1"/>
+          </a:fillRef>
+          <a:effectRef idx="0">
+            <a:schemeClr val="accent1"/>
+          </a:effectRef>
+          <a:fontRef idx="minor">
+            <a:schemeClr val="lt1"/>
+          </a:fontRef>
+        </p:style>
+        <p:txBody>
+          <a:bodyPr rtlCol="0" anchor="ctr"/>
+          <a:lstStyle/>
+          <a:p>
+            <a:pPr algn="ctr"/>
+            <a:r>
+              <a:rPr lang="en-US" sz="1000" dirty="0">
+                <a:latin typeface="Helvetica" panose="020B0604020202020204" pitchFamily="34" charset="0"/>
+                <a:ea typeface="Yu Gothic UI Semilight" panose="020B0400000000000000" pitchFamily="34" charset="-128"/>
+                <a:cs typeface="Helvetica" panose="020B0604020202020204" pitchFamily="34" charset="0"/>
+              </a:rPr>
+              <a:t>2</a:t>
+            </a:r>
+          </a:p>
+        </p:txBody>
+      </p:sp>
+      <p:sp>
+        <p:nvSpPr>
+          <p:cNvPr id="18" name="Oval 17">
+            <a:extLst>
+              <a:ext uri="{FF2B5EF4-FFF2-40B4-BE49-F238E27FC236}">
+                <a16:creationId xmlns:a16="http://schemas.microsoft.com/office/drawing/2014/main" id="{3CF7906E-826F-4F41-B2FE-D8C7A6B6A573}"/>
+              </a:ext>
+            </a:extLst>
+          </p:cNvPr>
+          <p:cNvSpPr/>
+          <p:nvPr/>
+        </p:nvSpPr>
+        <p:spPr>
+          <a:xfrm>
+            <a:off x="7497341" y="5291591"/>
+            <a:ext cx="217114" cy="219075"/>
+          </a:xfrm>
+          <a:prstGeom prst="ellipse">
+            <a:avLst/>
+          </a:prstGeom>
+          <a:solidFill>
+            <a:srgbClr val="4472C4"/>
+          </a:solidFill>
+          <a:ln>
+            <a:noFill/>
+          </a:ln>
+        </p:spPr>
+        <p:style>
+          <a:lnRef idx="2">
+            <a:schemeClr val="accent1">
+              <a:shade val="50000"/>
+            </a:schemeClr>
+          </a:lnRef>
+          <a:fillRef idx="1">
+            <a:schemeClr val="accent1"/>
+          </a:fillRef>
+          <a:effectRef idx="0">
+            <a:schemeClr val="accent1"/>
+          </a:effectRef>
+          <a:fontRef idx="minor">
+            <a:schemeClr val="lt1"/>
+          </a:fontRef>
+        </p:style>
+        <p:txBody>
+          <a:bodyPr rtlCol="0" anchor="ctr"/>
+          <a:lstStyle/>
+          <a:p>
+            <a:pPr algn="ctr"/>
+            <a:r>
+              <a:rPr lang="en-US" sz="1000" dirty="0">
+                <a:latin typeface="Helvetica" panose="020B0604020202020204" pitchFamily="34" charset="0"/>
+                <a:ea typeface="Yu Gothic UI Semilight" panose="020B0400000000000000" pitchFamily="34" charset="-128"/>
+                <a:cs typeface="Helvetica" panose="020B0604020202020204" pitchFamily="34" charset="0"/>
+              </a:rPr>
+              <a:t>4</a:t>
+            </a:r>
+          </a:p>
+        </p:txBody>
+      </p:sp>
+      <p:sp>
+        <p:nvSpPr>
+          <p:cNvPr id="19" name="Oval 18">
+            <a:extLst>
+              <a:ext uri="{FF2B5EF4-FFF2-40B4-BE49-F238E27FC236}">
+                <a16:creationId xmlns:a16="http://schemas.microsoft.com/office/drawing/2014/main" id="{85BA1F01-0831-49FA-AA86-C3F1B1817CEF}"/>
+              </a:ext>
+            </a:extLst>
+          </p:cNvPr>
+          <p:cNvSpPr/>
+          <p:nvPr/>
+        </p:nvSpPr>
+        <p:spPr>
+          <a:xfrm>
+            <a:off x="9516244" y="5182053"/>
+            <a:ext cx="217114" cy="219075"/>
+          </a:xfrm>
+          <a:prstGeom prst="ellipse">
+            <a:avLst/>
+          </a:prstGeom>
+          <a:solidFill>
+            <a:srgbClr val="4472C4"/>
+          </a:solidFill>
+          <a:ln>
+            <a:noFill/>
+          </a:ln>
+        </p:spPr>
+        <p:style>
+          <a:lnRef idx="2">
+            <a:schemeClr val="accent1">
+              <a:shade val="50000"/>
+            </a:schemeClr>
+          </a:lnRef>
+          <a:fillRef idx="1">
+            <a:schemeClr val="accent1"/>
+          </a:fillRef>
+          <a:effectRef idx="0">
+            <a:schemeClr val="accent1"/>
+          </a:effectRef>
+          <a:fontRef idx="minor">
+            <a:schemeClr val="lt1"/>
+          </a:fontRef>
+        </p:style>
+        <p:txBody>
+          <a:bodyPr rtlCol="0" anchor="ctr"/>
+          <a:lstStyle/>
+          <a:p>
+            <a:pPr algn="ctr"/>
+            <a:r>
+              <a:rPr lang="en-US" sz="1000" dirty="0">
+                <a:latin typeface="Helvetica" panose="020B0604020202020204" pitchFamily="34" charset="0"/>
+                <a:ea typeface="Yu Gothic UI Semilight" panose="020B0400000000000000" pitchFamily="34" charset="-128"/>
+                <a:cs typeface="Helvetica" panose="020B0604020202020204" pitchFamily="34" charset="0"/>
+              </a:rPr>
+              <a:t>5</a:t>
+            </a:r>
+          </a:p>
+        </p:txBody>
+      </p:sp>
     </p:spTree>
     <p:extLst>
       <p:ext uri="{BB962C8B-B14F-4D97-AF65-F5344CB8AC3E}">
-        <p14:creationId xmlns:p14="http://schemas.microsoft.com/office/powerpoint/2010/main" val="3150724132"/>
+        <p14:creationId xmlns:p14="http://schemas.microsoft.com/office/powerpoint/2010/main" val="3953503941"/>
       </p:ext>
     </p:extLst>
   </p:cSld>
